--- a/w-第五次组会_2018.11.5.pptx
+++ b/w-第五次组会_2018.11.5.pptx
@@ -5,19 +5,37 @@
     <p:sldMasterId id="2147483648" r:id="rId1"/>
   </p:sldMasterIdLst>
   <p:notesMasterIdLst>
-    <p:notesMasterId r:id="rId12"/>
+    <p:notesMasterId r:id="rId30"/>
   </p:notesMasterIdLst>
   <p:sldIdLst>
     <p:sldId id="256" r:id="rId2"/>
     <p:sldId id="257" r:id="rId3"/>
     <p:sldId id="258" r:id="rId4"/>
     <p:sldId id="260" r:id="rId5"/>
-    <p:sldId id="261" r:id="rId6"/>
-    <p:sldId id="262" r:id="rId7"/>
-    <p:sldId id="263" r:id="rId8"/>
-    <p:sldId id="264" r:id="rId9"/>
-    <p:sldId id="265" r:id="rId10"/>
-    <p:sldId id="259" r:id="rId11"/>
+    <p:sldId id="266" r:id="rId6"/>
+    <p:sldId id="267" r:id="rId7"/>
+    <p:sldId id="268" r:id="rId8"/>
+    <p:sldId id="265" r:id="rId9"/>
+    <p:sldId id="263" r:id="rId10"/>
+    <p:sldId id="264" r:id="rId11"/>
+    <p:sldId id="259" r:id="rId12"/>
+    <p:sldId id="269" r:id="rId13"/>
+    <p:sldId id="270" r:id="rId14"/>
+    <p:sldId id="271" r:id="rId15"/>
+    <p:sldId id="278" r:id="rId16"/>
+    <p:sldId id="273" r:id="rId17"/>
+    <p:sldId id="274" r:id="rId18"/>
+    <p:sldId id="275" r:id="rId19"/>
+    <p:sldId id="276" r:id="rId20"/>
+    <p:sldId id="277" r:id="rId21"/>
+    <p:sldId id="279" r:id="rId22"/>
+    <p:sldId id="280" r:id="rId23"/>
+    <p:sldId id="281" r:id="rId24"/>
+    <p:sldId id="282" r:id="rId25"/>
+    <p:sldId id="283" r:id="rId26"/>
+    <p:sldId id="284" r:id="rId27"/>
+    <p:sldId id="285" r:id="rId28"/>
+    <p:sldId id="286" r:id="rId29"/>
   </p:sldIdLst>
   <p:sldSz cx="12192000" cy="6858000"/>
   <p:notesSz cx="6858000" cy="9144000"/>
@@ -116,6 +134,11 @@
       </a:defRPr>
     </a:lvl9pPr>
   </p:defaultTextStyle>
+  <p:extLst>
+    <p:ext uri="{EFAFB233-063F-42B5-8137-9DF3F51BA10A}">
+      <p15:sldGuideLst xmlns:p15="http://schemas.microsoft.com/office/powerpoint/2012/main"/>
+    </p:ext>
+  </p:extLst>
 </p:presentation>
 </file>
 
@@ -654,6 +677,1787 @@
 </p:notes>
 </file>
 
+<file path=ppt/notesSlides/notesSlide10.xml><?xml version="1.0" encoding="utf-8"?>
+<p:notes xmlns:a="http://schemas.openxmlformats.org/drawingml/2006/main" xmlns:r="http://schemas.openxmlformats.org/officeDocument/2006/relationships" xmlns:p="http://schemas.openxmlformats.org/presentationml/2006/main">
+  <p:cSld>
+    <p:spTree>
+      <p:nvGrpSpPr>
+        <p:cNvPr id="1" name=""/>
+        <p:cNvGrpSpPr/>
+        <p:nvPr/>
+      </p:nvGrpSpPr>
+      <p:grpSpPr>
+        <a:xfrm>
+          <a:off x="0" y="0"/>
+          <a:ext cx="0" cy="0"/>
+          <a:chOff x="0" y="0"/>
+          <a:chExt cx="0" cy="0"/>
+        </a:xfrm>
+      </p:grpSpPr>
+      <p:sp>
+        <p:nvSpPr>
+          <p:cNvPr id="2" name="幻灯片图像占位符 1"/>
+          <p:cNvSpPr>
+            <a:spLocks noGrp="1" noRot="1" noChangeAspect="1"/>
+          </p:cNvSpPr>
+          <p:nvPr>
+            <p:ph type="sldImg"/>
+          </p:nvPr>
+        </p:nvSpPr>
+        <p:spPr/>
+      </p:sp>
+      <p:sp>
+        <p:nvSpPr>
+          <p:cNvPr id="3" name="备注占位符 2"/>
+          <p:cNvSpPr>
+            <a:spLocks noGrp="1"/>
+          </p:cNvSpPr>
+          <p:nvPr>
+            <p:ph type="body" idx="1"/>
+          </p:nvPr>
+        </p:nvSpPr>
+        <p:spPr/>
+        <p:txBody>
+          <a:bodyPr/>
+          <a:lstStyle/>
+          <a:p>
+            <a:r>
+              <a:rPr lang="zh-CN" altLang="zh-CN" sz="1200" kern="1200" dirty="0">
+                <a:solidFill>
+                  <a:schemeClr val="tx1"/>
+                </a:solidFill>
+                <a:effectLst/>
+                <a:latin typeface="+mn-lt"/>
+                <a:ea typeface="+mn-ea"/>
+                <a:cs typeface="+mn-cs"/>
+              </a:rPr>
+              <a:t>基于双线性插值的上采样，没有任何学习，基于所有精度测量表现最差。</a:t>
+            </a:r>
+          </a:p>
+          <a:p>
+            <a:r>
+              <a:rPr lang="zh-CN" altLang="zh-CN" sz="1200" kern="1200" dirty="0">
+                <a:solidFill>
+                  <a:schemeClr val="tx1"/>
+                </a:solidFill>
+                <a:effectLst/>
+                <a:latin typeface="+mn-lt"/>
+                <a:ea typeface="+mn-ea"/>
+                <a:cs typeface="+mn-cs"/>
+              </a:rPr>
+              <a:t>其他的方法都比其好，表明了在分割中学习解码器的重要性</a:t>
+            </a:r>
+          </a:p>
+          <a:p>
+            <a:endParaRPr lang="zh-CN" altLang="en-US" dirty="0"/>
+          </a:p>
+        </p:txBody>
+      </p:sp>
+      <p:sp>
+        <p:nvSpPr>
+          <p:cNvPr id="4" name="灯片编号占位符 3"/>
+          <p:cNvSpPr>
+            <a:spLocks noGrp="1"/>
+          </p:cNvSpPr>
+          <p:nvPr>
+            <p:ph type="sldNum" sz="quarter" idx="5"/>
+          </p:nvPr>
+        </p:nvSpPr>
+        <p:spPr/>
+        <p:txBody>
+          <a:bodyPr/>
+          <a:lstStyle/>
+          <a:p>
+            <a:fld id="{C83AA2C2-85F3-459D-9C60-3B97B278D270}" type="slidenum">
+              <a:rPr lang="zh-CN" altLang="en-US" smtClean="0"/>
+              <a:t>14</a:t>
+            </a:fld>
+            <a:endParaRPr lang="zh-CN" altLang="en-US"/>
+          </a:p>
+        </p:txBody>
+      </p:sp>
+    </p:spTree>
+    <p:extLst>
+      <p:ext uri="{BB962C8B-B14F-4D97-AF65-F5344CB8AC3E}">
+        <p14:creationId xmlns:p14="http://schemas.microsoft.com/office/powerpoint/2010/main" val="1286372846"/>
+      </p:ext>
+    </p:extLst>
+  </p:cSld>
+  <p:clrMapOvr>
+    <a:masterClrMapping/>
+  </p:clrMapOvr>
+</p:notes>
+</file>
+
+<file path=ppt/notesSlides/notesSlide11.xml><?xml version="1.0" encoding="utf-8"?>
+<p:notes xmlns:a="http://schemas.openxmlformats.org/drawingml/2006/main" xmlns:r="http://schemas.openxmlformats.org/officeDocument/2006/relationships" xmlns:p="http://schemas.openxmlformats.org/presentationml/2006/main">
+  <p:cSld>
+    <p:spTree>
+      <p:nvGrpSpPr>
+        <p:cNvPr id="1" name=""/>
+        <p:cNvGrpSpPr/>
+        <p:nvPr/>
+      </p:nvGrpSpPr>
+      <p:grpSpPr>
+        <a:xfrm>
+          <a:off x="0" y="0"/>
+          <a:ext cx="0" cy="0"/>
+          <a:chOff x="0" y="0"/>
+          <a:chExt cx="0" cy="0"/>
+        </a:xfrm>
+      </p:grpSpPr>
+      <p:sp>
+        <p:nvSpPr>
+          <p:cNvPr id="2" name="幻灯片图像占位符 1"/>
+          <p:cNvSpPr>
+            <a:spLocks noGrp="1" noRot="1" noChangeAspect="1"/>
+          </p:cNvSpPr>
+          <p:nvPr>
+            <p:ph type="sldImg"/>
+          </p:nvPr>
+        </p:nvSpPr>
+        <p:spPr/>
+      </p:sp>
+      <p:sp>
+        <p:nvSpPr>
+          <p:cNvPr id="3" name="备注占位符 2"/>
+          <p:cNvSpPr>
+            <a:spLocks noGrp="1"/>
+          </p:cNvSpPr>
+          <p:nvPr>
+            <p:ph type="body" idx="1"/>
+          </p:nvPr>
+        </p:nvSpPr>
+        <p:spPr/>
+        <p:txBody>
+          <a:bodyPr/>
+          <a:lstStyle/>
+          <a:p>
+            <a:pPr>
+              <a:lnSpc>
+                <a:spcPct val="170000"/>
+              </a:lnSpc>
+            </a:pPr>
+            <a:r>
+              <a:rPr lang="zh-CN" altLang="zh-CN" dirty="0"/>
+              <a:t>比较</a:t>
+            </a:r>
+            <a:r>
+              <a:rPr lang="en-US" altLang="zh-CN" dirty="0" err="1"/>
+              <a:t>SegNet</a:t>
+            </a:r>
+            <a:r>
+              <a:rPr lang="en-US" altLang="zh-CN" dirty="0"/>
+              <a:t>-Basic</a:t>
+            </a:r>
+            <a:r>
+              <a:rPr lang="zh-CN" altLang="zh-CN" dirty="0"/>
+              <a:t>和</a:t>
+            </a:r>
+            <a:r>
+              <a:rPr lang="en-US" altLang="zh-CN" dirty="0"/>
+              <a:t>FCN-Basic</a:t>
+            </a:r>
+            <a:r>
+              <a:rPr lang="zh-CN" altLang="zh-CN" dirty="0"/>
+              <a:t>时，我们发现在所有测量精度的测试中，两者都表现得同样出色。</a:t>
+            </a:r>
+          </a:p>
+          <a:p>
+            <a:pPr>
+              <a:lnSpc>
+                <a:spcPct val="170000"/>
+              </a:lnSpc>
+            </a:pPr>
+            <a:r>
+              <a:rPr lang="zh-CN" altLang="zh-CN" dirty="0"/>
+              <a:t>区别在于</a:t>
+            </a:r>
+            <a:r>
+              <a:rPr lang="en-US" altLang="zh-CN" dirty="0" err="1"/>
+              <a:t>SegNet</a:t>
+            </a:r>
+            <a:r>
+              <a:rPr lang="zh-CN" altLang="zh-CN" dirty="0"/>
+              <a:t>在推理期间使用较少的内存，因为它仅存储最大池化索引。</a:t>
+            </a:r>
+          </a:p>
+          <a:p>
+            <a:pPr>
+              <a:lnSpc>
+                <a:spcPct val="170000"/>
+              </a:lnSpc>
+            </a:pPr>
+            <a:r>
+              <a:rPr lang="en-US" altLang="zh-CN" dirty="0"/>
+              <a:t>FCN-Basic</a:t>
+            </a:r>
+            <a:r>
+              <a:rPr lang="zh-CN" altLang="zh-CN" dirty="0"/>
+              <a:t>使用降维在每个解码器层中具有较少的特征图。这减少了解码器网络中的卷积数，因此</a:t>
+            </a:r>
+            <a:r>
+              <a:rPr lang="en-US" altLang="zh-CN" dirty="0"/>
+              <a:t>FCN-Basic</a:t>
+            </a:r>
+            <a:r>
+              <a:rPr lang="zh-CN" altLang="zh-CN" dirty="0"/>
+              <a:t>在推理（正向传递）期间更快。</a:t>
+            </a:r>
+          </a:p>
+          <a:p>
+            <a:pPr>
+              <a:lnSpc>
+                <a:spcPct val="170000"/>
+              </a:lnSpc>
+            </a:pPr>
+            <a:r>
+              <a:rPr lang="en-US" altLang="zh-CN" dirty="0" err="1"/>
+              <a:t>SegNet</a:t>
+            </a:r>
+            <a:r>
+              <a:rPr lang="en-US" altLang="zh-CN" dirty="0"/>
+              <a:t>-Basic</a:t>
+            </a:r>
+            <a:r>
+              <a:rPr lang="zh-CN" altLang="zh-CN" dirty="0"/>
+              <a:t>中的解码器网络使其整体上比</a:t>
+            </a:r>
+            <a:r>
+              <a:rPr lang="en-US" altLang="zh-CN" dirty="0"/>
+              <a:t>FCN-Basic</a:t>
+            </a:r>
+            <a:r>
+              <a:rPr lang="zh-CN" altLang="zh-CN" dirty="0"/>
+              <a:t>更大。这使得它具有更高的灵活性，因此在相同的迭代次数下实现了比</a:t>
+            </a:r>
+            <a:r>
+              <a:rPr lang="en-US" altLang="zh-CN" dirty="0"/>
+              <a:t>FCN-Basic</a:t>
+            </a:r>
+            <a:r>
+              <a:rPr lang="zh-CN" altLang="zh-CN" dirty="0"/>
+              <a:t>更高的训练精度。</a:t>
+            </a:r>
+          </a:p>
+          <a:p>
+            <a:pPr>
+              <a:lnSpc>
+                <a:spcPct val="170000"/>
+              </a:lnSpc>
+            </a:pPr>
+            <a:r>
+              <a:rPr lang="zh-CN" altLang="zh-CN" dirty="0"/>
+              <a:t>总的来说，当推理时间内存受到限制但是在某种程度上可以妥协推理时间时，我们看到</a:t>
+            </a:r>
+            <a:r>
+              <a:rPr lang="en-US" altLang="zh-CN" dirty="0" err="1"/>
+              <a:t>SegNet</a:t>
+            </a:r>
+            <a:r>
+              <a:rPr lang="en-US" altLang="zh-CN" dirty="0"/>
+              <a:t>-Basic</a:t>
+            </a:r>
+            <a:r>
+              <a:rPr lang="zh-CN" altLang="zh-CN" dirty="0"/>
+              <a:t>优于</a:t>
+            </a:r>
+            <a:r>
+              <a:rPr lang="en-US" altLang="zh-CN" dirty="0"/>
+              <a:t>FCN-Basic</a:t>
+            </a:r>
+            <a:r>
+              <a:rPr lang="zh-CN" altLang="zh-CN" dirty="0"/>
+              <a:t>。</a:t>
+            </a:r>
+          </a:p>
+          <a:p>
+            <a:endParaRPr lang="zh-CN" altLang="en-US" dirty="0"/>
+          </a:p>
+        </p:txBody>
+      </p:sp>
+      <p:sp>
+        <p:nvSpPr>
+          <p:cNvPr id="4" name="灯片编号占位符 3"/>
+          <p:cNvSpPr>
+            <a:spLocks noGrp="1"/>
+          </p:cNvSpPr>
+          <p:nvPr>
+            <p:ph type="sldNum" sz="quarter" idx="5"/>
+          </p:nvPr>
+        </p:nvSpPr>
+        <p:spPr/>
+        <p:txBody>
+          <a:bodyPr/>
+          <a:lstStyle/>
+          <a:p>
+            <a:fld id="{C83AA2C2-85F3-459D-9C60-3B97B278D270}" type="slidenum">
+              <a:rPr lang="zh-CN" altLang="en-US" smtClean="0"/>
+              <a:t>15</a:t>
+            </a:fld>
+            <a:endParaRPr lang="zh-CN" altLang="en-US"/>
+          </a:p>
+        </p:txBody>
+      </p:sp>
+    </p:spTree>
+    <p:extLst>
+      <p:ext uri="{BB962C8B-B14F-4D97-AF65-F5344CB8AC3E}">
+        <p14:creationId xmlns:p14="http://schemas.microsoft.com/office/powerpoint/2010/main" val="107279076"/>
+      </p:ext>
+    </p:extLst>
+  </p:cSld>
+  <p:clrMapOvr>
+    <a:masterClrMapping/>
+  </p:clrMapOvr>
+</p:notes>
+</file>
+
+<file path=ppt/notesSlides/notesSlide12.xml><?xml version="1.0" encoding="utf-8"?>
+<p:notes xmlns:a="http://schemas.openxmlformats.org/drawingml/2006/main" xmlns:r="http://schemas.openxmlformats.org/officeDocument/2006/relationships" xmlns:p="http://schemas.openxmlformats.org/presentationml/2006/main">
+  <p:cSld>
+    <p:spTree>
+      <p:nvGrpSpPr>
+        <p:cNvPr id="1" name=""/>
+        <p:cNvGrpSpPr/>
+        <p:nvPr/>
+      </p:nvGrpSpPr>
+      <p:grpSpPr>
+        <a:xfrm>
+          <a:off x="0" y="0"/>
+          <a:ext cx="0" cy="0"/>
+          <a:chOff x="0" y="0"/>
+          <a:chExt cx="0" cy="0"/>
+        </a:xfrm>
+      </p:grpSpPr>
+      <p:sp>
+        <p:nvSpPr>
+          <p:cNvPr id="2" name="幻灯片图像占位符 1"/>
+          <p:cNvSpPr>
+            <a:spLocks noGrp="1" noRot="1" noChangeAspect="1"/>
+          </p:cNvSpPr>
+          <p:nvPr>
+            <p:ph type="sldImg"/>
+          </p:nvPr>
+        </p:nvSpPr>
+        <p:spPr/>
+      </p:sp>
+      <p:sp>
+        <p:nvSpPr>
+          <p:cNvPr id="3" name="备注占位符 2"/>
+          <p:cNvSpPr>
+            <a:spLocks noGrp="1"/>
+          </p:cNvSpPr>
+          <p:nvPr>
+            <p:ph type="body" idx="1"/>
+          </p:nvPr>
+        </p:nvSpPr>
+        <p:spPr/>
+        <p:txBody>
+          <a:bodyPr/>
+          <a:lstStyle/>
+          <a:p>
+            <a:r>
+              <a:rPr lang="en-US" altLang="zh-CN" sz="1200" kern="1200" dirty="0" err="1">
+                <a:solidFill>
+                  <a:schemeClr val="tx1"/>
+                </a:solidFill>
+                <a:effectLst/>
+                <a:latin typeface="+mn-lt"/>
+                <a:ea typeface="+mn-ea"/>
+                <a:cs typeface="+mn-cs"/>
+              </a:rPr>
+              <a:t>SegNet</a:t>
+            </a:r>
+            <a:r>
+              <a:rPr lang="en-US" altLang="zh-CN" sz="1200" kern="1200" dirty="0">
+                <a:solidFill>
+                  <a:schemeClr val="tx1"/>
+                </a:solidFill>
+                <a:effectLst/>
+                <a:latin typeface="+mn-lt"/>
+                <a:ea typeface="+mn-ea"/>
+                <a:cs typeface="+mn-cs"/>
+              </a:rPr>
+              <a:t>-Basic</a:t>
+            </a:r>
+            <a:r>
+              <a:rPr lang="zh-CN" altLang="zh-CN" sz="1200" kern="1200" dirty="0">
+                <a:solidFill>
+                  <a:schemeClr val="tx1"/>
+                </a:solidFill>
+                <a:effectLst/>
+                <a:latin typeface="+mn-lt"/>
+                <a:ea typeface="+mn-ea"/>
+                <a:cs typeface="+mn-cs"/>
+              </a:rPr>
+              <a:t>在解码器方面与</a:t>
+            </a:r>
+            <a:r>
+              <a:rPr lang="en-US" altLang="zh-CN" sz="1200" kern="1200" dirty="0">
+                <a:solidFill>
+                  <a:schemeClr val="tx1"/>
+                </a:solidFill>
+                <a:effectLst/>
+                <a:latin typeface="+mn-lt"/>
+                <a:ea typeface="+mn-ea"/>
+                <a:cs typeface="+mn-cs"/>
+              </a:rPr>
+              <a:t>FCN-Basic-</a:t>
+            </a:r>
+            <a:r>
+              <a:rPr lang="en-US" altLang="zh-CN" sz="1200" kern="1200" dirty="0" err="1">
+                <a:solidFill>
+                  <a:schemeClr val="tx1"/>
+                </a:solidFill>
+                <a:effectLst/>
+                <a:latin typeface="+mn-lt"/>
+                <a:ea typeface="+mn-ea"/>
+                <a:cs typeface="+mn-cs"/>
+              </a:rPr>
+              <a:t>NoAddition</a:t>
+            </a:r>
+            <a:r>
+              <a:rPr lang="zh-CN" altLang="zh-CN" sz="1200" kern="1200" dirty="0">
+                <a:solidFill>
+                  <a:schemeClr val="tx1"/>
+                </a:solidFill>
+                <a:effectLst/>
+                <a:latin typeface="+mn-lt"/>
+                <a:ea typeface="+mn-ea"/>
+                <a:cs typeface="+mn-cs"/>
+              </a:rPr>
+              <a:t>最相似。 </a:t>
+            </a:r>
+          </a:p>
+          <a:p>
+            <a:r>
+              <a:rPr lang="en-US" altLang="zh-CN" sz="1200" kern="1200" dirty="0" err="1">
+                <a:solidFill>
+                  <a:schemeClr val="tx1"/>
+                </a:solidFill>
+                <a:effectLst/>
+                <a:latin typeface="+mn-lt"/>
+                <a:ea typeface="+mn-ea"/>
+                <a:cs typeface="+mn-cs"/>
+              </a:rPr>
+              <a:t>SegNet</a:t>
+            </a:r>
+            <a:r>
+              <a:rPr lang="en-US" altLang="zh-CN" sz="1200" kern="1200" dirty="0">
+                <a:solidFill>
+                  <a:schemeClr val="tx1"/>
+                </a:solidFill>
+                <a:effectLst/>
+                <a:latin typeface="+mn-lt"/>
+                <a:ea typeface="+mn-ea"/>
+                <a:cs typeface="+mn-cs"/>
+              </a:rPr>
+              <a:t>-Basic</a:t>
+            </a:r>
+            <a:r>
+              <a:rPr lang="zh-CN" altLang="zh-CN" sz="1200" kern="1200" dirty="0">
+                <a:solidFill>
+                  <a:schemeClr val="tx1"/>
+                </a:solidFill>
+                <a:effectLst/>
+                <a:latin typeface="+mn-lt"/>
+                <a:ea typeface="+mn-ea"/>
+                <a:cs typeface="+mn-cs"/>
+              </a:rPr>
+              <a:t>的性能优越，部分原因在于其较大的解码器尺寸。 </a:t>
+            </a:r>
+          </a:p>
+          <a:p>
+            <a:r>
+              <a:rPr lang="zh-CN" altLang="zh-CN" sz="1200" kern="1200" dirty="0">
+                <a:solidFill>
+                  <a:schemeClr val="tx1"/>
+                </a:solidFill>
+                <a:effectLst/>
+                <a:latin typeface="+mn-lt"/>
+                <a:ea typeface="+mn-ea"/>
+                <a:cs typeface="+mn-cs"/>
+              </a:rPr>
+              <a:t>与</a:t>
+            </a:r>
+            <a:r>
+              <a:rPr lang="en-US" altLang="zh-CN" sz="1200" kern="1200" dirty="0">
+                <a:solidFill>
+                  <a:schemeClr val="tx1"/>
+                </a:solidFill>
+                <a:effectLst/>
+                <a:latin typeface="+mn-lt"/>
+                <a:ea typeface="+mn-ea"/>
+                <a:cs typeface="+mn-cs"/>
+              </a:rPr>
+              <a:t>FCN-Basic</a:t>
+            </a:r>
+            <a:r>
+              <a:rPr lang="zh-CN" altLang="zh-CN" sz="1200" kern="1200" dirty="0">
+                <a:solidFill>
+                  <a:schemeClr val="tx1"/>
+                </a:solidFill>
+                <a:effectLst/>
+                <a:latin typeface="+mn-lt"/>
+                <a:ea typeface="+mn-ea"/>
+                <a:cs typeface="+mn-cs"/>
+              </a:rPr>
+              <a:t>相比，</a:t>
+            </a:r>
+            <a:r>
+              <a:rPr lang="en-US" altLang="zh-CN" sz="1200" kern="1200" dirty="0">
+                <a:solidFill>
+                  <a:schemeClr val="tx1"/>
+                </a:solidFill>
+                <a:effectLst/>
+                <a:latin typeface="+mn-lt"/>
+                <a:ea typeface="+mn-ea"/>
+                <a:cs typeface="+mn-cs"/>
+              </a:rPr>
+              <a:t>FCN-Basic-</a:t>
+            </a:r>
+            <a:r>
+              <a:rPr lang="en-US" altLang="zh-CN" sz="1200" kern="1200" dirty="0" err="1">
+                <a:solidFill>
+                  <a:schemeClr val="tx1"/>
+                </a:solidFill>
+                <a:effectLst/>
+                <a:latin typeface="+mn-lt"/>
+                <a:ea typeface="+mn-ea"/>
+                <a:cs typeface="+mn-cs"/>
+              </a:rPr>
+              <a:t>NoAddition</a:t>
+            </a:r>
+            <a:r>
+              <a:rPr lang="zh-CN" altLang="zh-CN" sz="1200" kern="1200" dirty="0">
+                <a:solidFill>
+                  <a:schemeClr val="tx1"/>
+                </a:solidFill>
+                <a:effectLst/>
+                <a:latin typeface="+mn-lt"/>
+                <a:ea typeface="+mn-ea"/>
+                <a:cs typeface="+mn-cs"/>
+              </a:rPr>
+              <a:t>的准确性也较低。 这表明捕获编码器特征图中存在的信息以获得更好的性能至关重要。 </a:t>
+            </a:r>
+          </a:p>
+          <a:p>
+            <a:endParaRPr lang="zh-CN" altLang="en-US" dirty="0"/>
+          </a:p>
+        </p:txBody>
+      </p:sp>
+      <p:sp>
+        <p:nvSpPr>
+          <p:cNvPr id="4" name="灯片编号占位符 3"/>
+          <p:cNvSpPr>
+            <a:spLocks noGrp="1"/>
+          </p:cNvSpPr>
+          <p:nvPr>
+            <p:ph type="sldNum" sz="quarter" idx="5"/>
+          </p:nvPr>
+        </p:nvSpPr>
+        <p:spPr/>
+        <p:txBody>
+          <a:bodyPr/>
+          <a:lstStyle/>
+          <a:p>
+            <a:fld id="{C83AA2C2-85F3-459D-9C60-3B97B278D270}" type="slidenum">
+              <a:rPr lang="zh-CN" altLang="en-US" smtClean="0"/>
+              <a:t>16</a:t>
+            </a:fld>
+            <a:endParaRPr lang="zh-CN" altLang="en-US"/>
+          </a:p>
+        </p:txBody>
+      </p:sp>
+    </p:spTree>
+    <p:extLst>
+      <p:ext uri="{BB962C8B-B14F-4D97-AF65-F5344CB8AC3E}">
+        <p14:creationId xmlns:p14="http://schemas.microsoft.com/office/powerpoint/2010/main" val="3886209527"/>
+      </p:ext>
+    </p:extLst>
+  </p:cSld>
+  <p:clrMapOvr>
+    <a:masterClrMapping/>
+  </p:clrMapOvr>
+</p:notes>
+</file>
+
+<file path=ppt/notesSlides/notesSlide13.xml><?xml version="1.0" encoding="utf-8"?>
+<p:notes xmlns:a="http://schemas.openxmlformats.org/drawingml/2006/main" xmlns:r="http://schemas.openxmlformats.org/officeDocument/2006/relationships" xmlns:p="http://schemas.openxmlformats.org/presentationml/2006/main">
+  <p:cSld>
+    <p:spTree>
+      <p:nvGrpSpPr>
+        <p:cNvPr id="1" name=""/>
+        <p:cNvGrpSpPr/>
+        <p:nvPr/>
+      </p:nvGrpSpPr>
+      <p:grpSpPr>
+        <a:xfrm>
+          <a:off x="0" y="0"/>
+          <a:ext cx="0" cy="0"/>
+          <a:chOff x="0" y="0"/>
+          <a:chExt cx="0" cy="0"/>
+        </a:xfrm>
+      </p:grpSpPr>
+      <p:sp>
+        <p:nvSpPr>
+          <p:cNvPr id="2" name="幻灯片图像占位符 1"/>
+          <p:cNvSpPr>
+            <a:spLocks noGrp="1" noRot="1" noChangeAspect="1"/>
+          </p:cNvSpPr>
+          <p:nvPr>
+            <p:ph type="sldImg"/>
+          </p:nvPr>
+        </p:nvSpPr>
+        <p:spPr/>
+      </p:sp>
+      <p:sp>
+        <p:nvSpPr>
+          <p:cNvPr id="3" name="备注占位符 2"/>
+          <p:cNvSpPr>
+            <a:spLocks noGrp="1"/>
+          </p:cNvSpPr>
+          <p:nvPr>
+            <p:ph type="body" idx="1"/>
+          </p:nvPr>
+        </p:nvSpPr>
+        <p:spPr/>
+        <p:txBody>
+          <a:bodyPr/>
+          <a:lstStyle/>
+          <a:p>
+            <a:r>
+              <a:rPr lang="en-US" altLang="zh-CN" sz="1200" kern="1200" dirty="0">
+                <a:solidFill>
+                  <a:schemeClr val="tx1"/>
+                </a:solidFill>
+                <a:effectLst/>
+                <a:latin typeface="+mn-lt"/>
+                <a:ea typeface="+mn-ea"/>
+                <a:cs typeface="+mn-cs"/>
+              </a:rPr>
+              <a:t>FCN-Basic-</a:t>
+            </a:r>
+            <a:r>
+              <a:rPr lang="en-US" altLang="zh-CN" sz="1200" kern="1200" dirty="0" err="1">
+                <a:solidFill>
+                  <a:schemeClr val="tx1"/>
+                </a:solidFill>
+                <a:effectLst/>
+                <a:latin typeface="+mn-lt"/>
+                <a:ea typeface="+mn-ea"/>
+                <a:cs typeface="+mn-cs"/>
+              </a:rPr>
+              <a:t>NoAddition</a:t>
+            </a:r>
+            <a:r>
+              <a:rPr lang="en-US" altLang="zh-CN" sz="1200" kern="1200" dirty="0">
+                <a:solidFill>
+                  <a:schemeClr val="tx1"/>
+                </a:solidFill>
+                <a:effectLst/>
+                <a:latin typeface="+mn-lt"/>
+                <a:ea typeface="+mn-ea"/>
+                <a:cs typeface="+mn-cs"/>
+              </a:rPr>
+              <a:t>-</a:t>
+            </a:r>
+            <a:r>
+              <a:rPr lang="en-US" altLang="zh-CN" sz="1200" kern="1200" dirty="0" err="1">
+                <a:solidFill>
+                  <a:schemeClr val="tx1"/>
+                </a:solidFill>
+                <a:effectLst/>
+                <a:latin typeface="+mn-lt"/>
+                <a:ea typeface="+mn-ea"/>
+                <a:cs typeface="+mn-cs"/>
+              </a:rPr>
+              <a:t>NoDimReduction</a:t>
+            </a:r>
+            <a:r>
+              <a:rPr lang="zh-CN" altLang="zh-CN" sz="1200" kern="1200" dirty="0">
+                <a:solidFill>
+                  <a:schemeClr val="tx1"/>
+                </a:solidFill>
+                <a:effectLst/>
+                <a:latin typeface="+mn-lt"/>
+                <a:ea typeface="+mn-ea"/>
+                <a:cs typeface="+mn-cs"/>
+              </a:rPr>
+              <a:t>模型的大小略大于</a:t>
+            </a:r>
+            <a:r>
+              <a:rPr lang="en-US" altLang="zh-CN" sz="1200" kern="1200" dirty="0" err="1">
+                <a:solidFill>
+                  <a:schemeClr val="tx1"/>
+                </a:solidFill>
+                <a:effectLst/>
+                <a:latin typeface="+mn-lt"/>
+                <a:ea typeface="+mn-ea"/>
+                <a:cs typeface="+mn-cs"/>
+              </a:rPr>
+              <a:t>SegNet</a:t>
+            </a:r>
+            <a:r>
+              <a:rPr lang="en-US" altLang="zh-CN" sz="1200" kern="1200" dirty="0">
+                <a:solidFill>
+                  <a:schemeClr val="tx1"/>
+                </a:solidFill>
+                <a:effectLst/>
+                <a:latin typeface="+mn-lt"/>
+                <a:ea typeface="+mn-ea"/>
+                <a:cs typeface="+mn-cs"/>
+              </a:rPr>
+              <a:t>-Basic</a:t>
+            </a:r>
+            <a:r>
+              <a:rPr lang="zh-CN" altLang="zh-CN" sz="1200" kern="1200" dirty="0">
+                <a:solidFill>
+                  <a:schemeClr val="tx1"/>
+                </a:solidFill>
+                <a:effectLst/>
+                <a:latin typeface="+mn-lt"/>
+                <a:ea typeface="+mn-ea"/>
+                <a:cs typeface="+mn-cs"/>
+              </a:rPr>
+              <a:t>，因为最终的编码器特征映射没有被压缩以匹配类别</a:t>
+            </a:r>
+            <a:r>
+              <a:rPr lang="en-US" altLang="zh-CN" sz="1200" kern="1200" dirty="0">
+                <a:solidFill>
+                  <a:schemeClr val="tx1"/>
+                </a:solidFill>
+                <a:effectLst/>
+                <a:latin typeface="+mn-lt"/>
+                <a:ea typeface="+mn-ea"/>
+                <a:cs typeface="+mn-cs"/>
+              </a:rPr>
+              <a:t>K</a:t>
+            </a:r>
+            <a:r>
+              <a:rPr lang="zh-CN" altLang="zh-CN" sz="1200" kern="1200" dirty="0">
+                <a:solidFill>
+                  <a:schemeClr val="tx1"/>
+                </a:solidFill>
+                <a:effectLst/>
+                <a:latin typeface="+mn-lt"/>
+                <a:ea typeface="+mn-ea"/>
+                <a:cs typeface="+mn-cs"/>
+              </a:rPr>
+              <a:t>的数量。</a:t>
+            </a:r>
+          </a:p>
+          <a:p>
+            <a:r>
+              <a:rPr lang="zh-CN" altLang="zh-CN" sz="1200" kern="1200" dirty="0">
+                <a:solidFill>
+                  <a:schemeClr val="tx1"/>
+                </a:solidFill>
+                <a:effectLst/>
+                <a:latin typeface="+mn-lt"/>
+                <a:ea typeface="+mn-ea"/>
+                <a:cs typeface="+mn-cs"/>
+              </a:rPr>
+              <a:t>该</a:t>
+            </a:r>
+            <a:r>
+              <a:rPr lang="en-US" altLang="zh-CN" sz="1200" kern="1200" dirty="0">
+                <a:solidFill>
+                  <a:schemeClr val="tx1"/>
+                </a:solidFill>
+                <a:effectLst/>
+                <a:latin typeface="+mn-lt"/>
+                <a:ea typeface="+mn-ea"/>
+                <a:cs typeface="+mn-cs"/>
+              </a:rPr>
+              <a:t>FCN</a:t>
+            </a:r>
+            <a:r>
+              <a:rPr lang="zh-CN" altLang="zh-CN" sz="1200" kern="1200" dirty="0">
+                <a:solidFill>
+                  <a:schemeClr val="tx1"/>
+                </a:solidFill>
+                <a:effectLst/>
+                <a:latin typeface="+mn-lt"/>
+                <a:ea typeface="+mn-ea"/>
+                <a:cs typeface="+mn-cs"/>
+              </a:rPr>
+              <a:t>变体的性能在测试中比</a:t>
+            </a:r>
+            <a:r>
+              <a:rPr lang="en-US" altLang="zh-CN" sz="1200" kern="1200" dirty="0" err="1">
+                <a:solidFill>
+                  <a:schemeClr val="tx1"/>
+                </a:solidFill>
+                <a:effectLst/>
+                <a:latin typeface="+mn-lt"/>
+                <a:ea typeface="+mn-ea"/>
+                <a:cs typeface="+mn-cs"/>
+              </a:rPr>
+              <a:t>SegNet</a:t>
+            </a:r>
+            <a:r>
+              <a:rPr lang="en-US" altLang="zh-CN" sz="1200" kern="1200" dirty="0">
+                <a:solidFill>
+                  <a:schemeClr val="tx1"/>
+                </a:solidFill>
+                <a:effectLst/>
+                <a:latin typeface="+mn-lt"/>
+                <a:ea typeface="+mn-ea"/>
+                <a:cs typeface="+mn-cs"/>
+              </a:rPr>
+              <a:t>-Basic</a:t>
+            </a:r>
+            <a:r>
+              <a:rPr lang="zh-CN" altLang="zh-CN" sz="1200" kern="1200" dirty="0">
+                <a:solidFill>
+                  <a:schemeClr val="tx1"/>
+                </a:solidFill>
+                <a:effectLst/>
+                <a:latin typeface="+mn-lt"/>
+                <a:ea typeface="+mn-ea"/>
+                <a:cs typeface="+mn-cs"/>
+              </a:rPr>
+              <a:t>差。 这表明使用较大的解码器是不够的，捕获编码器特征图信息以便更好地学习也很重要，特别是细粒度的轮廓信息（注意</a:t>
+            </a:r>
+            <a:r>
+              <a:rPr lang="en-US" altLang="zh-CN" sz="1200" kern="1200" dirty="0">
+                <a:solidFill>
+                  <a:schemeClr val="tx1"/>
+                </a:solidFill>
+                <a:effectLst/>
+                <a:latin typeface="+mn-lt"/>
+                <a:ea typeface="+mn-ea"/>
+                <a:cs typeface="+mn-cs"/>
+              </a:rPr>
+              <a:t>BF</a:t>
+            </a:r>
+            <a:r>
+              <a:rPr lang="zh-CN" altLang="zh-CN" sz="1200" kern="1200" dirty="0">
+                <a:solidFill>
+                  <a:schemeClr val="tx1"/>
+                </a:solidFill>
+                <a:effectLst/>
+                <a:latin typeface="+mn-lt"/>
+                <a:ea typeface="+mn-ea"/>
+                <a:cs typeface="+mn-cs"/>
+              </a:rPr>
+              <a:t>测量中的下降）。 在这里，有趣的是，与大型模型（如</a:t>
+            </a:r>
+            <a:r>
+              <a:rPr lang="en-US" altLang="zh-CN" sz="1200" kern="1200" dirty="0">
+                <a:solidFill>
+                  <a:schemeClr val="tx1"/>
+                </a:solidFill>
+                <a:effectLst/>
+                <a:latin typeface="+mn-lt"/>
+                <a:ea typeface="+mn-ea"/>
+                <a:cs typeface="+mn-cs"/>
+              </a:rPr>
+              <a:t>FCN-Basic-</a:t>
+            </a:r>
+            <a:r>
+              <a:rPr lang="en-US" altLang="zh-CN" sz="1200" kern="1200" dirty="0" err="1">
+                <a:solidFill>
+                  <a:schemeClr val="tx1"/>
+                </a:solidFill>
+                <a:effectLst/>
+                <a:latin typeface="+mn-lt"/>
+                <a:ea typeface="+mn-ea"/>
+                <a:cs typeface="+mn-cs"/>
+              </a:rPr>
+              <a:t>NoDimReduction</a:t>
+            </a:r>
+            <a:r>
+              <a:rPr lang="zh-CN" altLang="zh-CN" sz="1200" kern="1200" dirty="0">
+                <a:solidFill>
+                  <a:schemeClr val="tx1"/>
+                </a:solidFill>
+                <a:effectLst/>
+                <a:latin typeface="+mn-lt"/>
+                <a:ea typeface="+mn-ea"/>
+                <a:cs typeface="+mn-cs"/>
+              </a:rPr>
+              <a:t>）相比，</a:t>
+            </a:r>
+            <a:r>
+              <a:rPr lang="en-US" altLang="zh-CN" sz="1200" kern="1200" dirty="0" err="1">
+                <a:solidFill>
+                  <a:schemeClr val="tx1"/>
+                </a:solidFill>
+                <a:effectLst/>
+                <a:latin typeface="+mn-lt"/>
+                <a:ea typeface="+mn-ea"/>
+                <a:cs typeface="+mn-cs"/>
+              </a:rPr>
+              <a:t>SegNet</a:t>
+            </a:r>
+            <a:r>
+              <a:rPr lang="en-US" altLang="zh-CN" sz="1200" kern="1200" dirty="0">
+                <a:solidFill>
+                  <a:schemeClr val="tx1"/>
+                </a:solidFill>
+                <a:effectLst/>
+                <a:latin typeface="+mn-lt"/>
+                <a:ea typeface="+mn-ea"/>
+                <a:cs typeface="+mn-cs"/>
+              </a:rPr>
+              <a:t>-Basic</a:t>
+            </a:r>
+            <a:r>
+              <a:rPr lang="zh-CN" altLang="zh-CN" sz="1200" kern="1200" dirty="0">
+                <a:solidFill>
+                  <a:schemeClr val="tx1"/>
+                </a:solidFill>
+                <a:effectLst/>
+                <a:latin typeface="+mn-lt"/>
+                <a:ea typeface="+mn-ea"/>
+                <a:cs typeface="+mn-cs"/>
+              </a:rPr>
+              <a:t>具有更具竞争力的训练精度。</a:t>
+            </a:r>
+          </a:p>
+          <a:p>
+            <a:endParaRPr lang="zh-CN" altLang="en-US" dirty="0"/>
+          </a:p>
+        </p:txBody>
+      </p:sp>
+      <p:sp>
+        <p:nvSpPr>
+          <p:cNvPr id="4" name="灯片编号占位符 3"/>
+          <p:cNvSpPr>
+            <a:spLocks noGrp="1"/>
+          </p:cNvSpPr>
+          <p:nvPr>
+            <p:ph type="sldNum" sz="quarter" idx="5"/>
+          </p:nvPr>
+        </p:nvSpPr>
+        <p:spPr/>
+        <p:txBody>
+          <a:bodyPr/>
+          <a:lstStyle/>
+          <a:p>
+            <a:fld id="{C83AA2C2-85F3-459D-9C60-3B97B278D270}" type="slidenum">
+              <a:rPr lang="zh-CN" altLang="en-US" smtClean="0"/>
+              <a:t>17</a:t>
+            </a:fld>
+            <a:endParaRPr lang="zh-CN" altLang="en-US"/>
+          </a:p>
+        </p:txBody>
+      </p:sp>
+    </p:spTree>
+    <p:extLst>
+      <p:ext uri="{BB962C8B-B14F-4D97-AF65-F5344CB8AC3E}">
+        <p14:creationId xmlns:p14="http://schemas.microsoft.com/office/powerpoint/2010/main" val="2599040191"/>
+      </p:ext>
+    </p:extLst>
+  </p:cSld>
+  <p:clrMapOvr>
+    <a:masterClrMapping/>
+  </p:clrMapOvr>
+</p:notes>
+</file>
+
+<file path=ppt/notesSlides/notesSlide14.xml><?xml version="1.0" encoding="utf-8"?>
+<p:notes xmlns:a="http://schemas.openxmlformats.org/drawingml/2006/main" xmlns:r="http://schemas.openxmlformats.org/officeDocument/2006/relationships" xmlns:p="http://schemas.openxmlformats.org/presentationml/2006/main">
+  <p:cSld>
+    <p:spTree>
+      <p:nvGrpSpPr>
+        <p:cNvPr id="1" name=""/>
+        <p:cNvGrpSpPr/>
+        <p:nvPr/>
+      </p:nvGrpSpPr>
+      <p:grpSpPr>
+        <a:xfrm>
+          <a:off x="0" y="0"/>
+          <a:ext cx="0" cy="0"/>
+          <a:chOff x="0" y="0"/>
+          <a:chExt cx="0" cy="0"/>
+        </a:xfrm>
+      </p:grpSpPr>
+      <p:sp>
+        <p:nvSpPr>
+          <p:cNvPr id="2" name="幻灯片图像占位符 1"/>
+          <p:cNvSpPr>
+            <a:spLocks noGrp="1" noRot="1" noChangeAspect="1"/>
+          </p:cNvSpPr>
+          <p:nvPr>
+            <p:ph type="sldImg"/>
+          </p:nvPr>
+        </p:nvSpPr>
+        <p:spPr/>
+      </p:sp>
+      <p:sp>
+        <p:nvSpPr>
+          <p:cNvPr id="3" name="备注占位符 2"/>
+          <p:cNvSpPr>
+            <a:spLocks noGrp="1"/>
+          </p:cNvSpPr>
+          <p:nvPr>
+            <p:ph type="body" idx="1"/>
+          </p:nvPr>
+        </p:nvSpPr>
+        <p:spPr/>
+        <p:txBody>
+          <a:bodyPr/>
+          <a:lstStyle/>
+          <a:p>
+            <a:r>
+              <a:rPr lang="en-US" altLang="zh-CN" sz="1200" kern="1200" dirty="0">
+                <a:solidFill>
+                  <a:schemeClr val="tx1"/>
+                </a:solidFill>
+                <a:effectLst/>
+                <a:latin typeface="+mn-lt"/>
+                <a:ea typeface="+mn-ea"/>
+                <a:cs typeface="+mn-cs"/>
+              </a:rPr>
+              <a:t>FCN-</a:t>
+            </a:r>
+            <a:r>
+              <a:rPr lang="en-US" altLang="zh-CN" sz="1200" kern="1200" dirty="0" err="1">
+                <a:solidFill>
+                  <a:schemeClr val="tx1"/>
+                </a:solidFill>
+                <a:effectLst/>
+                <a:latin typeface="+mn-lt"/>
+                <a:ea typeface="+mn-ea"/>
+                <a:cs typeface="+mn-cs"/>
+              </a:rPr>
+              <a:t>BasicNoAddition</a:t>
+            </a:r>
+            <a:r>
+              <a:rPr lang="zh-CN" altLang="zh-CN" sz="1200" kern="1200" dirty="0">
+                <a:solidFill>
+                  <a:schemeClr val="tx1"/>
+                </a:solidFill>
+                <a:effectLst/>
+                <a:latin typeface="+mn-lt"/>
+                <a:ea typeface="+mn-ea"/>
+                <a:cs typeface="+mn-cs"/>
+              </a:rPr>
+              <a:t>和</a:t>
+            </a:r>
+            <a:r>
+              <a:rPr lang="en-US" altLang="zh-CN" sz="1200" kern="1200" dirty="0" err="1">
+                <a:solidFill>
+                  <a:schemeClr val="tx1"/>
+                </a:solidFill>
+                <a:effectLst/>
+                <a:latin typeface="+mn-lt"/>
+                <a:ea typeface="+mn-ea"/>
+                <a:cs typeface="+mn-cs"/>
+              </a:rPr>
+              <a:t>SegNet</a:t>
+            </a:r>
+            <a:r>
+              <a:rPr lang="en-US" altLang="zh-CN" sz="1200" kern="1200" dirty="0">
+                <a:solidFill>
+                  <a:schemeClr val="tx1"/>
+                </a:solidFill>
+                <a:effectLst/>
+                <a:latin typeface="+mn-lt"/>
+                <a:ea typeface="+mn-ea"/>
+                <a:cs typeface="+mn-cs"/>
+              </a:rPr>
+              <a:t>-Basic-</a:t>
+            </a:r>
+            <a:r>
+              <a:rPr lang="en-US" altLang="zh-CN" sz="1200" kern="1200" dirty="0" err="1">
+                <a:solidFill>
+                  <a:schemeClr val="tx1"/>
+                </a:solidFill>
+                <a:effectLst/>
+                <a:latin typeface="+mn-lt"/>
+                <a:ea typeface="+mn-ea"/>
+                <a:cs typeface="+mn-cs"/>
+              </a:rPr>
+              <a:t>SingleChannelDecoder</a:t>
+            </a:r>
+            <a:r>
+              <a:rPr lang="zh-CN" altLang="zh-CN" sz="1200" kern="1200" dirty="0">
+                <a:solidFill>
+                  <a:schemeClr val="tx1"/>
+                </a:solidFill>
+                <a:effectLst/>
+                <a:latin typeface="+mn-lt"/>
+                <a:ea typeface="+mn-ea"/>
+                <a:cs typeface="+mn-cs"/>
+              </a:rPr>
+              <a:t>之间的另一个有趣的比较</a:t>
+            </a:r>
+          </a:p>
+          <a:p>
+            <a:r>
+              <a:rPr lang="zh-CN" altLang="zh-CN" sz="1200" kern="1200" dirty="0">
+                <a:solidFill>
+                  <a:schemeClr val="tx1"/>
+                </a:solidFill>
+                <a:effectLst/>
+                <a:latin typeface="+mn-lt"/>
+                <a:ea typeface="+mn-ea"/>
+                <a:cs typeface="+mn-cs"/>
+              </a:rPr>
+              <a:t>使用</a:t>
+            </a:r>
+            <a:r>
+              <a:rPr lang="en-US" altLang="zh-CN" sz="1200" kern="1200" dirty="0">
+                <a:solidFill>
+                  <a:schemeClr val="tx1"/>
+                </a:solidFill>
+                <a:effectLst/>
+                <a:latin typeface="+mn-lt"/>
+                <a:ea typeface="+mn-ea"/>
+                <a:cs typeface="+mn-cs"/>
+              </a:rPr>
+              <a:t>max-pooling indices</a:t>
+            </a:r>
+            <a:r>
+              <a:rPr lang="zh-CN" altLang="zh-CN" sz="1200" kern="1200" dirty="0">
+                <a:solidFill>
+                  <a:schemeClr val="tx1"/>
+                </a:solidFill>
+                <a:effectLst/>
+                <a:latin typeface="+mn-lt"/>
+                <a:ea typeface="+mn-ea"/>
+                <a:cs typeface="+mn-cs"/>
+              </a:rPr>
+              <a:t>进行采样和更大的解码器可以获得更好的性能。 这也证明</a:t>
+            </a:r>
+            <a:r>
+              <a:rPr lang="en-US" altLang="zh-CN" sz="1200" kern="1200" dirty="0" err="1">
+                <a:solidFill>
+                  <a:schemeClr val="tx1"/>
+                </a:solidFill>
+                <a:effectLst/>
+                <a:latin typeface="+mn-lt"/>
+                <a:ea typeface="+mn-ea"/>
+                <a:cs typeface="+mn-cs"/>
+              </a:rPr>
+              <a:t>SegNet</a:t>
+            </a:r>
+            <a:r>
+              <a:rPr lang="zh-CN" altLang="zh-CN" sz="1200" kern="1200" dirty="0">
+                <a:solidFill>
+                  <a:schemeClr val="tx1"/>
+                </a:solidFill>
+                <a:effectLst/>
+                <a:latin typeface="+mn-lt"/>
+                <a:ea typeface="+mn-ea"/>
+                <a:cs typeface="+mn-cs"/>
+              </a:rPr>
+              <a:t>是一种很好的分割架构，特别是当需要在存储成本，精度与推理时间之间找到折衷方案时。 </a:t>
+            </a:r>
+          </a:p>
+          <a:p>
+            <a:r>
+              <a:rPr lang="zh-CN" altLang="zh-CN" sz="1200" kern="1200" dirty="0">
+                <a:solidFill>
+                  <a:schemeClr val="tx1"/>
+                </a:solidFill>
+                <a:effectLst/>
+                <a:latin typeface="+mn-lt"/>
+                <a:ea typeface="+mn-ea"/>
+                <a:cs typeface="+mn-cs"/>
+              </a:rPr>
+              <a:t>在最好的情况下，当内存和推理时间都不受约束时，较大的模型（如</a:t>
+            </a:r>
+            <a:r>
+              <a:rPr lang="en-US" altLang="zh-CN" sz="1200" kern="1200" dirty="0">
+                <a:solidFill>
+                  <a:schemeClr val="tx1"/>
+                </a:solidFill>
+                <a:effectLst/>
+                <a:latin typeface="+mn-lt"/>
+                <a:ea typeface="+mn-ea"/>
+                <a:cs typeface="+mn-cs"/>
+              </a:rPr>
+              <a:t>FCN-Basic-</a:t>
+            </a:r>
+            <a:r>
+              <a:rPr lang="en-US" altLang="zh-CN" sz="1200" kern="1200" dirty="0" err="1">
+                <a:solidFill>
+                  <a:schemeClr val="tx1"/>
+                </a:solidFill>
+                <a:effectLst/>
+                <a:latin typeface="+mn-lt"/>
+                <a:ea typeface="+mn-ea"/>
+                <a:cs typeface="+mn-cs"/>
+              </a:rPr>
+              <a:t>NoDimReduction</a:t>
+            </a:r>
+            <a:r>
+              <a:rPr lang="zh-CN" altLang="zh-CN" sz="1200" kern="1200" dirty="0">
+                <a:solidFill>
+                  <a:schemeClr val="tx1"/>
+                </a:solidFill>
+                <a:effectLst/>
+                <a:latin typeface="+mn-lt"/>
+                <a:ea typeface="+mn-ea"/>
+                <a:cs typeface="+mn-cs"/>
+              </a:rPr>
+              <a:t>和</a:t>
+            </a:r>
+            <a:r>
+              <a:rPr lang="en-US" altLang="zh-CN" sz="1200" kern="1200" dirty="0" err="1">
+                <a:solidFill>
+                  <a:schemeClr val="tx1"/>
+                </a:solidFill>
+                <a:effectLst/>
+                <a:latin typeface="+mn-lt"/>
+                <a:ea typeface="+mn-ea"/>
+                <a:cs typeface="+mn-cs"/>
+              </a:rPr>
+              <a:t>SegNet-EncoderAddition</a:t>
+            </a:r>
+            <a:r>
+              <a:rPr lang="zh-CN" altLang="zh-CN" sz="1200" kern="1200" dirty="0">
+                <a:solidFill>
+                  <a:schemeClr val="tx1"/>
+                </a:solidFill>
+                <a:effectLst/>
+                <a:latin typeface="+mn-lt"/>
+                <a:ea typeface="+mn-ea"/>
+                <a:cs typeface="+mn-cs"/>
+              </a:rPr>
+              <a:t>）都比其他变体更准确。 特别是，在</a:t>
+            </a:r>
+            <a:r>
+              <a:rPr lang="en-US" altLang="zh-CN" sz="1200" kern="1200" dirty="0">
+                <a:solidFill>
+                  <a:schemeClr val="tx1"/>
+                </a:solidFill>
+                <a:effectLst/>
+                <a:latin typeface="+mn-lt"/>
+                <a:ea typeface="+mn-ea"/>
+                <a:cs typeface="+mn-cs"/>
+              </a:rPr>
+              <a:t>FCN-Basic</a:t>
+            </a:r>
+            <a:r>
+              <a:rPr lang="zh-CN" altLang="zh-CN" sz="1200" kern="1200" dirty="0">
+                <a:solidFill>
+                  <a:schemeClr val="tx1"/>
+                </a:solidFill>
+                <a:effectLst/>
+                <a:latin typeface="+mn-lt"/>
+                <a:ea typeface="+mn-ea"/>
+                <a:cs typeface="+mn-cs"/>
+              </a:rPr>
+              <a:t>模型中丢弃维数降低导致具有高</a:t>
+            </a:r>
+            <a:r>
+              <a:rPr lang="en-US" altLang="zh-CN" sz="1200" kern="1200" dirty="0">
+                <a:solidFill>
+                  <a:schemeClr val="tx1"/>
+                </a:solidFill>
+                <a:effectLst/>
+                <a:latin typeface="+mn-lt"/>
+                <a:ea typeface="+mn-ea"/>
+                <a:cs typeface="+mn-cs"/>
+              </a:rPr>
+              <a:t>BF</a:t>
+            </a:r>
+            <a:r>
+              <a:rPr lang="zh-CN" altLang="zh-CN" sz="1200" kern="1200" dirty="0">
+                <a:solidFill>
+                  <a:schemeClr val="tx1"/>
+                </a:solidFill>
+                <a:effectLst/>
+                <a:latin typeface="+mn-lt"/>
+                <a:ea typeface="+mn-ea"/>
+                <a:cs typeface="+mn-cs"/>
+              </a:rPr>
+              <a:t>分数的</a:t>
+            </a:r>
+            <a:r>
+              <a:rPr lang="en-US" altLang="zh-CN" sz="1200" kern="1200" dirty="0">
+                <a:solidFill>
+                  <a:schemeClr val="tx1"/>
+                </a:solidFill>
+                <a:effectLst/>
+                <a:latin typeface="+mn-lt"/>
+                <a:ea typeface="+mn-ea"/>
+                <a:cs typeface="+mn-cs"/>
+              </a:rPr>
+              <a:t>FCN-Basic</a:t>
+            </a:r>
+            <a:r>
+              <a:rPr lang="zh-CN" altLang="zh-CN" sz="1200" kern="1200" dirty="0">
+                <a:solidFill>
+                  <a:schemeClr val="tx1"/>
+                </a:solidFill>
+                <a:effectLst/>
+                <a:latin typeface="+mn-lt"/>
+                <a:ea typeface="+mn-ea"/>
+                <a:cs typeface="+mn-cs"/>
+              </a:rPr>
+              <a:t>变体中的最佳性能。 这再一次强调了分割架构中存储和准确度之间的权衡。</a:t>
+            </a:r>
+          </a:p>
+          <a:p>
+            <a:endParaRPr lang="zh-CN" altLang="en-US" dirty="0"/>
+          </a:p>
+        </p:txBody>
+      </p:sp>
+      <p:sp>
+        <p:nvSpPr>
+          <p:cNvPr id="4" name="灯片编号占位符 3"/>
+          <p:cNvSpPr>
+            <a:spLocks noGrp="1"/>
+          </p:cNvSpPr>
+          <p:nvPr>
+            <p:ph type="sldNum" sz="quarter" idx="5"/>
+          </p:nvPr>
+        </p:nvSpPr>
+        <p:spPr/>
+        <p:txBody>
+          <a:bodyPr/>
+          <a:lstStyle/>
+          <a:p>
+            <a:fld id="{C83AA2C2-85F3-459D-9C60-3B97B278D270}" type="slidenum">
+              <a:rPr lang="zh-CN" altLang="en-US" smtClean="0"/>
+              <a:t>18</a:t>
+            </a:fld>
+            <a:endParaRPr lang="zh-CN" altLang="en-US"/>
+          </a:p>
+        </p:txBody>
+      </p:sp>
+    </p:spTree>
+    <p:extLst>
+      <p:ext uri="{BB962C8B-B14F-4D97-AF65-F5344CB8AC3E}">
+        <p14:creationId xmlns:p14="http://schemas.microsoft.com/office/powerpoint/2010/main" val="569527467"/>
+      </p:ext>
+    </p:extLst>
+  </p:cSld>
+  <p:clrMapOvr>
+    <a:masterClrMapping/>
+  </p:clrMapOvr>
+</p:notes>
+</file>
+
+<file path=ppt/notesSlides/notesSlide15.xml><?xml version="1.0" encoding="utf-8"?>
+<p:notes xmlns:a="http://schemas.openxmlformats.org/drawingml/2006/main" xmlns:r="http://schemas.openxmlformats.org/officeDocument/2006/relationships" xmlns:p="http://schemas.openxmlformats.org/presentationml/2006/main">
+  <p:cSld>
+    <p:spTree>
+      <p:nvGrpSpPr>
+        <p:cNvPr id="1" name=""/>
+        <p:cNvGrpSpPr/>
+        <p:nvPr/>
+      </p:nvGrpSpPr>
+      <p:grpSpPr>
+        <a:xfrm>
+          <a:off x="0" y="0"/>
+          <a:ext cx="0" cy="0"/>
+          <a:chOff x="0" y="0"/>
+          <a:chExt cx="0" cy="0"/>
+        </a:xfrm>
+      </p:grpSpPr>
+      <p:sp>
+        <p:nvSpPr>
+          <p:cNvPr id="2" name="幻灯片图像占位符 1"/>
+          <p:cNvSpPr>
+            <a:spLocks noGrp="1" noRot="1" noChangeAspect="1"/>
+          </p:cNvSpPr>
+          <p:nvPr>
+            <p:ph type="sldImg"/>
+          </p:nvPr>
+        </p:nvSpPr>
+        <p:spPr/>
+      </p:sp>
+      <p:sp>
+        <p:nvSpPr>
+          <p:cNvPr id="3" name="备注占位符 2"/>
+          <p:cNvSpPr>
+            <a:spLocks noGrp="1"/>
+          </p:cNvSpPr>
+          <p:nvPr>
+            <p:ph type="body" idx="1"/>
+          </p:nvPr>
+        </p:nvSpPr>
+        <p:spPr/>
+        <p:txBody>
+          <a:bodyPr/>
+          <a:lstStyle/>
+          <a:p>
+            <a:r>
+              <a:rPr lang="zh-CN" altLang="zh-CN" sz="1200" kern="1200" dirty="0">
+                <a:solidFill>
+                  <a:schemeClr val="tx1"/>
+                </a:solidFill>
+                <a:effectLst/>
+                <a:latin typeface="+mn-lt"/>
+                <a:ea typeface="+mn-ea"/>
+                <a:cs typeface="+mn-cs"/>
+              </a:rPr>
+              <a:t>与一些较大型号相比，</a:t>
+            </a:r>
+            <a:r>
+              <a:rPr lang="en-US" altLang="zh-CN" sz="1200" kern="1200" dirty="0" err="1">
+                <a:solidFill>
+                  <a:schemeClr val="tx1"/>
+                </a:solidFill>
+                <a:effectLst/>
+                <a:latin typeface="+mn-lt"/>
+                <a:ea typeface="+mn-ea"/>
+                <a:cs typeface="+mn-cs"/>
+              </a:rPr>
+              <a:t>SegNet</a:t>
+            </a:r>
+            <a:r>
+              <a:rPr lang="zh-CN" altLang="zh-CN" sz="1200" kern="1200" dirty="0">
+                <a:solidFill>
+                  <a:schemeClr val="tx1"/>
+                </a:solidFill>
+                <a:effectLst/>
+                <a:latin typeface="+mn-lt"/>
+                <a:ea typeface="+mn-ea"/>
+                <a:cs typeface="+mn-cs"/>
+              </a:rPr>
+              <a:t>显示出卓越的性能，够很好地分割大类和小类。</a:t>
+            </a:r>
+            <a:r>
+              <a:rPr lang="en-US" altLang="zh-CN" sz="1200" kern="1200" dirty="0">
+                <a:solidFill>
+                  <a:schemeClr val="tx1"/>
+                </a:solidFill>
+                <a:effectLst/>
+                <a:latin typeface="+mn-lt"/>
+                <a:ea typeface="+mn-ea"/>
+                <a:cs typeface="+mn-cs"/>
+              </a:rPr>
+              <a:t> </a:t>
+            </a:r>
+            <a:r>
+              <a:rPr lang="en-US" altLang="zh-CN" sz="1200" kern="1200" dirty="0" err="1">
+                <a:solidFill>
+                  <a:schemeClr val="tx1"/>
+                </a:solidFill>
+                <a:effectLst/>
+                <a:latin typeface="+mn-lt"/>
+                <a:ea typeface="+mn-ea"/>
+                <a:cs typeface="+mn-cs"/>
+              </a:rPr>
+              <a:t>DeepLab-LargeFOV</a:t>
+            </a:r>
+            <a:r>
+              <a:rPr lang="zh-CN" altLang="zh-CN" sz="1200" kern="1200" dirty="0">
+                <a:solidFill>
+                  <a:schemeClr val="tx1"/>
+                </a:solidFill>
+                <a:effectLst/>
+                <a:latin typeface="+mn-lt"/>
+                <a:ea typeface="+mn-ea"/>
+                <a:cs typeface="+mn-cs"/>
+              </a:rPr>
+              <a:t>是最有效的模型，尽管较小的类丢失，但</a:t>
+            </a:r>
+            <a:r>
+              <a:rPr lang="en-US" altLang="zh-CN" sz="1200" kern="1200" dirty="0">
+                <a:solidFill>
+                  <a:schemeClr val="tx1"/>
+                </a:solidFill>
+                <a:effectLst/>
+                <a:latin typeface="+mn-lt"/>
+                <a:ea typeface="+mn-ea"/>
+                <a:cs typeface="+mn-cs"/>
+              </a:rPr>
+              <a:t>CRF</a:t>
+            </a:r>
+            <a:r>
+              <a:rPr lang="zh-CN" altLang="zh-CN" sz="1200" kern="1200" dirty="0">
+                <a:solidFill>
+                  <a:schemeClr val="tx1"/>
+                </a:solidFill>
+                <a:effectLst/>
+                <a:latin typeface="+mn-lt"/>
+                <a:ea typeface="+mn-ea"/>
+                <a:cs typeface="+mn-cs"/>
+              </a:rPr>
+              <a:t>后处理可以产生有竞争力的结果。 </a:t>
+            </a:r>
+          </a:p>
+          <a:p>
+            <a:r>
+              <a:rPr lang="zh-CN" altLang="zh-CN" sz="1200" kern="1200" dirty="0">
+                <a:solidFill>
+                  <a:schemeClr val="tx1"/>
+                </a:solidFill>
+                <a:effectLst/>
+                <a:latin typeface="+mn-lt"/>
+                <a:ea typeface="+mn-ea"/>
+                <a:cs typeface="+mn-cs"/>
+              </a:rPr>
+              <a:t>具有学习反褶积的</a:t>
+            </a:r>
+            <a:r>
+              <a:rPr lang="en-US" altLang="zh-CN" sz="1200" kern="1200" dirty="0">
+                <a:solidFill>
+                  <a:schemeClr val="tx1"/>
+                </a:solidFill>
+                <a:effectLst/>
+                <a:latin typeface="+mn-lt"/>
+                <a:ea typeface="+mn-ea"/>
+                <a:cs typeface="+mn-cs"/>
+              </a:rPr>
+              <a:t>FCN</a:t>
+            </a:r>
+            <a:r>
+              <a:rPr lang="zh-CN" altLang="zh-CN" sz="1200" kern="1200" dirty="0">
+                <a:solidFill>
+                  <a:schemeClr val="tx1"/>
+                </a:solidFill>
+                <a:effectLst/>
+                <a:latin typeface="+mn-lt"/>
+                <a:ea typeface="+mn-ea"/>
+                <a:cs typeface="+mn-cs"/>
+              </a:rPr>
+              <a:t>明显优于固定双线性上采样。 </a:t>
+            </a:r>
+          </a:p>
+          <a:p>
+            <a:r>
+              <a:rPr lang="en-US" altLang="zh-CN" sz="1200" kern="1200" dirty="0" err="1">
+                <a:solidFill>
+                  <a:schemeClr val="tx1"/>
+                </a:solidFill>
+                <a:effectLst/>
+                <a:latin typeface="+mn-lt"/>
+                <a:ea typeface="+mn-ea"/>
+                <a:cs typeface="+mn-cs"/>
+              </a:rPr>
+              <a:t>DeconvNet</a:t>
+            </a:r>
+            <a:r>
+              <a:rPr lang="zh-CN" altLang="zh-CN" sz="1200" kern="1200" dirty="0">
+                <a:solidFill>
+                  <a:schemeClr val="tx1"/>
+                </a:solidFill>
+                <a:effectLst/>
+                <a:latin typeface="+mn-lt"/>
+                <a:ea typeface="+mn-ea"/>
+                <a:cs typeface="+mn-cs"/>
+              </a:rPr>
+              <a:t>是最大的模型，也是最难以训练的。 它的预测不会保留小类。</a:t>
+            </a:r>
+          </a:p>
+          <a:p>
+            <a:endParaRPr lang="zh-CN" altLang="en-US" dirty="0"/>
+          </a:p>
+        </p:txBody>
+      </p:sp>
+      <p:sp>
+        <p:nvSpPr>
+          <p:cNvPr id="4" name="灯片编号占位符 3"/>
+          <p:cNvSpPr>
+            <a:spLocks noGrp="1"/>
+          </p:cNvSpPr>
+          <p:nvPr>
+            <p:ph type="sldNum" sz="quarter" idx="5"/>
+          </p:nvPr>
+        </p:nvSpPr>
+        <p:spPr/>
+        <p:txBody>
+          <a:bodyPr/>
+          <a:lstStyle/>
+          <a:p>
+            <a:fld id="{C83AA2C2-85F3-459D-9C60-3B97B278D270}" type="slidenum">
+              <a:rPr lang="zh-CN" altLang="en-US" smtClean="0"/>
+              <a:t>21</a:t>
+            </a:fld>
+            <a:endParaRPr lang="zh-CN" altLang="en-US"/>
+          </a:p>
+        </p:txBody>
+      </p:sp>
+    </p:spTree>
+    <p:extLst>
+      <p:ext uri="{BB962C8B-B14F-4D97-AF65-F5344CB8AC3E}">
+        <p14:creationId xmlns:p14="http://schemas.microsoft.com/office/powerpoint/2010/main" val="179877136"/>
+      </p:ext>
+    </p:extLst>
+  </p:cSld>
+  <p:clrMapOvr>
+    <a:masterClrMapping/>
+  </p:clrMapOvr>
+</p:notes>
+</file>
+
+<file path=ppt/notesSlides/notesSlide16.xml><?xml version="1.0" encoding="utf-8"?>
+<p:notes xmlns:a="http://schemas.openxmlformats.org/drawingml/2006/main" xmlns:r="http://schemas.openxmlformats.org/officeDocument/2006/relationships" xmlns:p="http://schemas.openxmlformats.org/presentationml/2006/main">
+  <p:cSld>
+    <p:spTree>
+      <p:nvGrpSpPr>
+        <p:cNvPr id="1" name=""/>
+        <p:cNvGrpSpPr/>
+        <p:nvPr/>
+      </p:nvGrpSpPr>
+      <p:grpSpPr>
+        <a:xfrm>
+          <a:off x="0" y="0"/>
+          <a:ext cx="0" cy="0"/>
+          <a:chOff x="0" y="0"/>
+          <a:chExt cx="0" cy="0"/>
+        </a:xfrm>
+      </p:grpSpPr>
+      <p:sp>
+        <p:nvSpPr>
+          <p:cNvPr id="2" name="幻灯片图像占位符 1"/>
+          <p:cNvSpPr>
+            <a:spLocks noGrp="1" noRot="1" noChangeAspect="1"/>
+          </p:cNvSpPr>
+          <p:nvPr>
+            <p:ph type="sldImg"/>
+          </p:nvPr>
+        </p:nvSpPr>
+        <p:spPr/>
+      </p:sp>
+      <p:sp>
+        <p:nvSpPr>
+          <p:cNvPr id="3" name="备注占位符 2"/>
+          <p:cNvSpPr>
+            <a:spLocks noGrp="1"/>
+          </p:cNvSpPr>
+          <p:nvPr>
+            <p:ph type="body" idx="1"/>
+          </p:nvPr>
+        </p:nvSpPr>
+        <p:spPr/>
+        <p:txBody>
+          <a:bodyPr/>
+          <a:lstStyle/>
+          <a:p>
+            <a:r>
+              <a:rPr lang="en-US" altLang="zh-CN" dirty="0"/>
+              <a:t>2.SegNet</a:t>
+            </a:r>
+            <a:r>
+              <a:rPr lang="zh-CN" altLang="zh-CN" dirty="0"/>
+              <a:t>背后的主要动机是需要设计一个有效的道路和室内场景理解架构，这在内存和计算时间方面都很有效。</a:t>
+            </a:r>
+            <a:endParaRPr lang="zh-CN" altLang="en-US" dirty="0"/>
+          </a:p>
+        </p:txBody>
+      </p:sp>
+      <p:sp>
+        <p:nvSpPr>
+          <p:cNvPr id="4" name="灯片编号占位符 3"/>
+          <p:cNvSpPr>
+            <a:spLocks noGrp="1"/>
+          </p:cNvSpPr>
+          <p:nvPr>
+            <p:ph type="sldNum" sz="quarter" idx="5"/>
+          </p:nvPr>
+        </p:nvSpPr>
+        <p:spPr/>
+        <p:txBody>
+          <a:bodyPr/>
+          <a:lstStyle/>
+          <a:p>
+            <a:fld id="{C83AA2C2-85F3-459D-9C60-3B97B278D270}" type="slidenum">
+              <a:rPr lang="zh-CN" altLang="en-US" smtClean="0"/>
+              <a:t>22</a:t>
+            </a:fld>
+            <a:endParaRPr lang="zh-CN" altLang="en-US"/>
+          </a:p>
+        </p:txBody>
+      </p:sp>
+    </p:spTree>
+    <p:extLst>
+      <p:ext uri="{BB962C8B-B14F-4D97-AF65-F5344CB8AC3E}">
+        <p14:creationId xmlns:p14="http://schemas.microsoft.com/office/powerpoint/2010/main" val="626096165"/>
+      </p:ext>
+    </p:extLst>
+  </p:cSld>
+  <p:clrMapOvr>
+    <a:masterClrMapping/>
+  </p:clrMapOvr>
+</p:notes>
+</file>
+
+<file path=ppt/notesSlides/notesSlide17.xml><?xml version="1.0" encoding="utf-8"?>
+<p:notes xmlns:a="http://schemas.openxmlformats.org/drawingml/2006/main" xmlns:r="http://schemas.openxmlformats.org/officeDocument/2006/relationships" xmlns:p="http://schemas.openxmlformats.org/presentationml/2006/main">
+  <p:cSld>
+    <p:spTree>
+      <p:nvGrpSpPr>
+        <p:cNvPr id="1" name=""/>
+        <p:cNvGrpSpPr/>
+        <p:nvPr/>
+      </p:nvGrpSpPr>
+      <p:grpSpPr>
+        <a:xfrm>
+          <a:off x="0" y="0"/>
+          <a:ext cx="0" cy="0"/>
+          <a:chOff x="0" y="0"/>
+          <a:chExt cx="0" cy="0"/>
+        </a:xfrm>
+      </p:grpSpPr>
+      <p:sp>
+        <p:nvSpPr>
+          <p:cNvPr id="2" name="幻灯片图像占位符 1"/>
+          <p:cNvSpPr>
+            <a:spLocks noGrp="1" noRot="1" noChangeAspect="1"/>
+          </p:cNvSpPr>
+          <p:nvPr>
+            <p:ph type="sldImg"/>
+          </p:nvPr>
+        </p:nvSpPr>
+        <p:spPr/>
+      </p:sp>
+      <p:sp>
+        <p:nvSpPr>
+          <p:cNvPr id="3" name="备注占位符 2"/>
+          <p:cNvSpPr>
+            <a:spLocks noGrp="1"/>
+          </p:cNvSpPr>
+          <p:nvPr>
+            <p:ph type="body" idx="1"/>
+          </p:nvPr>
+        </p:nvSpPr>
+        <p:spPr/>
+        <p:txBody>
+          <a:bodyPr/>
+          <a:lstStyle/>
+          <a:p>
+            <a:endParaRPr lang="zh-CN" altLang="en-US" dirty="0"/>
+          </a:p>
+        </p:txBody>
+      </p:sp>
+      <p:sp>
+        <p:nvSpPr>
+          <p:cNvPr id="4" name="灯片编号占位符 3"/>
+          <p:cNvSpPr>
+            <a:spLocks noGrp="1"/>
+          </p:cNvSpPr>
+          <p:nvPr>
+            <p:ph type="sldNum" sz="quarter" idx="5"/>
+          </p:nvPr>
+        </p:nvSpPr>
+        <p:spPr/>
+        <p:txBody>
+          <a:bodyPr/>
+          <a:lstStyle/>
+          <a:p>
+            <a:fld id="{C83AA2C2-85F3-459D-9C60-3B97B278D270}" type="slidenum">
+              <a:rPr lang="zh-CN" altLang="en-US" smtClean="0"/>
+              <a:t>24</a:t>
+            </a:fld>
+            <a:endParaRPr lang="zh-CN" altLang="en-US"/>
+          </a:p>
+        </p:txBody>
+      </p:sp>
+    </p:spTree>
+    <p:extLst>
+      <p:ext uri="{BB962C8B-B14F-4D97-AF65-F5344CB8AC3E}">
+        <p14:creationId xmlns:p14="http://schemas.microsoft.com/office/powerpoint/2010/main" val="1744262940"/>
+      </p:ext>
+    </p:extLst>
+  </p:cSld>
+  <p:clrMapOvr>
+    <a:masterClrMapping/>
+  </p:clrMapOvr>
+</p:notes>
+</file>
+
 <file path=ppt/notesSlides/notesSlide2.xml><?xml version="1.0" encoding="utf-8"?>
 <p:notes xmlns:a="http://schemas.openxmlformats.org/drawingml/2006/main" xmlns:r="http://schemas.openxmlformats.org/officeDocument/2006/relationships" xmlns:p="http://schemas.openxmlformats.org/presentationml/2006/main">
   <p:cSld>
@@ -1008,6 +2812,1491 @@
     <p:extLst>
       <p:ext uri="{BB962C8B-B14F-4D97-AF65-F5344CB8AC3E}">
         <p14:creationId xmlns:p14="http://schemas.microsoft.com/office/powerpoint/2010/main" val="2302698668"/>
+      </p:ext>
+    </p:extLst>
+  </p:cSld>
+  <p:clrMapOvr>
+    <a:masterClrMapping/>
+  </p:clrMapOvr>
+</p:notes>
+</file>
+
+<file path=ppt/notesSlides/notesSlide3.xml><?xml version="1.0" encoding="utf-8"?>
+<p:notes xmlns:a="http://schemas.openxmlformats.org/drawingml/2006/main" xmlns:r="http://schemas.openxmlformats.org/officeDocument/2006/relationships" xmlns:p="http://schemas.openxmlformats.org/presentationml/2006/main">
+  <p:cSld>
+    <p:spTree>
+      <p:nvGrpSpPr>
+        <p:cNvPr id="1" name=""/>
+        <p:cNvGrpSpPr/>
+        <p:nvPr/>
+      </p:nvGrpSpPr>
+      <p:grpSpPr>
+        <a:xfrm>
+          <a:off x="0" y="0"/>
+          <a:ext cx="0" cy="0"/>
+          <a:chOff x="0" y="0"/>
+          <a:chExt cx="0" cy="0"/>
+        </a:xfrm>
+      </p:grpSpPr>
+      <p:sp>
+        <p:nvSpPr>
+          <p:cNvPr id="2" name="幻灯片图像占位符 1"/>
+          <p:cNvSpPr>
+            <a:spLocks noGrp="1" noRot="1" noChangeAspect="1"/>
+          </p:cNvSpPr>
+          <p:nvPr>
+            <p:ph type="sldImg"/>
+          </p:nvPr>
+        </p:nvSpPr>
+        <p:spPr/>
+      </p:sp>
+      <p:sp>
+        <p:nvSpPr>
+          <p:cNvPr id="3" name="备注占位符 2"/>
+          <p:cNvSpPr>
+            <a:spLocks noGrp="1"/>
+          </p:cNvSpPr>
+          <p:nvPr>
+            <p:ph type="body" idx="1"/>
+          </p:nvPr>
+        </p:nvSpPr>
+        <p:spPr/>
+        <p:txBody>
+          <a:bodyPr/>
+          <a:lstStyle/>
+          <a:p>
+            <a:pPr marL="0" marR="0" lvl="0" indent="0" algn="l" defTabSz="914400" rtl="0" eaLnBrk="1" fontAlgn="auto" latinLnBrk="0" hangingPunct="1">
+              <a:lnSpc>
+                <a:spcPct val="100000"/>
+              </a:lnSpc>
+              <a:spcBef>
+                <a:spcPts val="0"/>
+              </a:spcBef>
+              <a:spcAft>
+                <a:spcPts val="0"/>
+              </a:spcAft>
+              <a:buClrTx/>
+              <a:buSzTx/>
+              <a:buFontTx/>
+              <a:buNone/>
+              <a:tabLst/>
+              <a:defRPr/>
+            </a:pPr>
+            <a:r>
+              <a:rPr lang="en-US" altLang="zh-CN" dirty="0"/>
+              <a:t>1.SegNet</a:t>
+            </a:r>
+            <a:r>
+              <a:rPr lang="zh-CN" altLang="zh-CN" dirty="0"/>
+              <a:t>具有编码器网络和相应的解码器网络，后面是最终的像素分类层。</a:t>
+            </a:r>
+            <a:endParaRPr lang="en-US" altLang="zh-CN" dirty="0"/>
+          </a:p>
+          <a:p>
+            <a:pPr marL="0" marR="0" lvl="0" indent="0" algn="l" defTabSz="914400" rtl="0" eaLnBrk="1" fontAlgn="auto" latinLnBrk="0" hangingPunct="1">
+              <a:lnSpc>
+                <a:spcPct val="100000"/>
+              </a:lnSpc>
+              <a:spcBef>
+                <a:spcPts val="0"/>
+              </a:spcBef>
+              <a:spcAft>
+                <a:spcPts val="0"/>
+              </a:spcAft>
+              <a:buClrTx/>
+              <a:buSzTx/>
+              <a:buFontTx/>
+              <a:buNone/>
+              <a:tabLst/>
+              <a:defRPr/>
+            </a:pPr>
+            <a:endParaRPr lang="en-US" altLang="zh-CN" dirty="0"/>
+          </a:p>
+          <a:p>
+            <a:pPr marL="0" marR="0" lvl="0" indent="0" algn="l" defTabSz="914400" rtl="0" eaLnBrk="1" fontAlgn="auto" latinLnBrk="0" hangingPunct="1">
+              <a:lnSpc>
+                <a:spcPct val="100000"/>
+              </a:lnSpc>
+              <a:spcBef>
+                <a:spcPts val="0"/>
+              </a:spcBef>
+              <a:spcAft>
+                <a:spcPts val="0"/>
+              </a:spcAft>
+              <a:buClrTx/>
+              <a:buSzTx/>
+              <a:buFontTx/>
+              <a:buNone/>
+              <a:tabLst/>
+              <a:defRPr/>
+            </a:pPr>
+            <a:r>
+              <a:rPr lang="en-US" altLang="zh-CN" dirty="0"/>
+              <a:t>2.</a:t>
+            </a:r>
+            <a:r>
+              <a:rPr lang="zh-CN" altLang="zh-CN" dirty="0"/>
+              <a:t>编码器网络由</a:t>
+            </a:r>
+            <a:r>
+              <a:rPr lang="en-US" altLang="zh-CN" dirty="0"/>
+              <a:t>13</a:t>
+            </a:r>
+            <a:r>
+              <a:rPr lang="zh-CN" altLang="zh-CN" dirty="0"/>
+              <a:t>个卷积层组成，这些卷积层对应于</a:t>
+            </a:r>
+            <a:r>
+              <a:rPr lang="en-US" altLang="zh-CN" dirty="0"/>
+              <a:t>VGG16</a:t>
+            </a:r>
+            <a:r>
+              <a:rPr lang="zh-CN" altLang="zh-CN" dirty="0"/>
+              <a:t>网络中为物体分类设计的前</a:t>
+            </a:r>
+            <a:r>
+              <a:rPr lang="en-US" altLang="zh-CN" dirty="0"/>
+              <a:t>13</a:t>
+            </a:r>
+            <a:r>
+              <a:rPr lang="zh-CN" altLang="zh-CN" dirty="0"/>
+              <a:t>个卷积层。 因此，我们可以根据大型数据集分类训练的权重来初始化训练过程。 </a:t>
+            </a:r>
+            <a:r>
+              <a:rPr lang="zh-CN" altLang="en-US" dirty="0"/>
+              <a:t>去掉全连接层</a:t>
+            </a:r>
+            <a:r>
+              <a:rPr lang="zh-CN" altLang="zh-CN" dirty="0"/>
+              <a:t>，以便在最深的编码器输出处保留更高分辨率的特征图。显着减少了</a:t>
+            </a:r>
+            <a:r>
+              <a:rPr lang="en-US" altLang="zh-CN" dirty="0" err="1"/>
+              <a:t>SegNet</a:t>
+            </a:r>
+            <a:r>
+              <a:rPr lang="zh-CN" altLang="zh-CN" dirty="0"/>
+              <a:t>编码器网络中的参数数量（从</a:t>
+            </a:r>
+            <a:r>
+              <a:rPr lang="en-US" altLang="zh-CN" dirty="0"/>
+              <a:t>134</a:t>
+            </a:r>
+            <a:r>
+              <a:rPr lang="zh-CN" altLang="zh-CN" dirty="0"/>
+              <a:t>到</a:t>
+            </a:r>
+            <a:r>
+              <a:rPr lang="en-US" altLang="zh-CN" dirty="0"/>
+              <a:t>14.7 M</a:t>
+            </a:r>
+            <a:r>
+              <a:rPr lang="zh-CN" altLang="zh-CN" dirty="0"/>
+              <a:t>）。</a:t>
+            </a:r>
+            <a:endParaRPr lang="en-US" altLang="zh-CN" dirty="0"/>
+          </a:p>
+          <a:p>
+            <a:pPr marL="0" marR="0" lvl="0" indent="0" algn="l" defTabSz="914400" rtl="0" eaLnBrk="1" fontAlgn="auto" latinLnBrk="0" hangingPunct="1">
+              <a:lnSpc>
+                <a:spcPct val="100000"/>
+              </a:lnSpc>
+              <a:spcBef>
+                <a:spcPts val="0"/>
+              </a:spcBef>
+              <a:spcAft>
+                <a:spcPts val="0"/>
+              </a:spcAft>
+              <a:buClrTx/>
+              <a:buSzTx/>
+              <a:buFontTx/>
+              <a:buNone/>
+              <a:tabLst/>
+              <a:defRPr/>
+            </a:pPr>
+            <a:endParaRPr lang="en-US" altLang="zh-CN" dirty="0"/>
+          </a:p>
+          <a:p>
+            <a:pPr marL="0" marR="0" lvl="0" indent="0" algn="l" defTabSz="914400" rtl="0" eaLnBrk="1" fontAlgn="auto" latinLnBrk="0" hangingPunct="1">
+              <a:lnSpc>
+                <a:spcPct val="100000"/>
+              </a:lnSpc>
+              <a:spcBef>
+                <a:spcPts val="0"/>
+              </a:spcBef>
+              <a:spcAft>
+                <a:spcPts val="0"/>
+              </a:spcAft>
+              <a:buClrTx/>
+              <a:buSzTx/>
+              <a:buFontTx/>
+              <a:buNone/>
+              <a:tabLst/>
+              <a:defRPr/>
+            </a:pPr>
+            <a:r>
+              <a:rPr lang="en-US" altLang="zh-CN" dirty="0"/>
+              <a:t>3.</a:t>
+            </a:r>
+            <a:r>
+              <a:rPr lang="zh-CN" altLang="zh-CN" dirty="0"/>
+              <a:t>每个编码器层具有相应的解码器层，因此解码器网络具有</a:t>
+            </a:r>
+            <a:r>
+              <a:rPr lang="en-US" altLang="zh-CN" dirty="0"/>
+              <a:t>13</a:t>
+            </a:r>
+            <a:r>
+              <a:rPr lang="zh-CN" altLang="zh-CN" dirty="0"/>
+              <a:t>层。 最终的解码器输出被馈送到多类</a:t>
+            </a:r>
+            <a:r>
+              <a:rPr lang="en-US" altLang="zh-CN" dirty="0"/>
+              <a:t>soft-max</a:t>
+            </a:r>
+            <a:r>
+              <a:rPr lang="zh-CN" altLang="zh-CN" dirty="0"/>
+              <a:t>分类器，以独立地为每个像素产生类概率。</a:t>
+            </a:r>
+          </a:p>
+          <a:p>
+            <a:endParaRPr lang="zh-CN" altLang="en-US" dirty="0"/>
+          </a:p>
+        </p:txBody>
+      </p:sp>
+      <p:sp>
+        <p:nvSpPr>
+          <p:cNvPr id="4" name="灯片编号占位符 3"/>
+          <p:cNvSpPr>
+            <a:spLocks noGrp="1"/>
+          </p:cNvSpPr>
+          <p:nvPr>
+            <p:ph type="sldNum" sz="quarter" idx="5"/>
+          </p:nvPr>
+        </p:nvSpPr>
+        <p:spPr/>
+        <p:txBody>
+          <a:bodyPr/>
+          <a:lstStyle/>
+          <a:p>
+            <a:fld id="{C83AA2C2-85F3-459D-9C60-3B97B278D270}" type="slidenum">
+              <a:rPr lang="zh-CN" altLang="en-US" smtClean="0"/>
+              <a:t>4</a:t>
+            </a:fld>
+            <a:endParaRPr lang="zh-CN" altLang="en-US"/>
+          </a:p>
+        </p:txBody>
+      </p:sp>
+    </p:spTree>
+    <p:extLst>
+      <p:ext uri="{BB962C8B-B14F-4D97-AF65-F5344CB8AC3E}">
+        <p14:creationId xmlns:p14="http://schemas.microsoft.com/office/powerpoint/2010/main" val="4159309453"/>
+      </p:ext>
+    </p:extLst>
+  </p:cSld>
+  <p:clrMapOvr>
+    <a:masterClrMapping/>
+  </p:clrMapOvr>
+</p:notes>
+</file>
+
+<file path=ppt/notesSlides/notesSlide4.xml><?xml version="1.0" encoding="utf-8"?>
+<p:notes xmlns:a="http://schemas.openxmlformats.org/drawingml/2006/main" xmlns:r="http://schemas.openxmlformats.org/officeDocument/2006/relationships" xmlns:p="http://schemas.openxmlformats.org/presentationml/2006/main">
+  <p:cSld>
+    <p:spTree>
+      <p:nvGrpSpPr>
+        <p:cNvPr id="1" name=""/>
+        <p:cNvGrpSpPr/>
+        <p:nvPr/>
+      </p:nvGrpSpPr>
+      <p:grpSpPr>
+        <a:xfrm>
+          <a:off x="0" y="0"/>
+          <a:ext cx="0" cy="0"/>
+          <a:chOff x="0" y="0"/>
+          <a:chExt cx="0" cy="0"/>
+        </a:xfrm>
+      </p:grpSpPr>
+      <p:sp>
+        <p:nvSpPr>
+          <p:cNvPr id="2" name="幻灯片图像占位符 1"/>
+          <p:cNvSpPr>
+            <a:spLocks noGrp="1" noRot="1" noChangeAspect="1"/>
+          </p:cNvSpPr>
+          <p:nvPr>
+            <p:ph type="sldImg"/>
+          </p:nvPr>
+        </p:nvSpPr>
+        <p:spPr/>
+      </p:sp>
+      <p:sp>
+        <p:nvSpPr>
+          <p:cNvPr id="3" name="备注占位符 2"/>
+          <p:cNvSpPr>
+            <a:spLocks noGrp="1"/>
+          </p:cNvSpPr>
+          <p:nvPr>
+            <p:ph type="body" idx="1"/>
+          </p:nvPr>
+        </p:nvSpPr>
+        <p:spPr/>
+        <p:txBody>
+          <a:bodyPr/>
+          <a:lstStyle/>
+          <a:p>
+            <a:pPr marL="0" marR="0" lvl="0" indent="0" algn="l" defTabSz="914400" rtl="0" eaLnBrk="1" fontAlgn="auto" latinLnBrk="0" hangingPunct="1">
+              <a:lnSpc>
+                <a:spcPct val="100000"/>
+              </a:lnSpc>
+              <a:spcBef>
+                <a:spcPts val="0"/>
+              </a:spcBef>
+              <a:spcAft>
+                <a:spcPts val="0"/>
+              </a:spcAft>
+              <a:buClrTx/>
+              <a:buSzTx/>
+              <a:buFontTx/>
+              <a:buNone/>
+              <a:tabLst/>
+              <a:defRPr/>
+            </a:pPr>
+            <a:r>
+              <a:rPr lang="en-US" altLang="zh-CN" sz="1200" kern="1200" dirty="0">
+                <a:solidFill>
+                  <a:schemeClr val="tx1"/>
+                </a:solidFill>
+                <a:effectLst/>
+                <a:latin typeface="+mn-lt"/>
+                <a:ea typeface="+mn-ea"/>
+                <a:cs typeface="+mn-cs"/>
+              </a:rPr>
+              <a:t>1.</a:t>
+            </a:r>
+            <a:r>
+              <a:rPr lang="zh-CN" altLang="zh-CN" sz="1200" kern="1200" dirty="0">
+                <a:solidFill>
+                  <a:schemeClr val="tx1"/>
+                </a:solidFill>
+                <a:effectLst/>
+                <a:latin typeface="+mn-lt"/>
+                <a:ea typeface="+mn-ea"/>
+                <a:cs typeface="+mn-cs"/>
+              </a:rPr>
+              <a:t>编码器结构为卷积，</a:t>
+            </a:r>
+            <a:r>
+              <a:rPr lang="en-US" altLang="zh-CN" sz="1200" kern="1200" dirty="0">
+                <a:solidFill>
+                  <a:schemeClr val="tx1"/>
+                </a:solidFill>
+                <a:effectLst/>
+                <a:latin typeface="+mn-lt"/>
+                <a:ea typeface="+mn-ea"/>
+                <a:cs typeface="+mn-cs"/>
+              </a:rPr>
+              <a:t>batch normalization</a:t>
+            </a:r>
+            <a:r>
+              <a:rPr lang="zh-CN" altLang="zh-CN" sz="1200" kern="1200" dirty="0">
+                <a:solidFill>
+                  <a:schemeClr val="tx1"/>
+                </a:solidFill>
+                <a:effectLst/>
+                <a:latin typeface="+mn-lt"/>
+                <a:ea typeface="+mn-ea"/>
+                <a:cs typeface="+mn-cs"/>
+              </a:rPr>
+              <a:t>，</a:t>
+            </a:r>
+            <a:r>
+              <a:rPr lang="en-US" altLang="zh-CN" sz="1200" kern="1200" dirty="0" err="1">
+                <a:solidFill>
+                  <a:schemeClr val="tx1"/>
+                </a:solidFill>
+                <a:effectLst/>
+                <a:latin typeface="+mn-lt"/>
+                <a:ea typeface="+mn-ea"/>
+                <a:cs typeface="+mn-cs"/>
+              </a:rPr>
+              <a:t>ReLU</a:t>
+            </a:r>
+            <a:r>
+              <a:rPr lang="zh-CN" altLang="zh-CN" sz="1200" kern="1200" dirty="0">
+                <a:solidFill>
+                  <a:schemeClr val="tx1"/>
+                </a:solidFill>
+                <a:effectLst/>
+                <a:latin typeface="+mn-lt"/>
+                <a:ea typeface="+mn-ea"/>
+                <a:cs typeface="+mn-cs"/>
+              </a:rPr>
+              <a:t>函数，</a:t>
+            </a:r>
+            <a:r>
+              <a:rPr lang="en-US" altLang="zh-CN" sz="1200" kern="1200" dirty="0">
+                <a:solidFill>
+                  <a:schemeClr val="tx1"/>
+                </a:solidFill>
+                <a:effectLst/>
+                <a:latin typeface="+mn-lt"/>
+                <a:ea typeface="+mn-ea"/>
+                <a:cs typeface="+mn-cs"/>
+              </a:rPr>
+              <a:t>2</a:t>
+            </a:r>
+            <a:r>
+              <a:rPr lang="zh-CN" altLang="zh-CN" sz="1200" kern="1200" dirty="0">
+                <a:solidFill>
+                  <a:schemeClr val="tx1"/>
+                </a:solidFill>
+                <a:effectLst/>
+                <a:latin typeface="+mn-lt"/>
+                <a:ea typeface="+mn-ea"/>
+                <a:cs typeface="+mn-cs"/>
+              </a:rPr>
+              <a:t>×</a:t>
+            </a:r>
+            <a:r>
+              <a:rPr lang="en-US" altLang="zh-CN" sz="1200" kern="1200" dirty="0">
+                <a:solidFill>
+                  <a:schemeClr val="tx1"/>
+                </a:solidFill>
+                <a:effectLst/>
+                <a:latin typeface="+mn-lt"/>
+                <a:ea typeface="+mn-ea"/>
+                <a:cs typeface="+mn-cs"/>
+              </a:rPr>
+              <a:t>2</a:t>
+            </a:r>
+            <a:r>
+              <a:rPr lang="zh-CN" altLang="zh-CN" sz="1200" kern="1200" dirty="0">
+                <a:solidFill>
+                  <a:schemeClr val="tx1"/>
+                </a:solidFill>
+                <a:effectLst/>
+                <a:latin typeface="+mn-lt"/>
+                <a:ea typeface="+mn-ea"/>
+                <a:cs typeface="+mn-cs"/>
+              </a:rPr>
+              <a:t>最大池化。</a:t>
+            </a:r>
+            <a:endParaRPr lang="en-US" altLang="zh-CN" sz="1200" kern="1200" dirty="0">
+              <a:solidFill>
+                <a:schemeClr val="tx1"/>
+              </a:solidFill>
+              <a:effectLst/>
+              <a:latin typeface="+mn-lt"/>
+              <a:ea typeface="+mn-ea"/>
+              <a:cs typeface="+mn-cs"/>
+            </a:endParaRPr>
+          </a:p>
+          <a:p>
+            <a:pPr marL="0" marR="0" lvl="0" indent="0" algn="l" defTabSz="914400" rtl="0" eaLnBrk="1" fontAlgn="auto" latinLnBrk="0" hangingPunct="1">
+              <a:lnSpc>
+                <a:spcPct val="100000"/>
+              </a:lnSpc>
+              <a:spcBef>
+                <a:spcPts val="0"/>
+              </a:spcBef>
+              <a:spcAft>
+                <a:spcPts val="0"/>
+              </a:spcAft>
+              <a:buClrTx/>
+              <a:buSzTx/>
+              <a:buFontTx/>
+              <a:buNone/>
+              <a:tabLst/>
+              <a:defRPr/>
+            </a:pPr>
+            <a:endParaRPr lang="en-US" altLang="zh-CN" sz="1200" kern="1200" dirty="0">
+              <a:solidFill>
+                <a:schemeClr val="tx1"/>
+              </a:solidFill>
+              <a:effectLst/>
+              <a:latin typeface="+mn-lt"/>
+              <a:ea typeface="+mn-ea"/>
+              <a:cs typeface="+mn-cs"/>
+            </a:endParaRPr>
+          </a:p>
+          <a:p>
+            <a:pPr marL="0" marR="0" lvl="0" indent="0" algn="l" defTabSz="914400" rtl="0" eaLnBrk="1" fontAlgn="auto" latinLnBrk="0" hangingPunct="1">
+              <a:lnSpc>
+                <a:spcPct val="100000"/>
+              </a:lnSpc>
+              <a:spcBef>
+                <a:spcPts val="0"/>
+              </a:spcBef>
+              <a:spcAft>
+                <a:spcPts val="0"/>
+              </a:spcAft>
+              <a:buClrTx/>
+              <a:buSzTx/>
+              <a:buFontTx/>
+              <a:buNone/>
+              <a:tabLst/>
+              <a:defRPr/>
+            </a:pPr>
+            <a:r>
+              <a:rPr lang="en-US" altLang="zh-CN" sz="1200" kern="1200" dirty="0">
+                <a:solidFill>
+                  <a:schemeClr val="tx1"/>
+                </a:solidFill>
+                <a:effectLst/>
+                <a:latin typeface="+mn-lt"/>
+                <a:ea typeface="+mn-ea"/>
+                <a:cs typeface="+mn-cs"/>
+              </a:rPr>
+              <a:t>2.</a:t>
+            </a:r>
+            <a:r>
+              <a:rPr lang="zh-CN" altLang="en-US" sz="1200" kern="1200" dirty="0">
+                <a:solidFill>
+                  <a:schemeClr val="tx1"/>
+                </a:solidFill>
+                <a:effectLst/>
+                <a:latin typeface="+mn-lt"/>
+                <a:ea typeface="+mn-ea"/>
+                <a:cs typeface="+mn-cs"/>
+              </a:rPr>
+              <a:t> </a:t>
+            </a:r>
+            <a:r>
+              <a:rPr lang="zh-CN" altLang="zh-CN" sz="1200" kern="1200" dirty="0">
+                <a:solidFill>
+                  <a:schemeClr val="tx1"/>
+                </a:solidFill>
+                <a:effectLst/>
+                <a:latin typeface="+mn-lt"/>
+                <a:ea typeface="+mn-ea"/>
+                <a:cs typeface="+mn-cs"/>
+              </a:rPr>
+              <a:t>最大池化和下采样可以增加分类的鲁棒性和平移不变性，但是会丢失特征图的空间分辨率。</a:t>
+            </a:r>
+            <a:endParaRPr lang="en-US" altLang="zh-CN" sz="1200" kern="1200" dirty="0">
+              <a:solidFill>
+                <a:schemeClr val="tx1"/>
+              </a:solidFill>
+              <a:effectLst/>
+              <a:latin typeface="+mn-lt"/>
+              <a:ea typeface="+mn-ea"/>
+              <a:cs typeface="+mn-cs"/>
+            </a:endParaRPr>
+          </a:p>
+          <a:p>
+            <a:pPr marL="0" marR="0" lvl="0" indent="0" algn="l" defTabSz="914400" rtl="0" eaLnBrk="1" fontAlgn="auto" latinLnBrk="0" hangingPunct="1">
+              <a:lnSpc>
+                <a:spcPct val="100000"/>
+              </a:lnSpc>
+              <a:spcBef>
+                <a:spcPts val="0"/>
+              </a:spcBef>
+              <a:spcAft>
+                <a:spcPts val="0"/>
+              </a:spcAft>
+              <a:buClrTx/>
+              <a:buSzTx/>
+              <a:buFontTx/>
+              <a:buNone/>
+              <a:tabLst/>
+              <a:defRPr/>
+            </a:pPr>
+            <a:endParaRPr lang="en-US" altLang="zh-CN" sz="1200" kern="1200" dirty="0">
+              <a:solidFill>
+                <a:schemeClr val="tx1"/>
+              </a:solidFill>
+              <a:effectLst/>
+              <a:latin typeface="+mn-lt"/>
+              <a:ea typeface="+mn-ea"/>
+              <a:cs typeface="+mn-cs"/>
+            </a:endParaRPr>
+          </a:p>
+          <a:p>
+            <a:pPr marL="0" marR="0" lvl="0" indent="0" algn="l" defTabSz="914400" rtl="0" eaLnBrk="1" fontAlgn="auto" latinLnBrk="0" hangingPunct="1">
+              <a:lnSpc>
+                <a:spcPct val="100000"/>
+              </a:lnSpc>
+              <a:spcBef>
+                <a:spcPts val="0"/>
+              </a:spcBef>
+              <a:spcAft>
+                <a:spcPts val="0"/>
+              </a:spcAft>
+              <a:buClrTx/>
+              <a:buSzTx/>
+              <a:buFontTx/>
+              <a:buNone/>
+              <a:tabLst/>
+              <a:defRPr/>
+            </a:pPr>
+            <a:r>
+              <a:rPr lang="en-US" altLang="zh-CN" sz="1200" kern="1200" dirty="0">
+                <a:solidFill>
+                  <a:schemeClr val="tx1"/>
+                </a:solidFill>
+                <a:effectLst/>
+                <a:latin typeface="+mn-lt"/>
+                <a:ea typeface="+mn-ea"/>
+                <a:cs typeface="+mn-cs"/>
+              </a:rPr>
+              <a:t>3.</a:t>
+            </a:r>
+            <a:r>
+              <a:rPr lang="zh-CN" altLang="zh-CN" sz="1200" kern="1200" dirty="0">
+                <a:solidFill>
+                  <a:schemeClr val="tx1"/>
+                </a:solidFill>
+                <a:effectLst/>
+                <a:latin typeface="+mn-lt"/>
+                <a:ea typeface="+mn-ea"/>
+                <a:cs typeface="+mn-cs"/>
+              </a:rPr>
+              <a:t>边界细节</a:t>
+            </a:r>
+            <a:r>
+              <a:rPr lang="zh-CN" altLang="en-US" sz="1200" kern="1200" dirty="0">
+                <a:solidFill>
+                  <a:schemeClr val="tx1"/>
+                </a:solidFill>
+                <a:effectLst/>
+                <a:latin typeface="+mn-lt"/>
+                <a:ea typeface="+mn-ea"/>
+                <a:cs typeface="+mn-cs"/>
+              </a:rPr>
+              <a:t>在分割中十分重要</a:t>
+            </a:r>
+            <a:r>
+              <a:rPr lang="zh-CN" altLang="zh-CN" sz="1200" kern="1200" dirty="0">
+                <a:solidFill>
+                  <a:schemeClr val="tx1"/>
+                </a:solidFill>
+                <a:effectLst/>
+                <a:latin typeface="+mn-lt"/>
+                <a:ea typeface="+mn-ea"/>
+                <a:cs typeface="+mn-cs"/>
+              </a:rPr>
+              <a:t>，其损失对对于分割有害。因此，有必要在执行二次采样之前在编码器特征图中捕获和存储边界信息。本文的方法仅存储最大池化索引。</a:t>
+            </a:r>
+          </a:p>
+          <a:p>
+            <a:endParaRPr lang="zh-CN" altLang="en-US" dirty="0"/>
+          </a:p>
+        </p:txBody>
+      </p:sp>
+      <p:sp>
+        <p:nvSpPr>
+          <p:cNvPr id="4" name="灯片编号占位符 3"/>
+          <p:cNvSpPr>
+            <a:spLocks noGrp="1"/>
+          </p:cNvSpPr>
+          <p:nvPr>
+            <p:ph type="sldNum" sz="quarter" idx="5"/>
+          </p:nvPr>
+        </p:nvSpPr>
+        <p:spPr/>
+        <p:txBody>
+          <a:bodyPr/>
+          <a:lstStyle/>
+          <a:p>
+            <a:fld id="{C83AA2C2-85F3-459D-9C60-3B97B278D270}" type="slidenum">
+              <a:rPr lang="zh-CN" altLang="en-US" smtClean="0"/>
+              <a:t>5</a:t>
+            </a:fld>
+            <a:endParaRPr lang="zh-CN" altLang="en-US"/>
+          </a:p>
+        </p:txBody>
+      </p:sp>
+    </p:spTree>
+    <p:extLst>
+      <p:ext uri="{BB962C8B-B14F-4D97-AF65-F5344CB8AC3E}">
+        <p14:creationId xmlns:p14="http://schemas.microsoft.com/office/powerpoint/2010/main" val="1045300571"/>
+      </p:ext>
+    </p:extLst>
+  </p:cSld>
+  <p:clrMapOvr>
+    <a:masterClrMapping/>
+  </p:clrMapOvr>
+</p:notes>
+</file>
+
+<file path=ppt/notesSlides/notesSlide5.xml><?xml version="1.0" encoding="utf-8"?>
+<p:notes xmlns:a="http://schemas.openxmlformats.org/drawingml/2006/main" xmlns:r="http://schemas.openxmlformats.org/officeDocument/2006/relationships" xmlns:p="http://schemas.openxmlformats.org/presentationml/2006/main">
+  <p:cSld>
+    <p:spTree>
+      <p:nvGrpSpPr>
+        <p:cNvPr id="1" name=""/>
+        <p:cNvGrpSpPr/>
+        <p:nvPr/>
+      </p:nvGrpSpPr>
+      <p:grpSpPr>
+        <a:xfrm>
+          <a:off x="0" y="0"/>
+          <a:ext cx="0" cy="0"/>
+          <a:chOff x="0" y="0"/>
+          <a:chExt cx="0" cy="0"/>
+        </a:xfrm>
+      </p:grpSpPr>
+      <p:sp>
+        <p:nvSpPr>
+          <p:cNvPr id="2" name="幻灯片图像占位符 1"/>
+          <p:cNvSpPr>
+            <a:spLocks noGrp="1" noRot="1" noChangeAspect="1"/>
+          </p:cNvSpPr>
+          <p:nvPr>
+            <p:ph type="sldImg"/>
+          </p:nvPr>
+        </p:nvSpPr>
+        <p:spPr/>
+      </p:sp>
+      <p:sp>
+        <p:nvSpPr>
+          <p:cNvPr id="3" name="备注占位符 2"/>
+          <p:cNvSpPr>
+            <a:spLocks noGrp="1"/>
+          </p:cNvSpPr>
+          <p:nvPr>
+            <p:ph type="body" idx="1"/>
+          </p:nvPr>
+        </p:nvSpPr>
+        <p:spPr/>
+        <p:txBody>
+          <a:bodyPr/>
+          <a:lstStyle/>
+          <a:p>
+            <a:r>
+              <a:rPr lang="zh-CN" altLang="zh-CN" sz="1200" kern="1200" dirty="0">
+                <a:solidFill>
+                  <a:schemeClr val="tx1"/>
+                </a:solidFill>
+                <a:effectLst/>
+                <a:latin typeface="+mn-lt"/>
+                <a:ea typeface="+mn-ea"/>
+                <a:cs typeface="+mn-cs"/>
+              </a:rPr>
+              <a:t>即，为每个编码器特征图存储每个池化窗口中的最大特征值的位置。</a:t>
+            </a:r>
+            <a:r>
+              <a:rPr lang="zh-CN" altLang="zh-CN" dirty="0"/>
+              <a:t>上采样步骤中不涉及学习</a:t>
+            </a:r>
+            <a:endParaRPr lang="zh-CN" altLang="en-US" dirty="0"/>
+          </a:p>
+        </p:txBody>
+      </p:sp>
+      <p:sp>
+        <p:nvSpPr>
+          <p:cNvPr id="4" name="灯片编号占位符 3"/>
+          <p:cNvSpPr>
+            <a:spLocks noGrp="1"/>
+          </p:cNvSpPr>
+          <p:nvPr>
+            <p:ph type="sldNum" sz="quarter" idx="5"/>
+          </p:nvPr>
+        </p:nvSpPr>
+        <p:spPr/>
+        <p:txBody>
+          <a:bodyPr/>
+          <a:lstStyle/>
+          <a:p>
+            <a:fld id="{C83AA2C2-85F3-459D-9C60-3B97B278D270}" type="slidenum">
+              <a:rPr lang="zh-CN" altLang="en-US" smtClean="0"/>
+              <a:t>6</a:t>
+            </a:fld>
+            <a:endParaRPr lang="zh-CN" altLang="en-US"/>
+          </a:p>
+        </p:txBody>
+      </p:sp>
+    </p:spTree>
+    <p:extLst>
+      <p:ext uri="{BB962C8B-B14F-4D97-AF65-F5344CB8AC3E}">
+        <p14:creationId xmlns:p14="http://schemas.microsoft.com/office/powerpoint/2010/main" val="1220248945"/>
+      </p:ext>
+    </p:extLst>
+  </p:cSld>
+  <p:clrMapOvr>
+    <a:masterClrMapping/>
+  </p:clrMapOvr>
+</p:notes>
+</file>
+
+<file path=ppt/notesSlides/notesSlide6.xml><?xml version="1.0" encoding="utf-8"?>
+<p:notes xmlns:a="http://schemas.openxmlformats.org/drawingml/2006/main" xmlns:r="http://schemas.openxmlformats.org/officeDocument/2006/relationships" xmlns:p="http://schemas.openxmlformats.org/presentationml/2006/main">
+  <p:cSld>
+    <p:spTree>
+      <p:nvGrpSpPr>
+        <p:cNvPr id="1" name=""/>
+        <p:cNvGrpSpPr/>
+        <p:nvPr/>
+      </p:nvGrpSpPr>
+      <p:grpSpPr>
+        <a:xfrm>
+          <a:off x="0" y="0"/>
+          <a:ext cx="0" cy="0"/>
+          <a:chOff x="0" y="0"/>
+          <a:chExt cx="0" cy="0"/>
+        </a:xfrm>
+      </p:grpSpPr>
+      <p:sp>
+        <p:nvSpPr>
+          <p:cNvPr id="2" name="幻灯片图像占位符 1"/>
+          <p:cNvSpPr>
+            <a:spLocks noGrp="1" noRot="1" noChangeAspect="1"/>
+          </p:cNvSpPr>
+          <p:nvPr>
+            <p:ph type="sldImg"/>
+          </p:nvPr>
+        </p:nvSpPr>
+        <p:spPr/>
+      </p:sp>
+      <p:sp>
+        <p:nvSpPr>
+          <p:cNvPr id="3" name="备注占位符 2"/>
+          <p:cNvSpPr>
+            <a:spLocks noGrp="1"/>
+          </p:cNvSpPr>
+          <p:nvPr>
+            <p:ph type="body" idx="1"/>
+          </p:nvPr>
+        </p:nvSpPr>
+        <p:spPr/>
+        <p:txBody>
+          <a:bodyPr/>
+          <a:lstStyle/>
+          <a:p>
+            <a:pPr>
+              <a:lnSpc>
+                <a:spcPct val="150000"/>
+              </a:lnSpc>
+            </a:pPr>
+            <a:r>
+              <a:rPr lang="en-US" altLang="zh-CN" dirty="0"/>
+              <a:t>1.</a:t>
+            </a:r>
+            <a:r>
+              <a:rPr lang="zh-CN" altLang="zh-CN" dirty="0"/>
+              <a:t>解码器使用来自相应编码器特征图存储的最大池化索引对其输入特征图进行上采样。此步骤生成稀疏特征图。</a:t>
+            </a:r>
+            <a:endParaRPr lang="en-US" altLang="zh-CN" dirty="0"/>
+          </a:p>
+          <a:p>
+            <a:pPr>
+              <a:lnSpc>
+                <a:spcPct val="150000"/>
+              </a:lnSpc>
+            </a:pPr>
+            <a:endParaRPr lang="en-US" altLang="zh-CN" dirty="0"/>
+          </a:p>
+          <a:p>
+            <a:pPr>
+              <a:lnSpc>
+                <a:spcPct val="150000"/>
+              </a:lnSpc>
+            </a:pPr>
+            <a:r>
+              <a:rPr lang="en-US" altLang="zh-CN" dirty="0"/>
+              <a:t>2.</a:t>
+            </a:r>
+            <a:r>
+              <a:rPr lang="zh-CN" altLang="zh-CN" dirty="0"/>
+              <a:t>将特征图与可训练的解码器滤波器组进行卷积，以产生密集的特征图。之后是批量归一化。</a:t>
+            </a:r>
+            <a:endParaRPr lang="en-US" altLang="zh-CN" dirty="0"/>
+          </a:p>
+          <a:p>
+            <a:pPr>
+              <a:lnSpc>
+                <a:spcPct val="150000"/>
+              </a:lnSpc>
+            </a:pPr>
+            <a:endParaRPr lang="en-US" altLang="zh-CN" dirty="0"/>
+          </a:p>
+          <a:p>
+            <a:pPr>
+              <a:lnSpc>
+                <a:spcPct val="150000"/>
+              </a:lnSpc>
+            </a:pPr>
+            <a:r>
+              <a:rPr lang="en-US" altLang="zh-CN" dirty="0"/>
+              <a:t>3.</a:t>
+            </a:r>
+            <a:r>
+              <a:rPr lang="zh-CN" altLang="en-US" dirty="0"/>
+              <a:t>解码器与编码器是一一对应的，其中</a:t>
+            </a:r>
+            <a:r>
+              <a:rPr lang="zh-CN" altLang="zh-CN" dirty="0"/>
+              <a:t>对应于第一个编码器（最接近输入图像）的解码器将产生多通道特征图。最后的解码器输出端连接可训练的</a:t>
+            </a:r>
+            <a:r>
+              <a:rPr lang="en-US" altLang="zh-CN" dirty="0"/>
+              <a:t>soft-max</a:t>
+            </a:r>
+            <a:r>
+              <a:rPr lang="zh-CN" altLang="zh-CN" dirty="0"/>
+              <a:t>分类器，</a:t>
+            </a:r>
+            <a:r>
+              <a:rPr lang="en-US" altLang="zh-CN" dirty="0"/>
+              <a:t>soft-max</a:t>
+            </a:r>
+            <a:r>
+              <a:rPr lang="zh-CN" altLang="zh-CN" dirty="0"/>
+              <a:t>独立地对每个像素进行分类。</a:t>
+            </a:r>
+          </a:p>
+          <a:p>
+            <a:pPr>
+              <a:lnSpc>
+                <a:spcPct val="150000"/>
+              </a:lnSpc>
+            </a:pPr>
+            <a:endParaRPr lang="zh-CN" altLang="en-US" dirty="0"/>
+          </a:p>
+          <a:p>
+            <a:endParaRPr lang="zh-CN" altLang="en-US" dirty="0"/>
+          </a:p>
+          <a:p>
+            <a:endParaRPr lang="zh-CN" altLang="en-US" dirty="0"/>
+          </a:p>
+        </p:txBody>
+      </p:sp>
+      <p:sp>
+        <p:nvSpPr>
+          <p:cNvPr id="4" name="灯片编号占位符 3"/>
+          <p:cNvSpPr>
+            <a:spLocks noGrp="1"/>
+          </p:cNvSpPr>
+          <p:nvPr>
+            <p:ph type="sldNum" sz="quarter" idx="5"/>
+          </p:nvPr>
+        </p:nvSpPr>
+        <p:spPr/>
+        <p:txBody>
+          <a:bodyPr/>
+          <a:lstStyle/>
+          <a:p>
+            <a:fld id="{C83AA2C2-85F3-459D-9C60-3B97B278D270}" type="slidenum">
+              <a:rPr lang="zh-CN" altLang="en-US" smtClean="0"/>
+              <a:t>7</a:t>
+            </a:fld>
+            <a:endParaRPr lang="zh-CN" altLang="en-US"/>
+          </a:p>
+        </p:txBody>
+      </p:sp>
+    </p:spTree>
+    <p:extLst>
+      <p:ext uri="{BB962C8B-B14F-4D97-AF65-F5344CB8AC3E}">
+        <p14:creationId xmlns:p14="http://schemas.microsoft.com/office/powerpoint/2010/main" val="1404676621"/>
+      </p:ext>
+    </p:extLst>
+  </p:cSld>
+  <p:clrMapOvr>
+    <a:masterClrMapping/>
+  </p:clrMapOvr>
+</p:notes>
+</file>
+
+<file path=ppt/notesSlides/notesSlide7.xml><?xml version="1.0" encoding="utf-8"?>
+<p:notes xmlns:a="http://schemas.openxmlformats.org/drawingml/2006/main" xmlns:r="http://schemas.openxmlformats.org/officeDocument/2006/relationships" xmlns:p="http://schemas.openxmlformats.org/presentationml/2006/main">
+  <p:cSld>
+    <p:spTree>
+      <p:nvGrpSpPr>
+        <p:cNvPr id="1" name=""/>
+        <p:cNvGrpSpPr/>
+        <p:nvPr/>
+      </p:nvGrpSpPr>
+      <p:grpSpPr>
+        <a:xfrm>
+          <a:off x="0" y="0"/>
+          <a:ext cx="0" cy="0"/>
+          <a:chOff x="0" y="0"/>
+          <a:chExt cx="0" cy="0"/>
+        </a:xfrm>
+      </p:grpSpPr>
+      <p:sp>
+        <p:nvSpPr>
+          <p:cNvPr id="2" name="幻灯片图像占位符 1"/>
+          <p:cNvSpPr>
+            <a:spLocks noGrp="1" noRot="1" noChangeAspect="1"/>
+          </p:cNvSpPr>
+          <p:nvPr>
+            <p:ph type="sldImg"/>
+          </p:nvPr>
+        </p:nvSpPr>
+        <p:spPr/>
+      </p:sp>
+      <p:sp>
+        <p:nvSpPr>
+          <p:cNvPr id="3" name="备注占位符 2"/>
+          <p:cNvSpPr>
+            <a:spLocks noGrp="1"/>
+          </p:cNvSpPr>
+          <p:nvPr>
+            <p:ph type="body" idx="1"/>
+          </p:nvPr>
+        </p:nvSpPr>
+        <p:spPr/>
+        <p:txBody>
+          <a:bodyPr/>
+          <a:lstStyle/>
+          <a:p>
+            <a:endParaRPr lang="zh-CN" altLang="en-US" dirty="0"/>
+          </a:p>
+        </p:txBody>
+      </p:sp>
+      <p:sp>
+        <p:nvSpPr>
+          <p:cNvPr id="4" name="灯片编号占位符 3"/>
+          <p:cNvSpPr>
+            <a:spLocks noGrp="1"/>
+          </p:cNvSpPr>
+          <p:nvPr>
+            <p:ph type="sldNum" sz="quarter" idx="5"/>
+          </p:nvPr>
+        </p:nvSpPr>
+        <p:spPr/>
+        <p:txBody>
+          <a:bodyPr/>
+          <a:lstStyle/>
+          <a:p>
+            <a:fld id="{C83AA2C2-85F3-459D-9C60-3B97B278D270}" type="slidenum">
+              <a:rPr lang="zh-CN" altLang="en-US" smtClean="0"/>
+              <a:t>8</a:t>
+            </a:fld>
+            <a:endParaRPr lang="zh-CN" altLang="en-US"/>
+          </a:p>
+        </p:txBody>
+      </p:sp>
+    </p:spTree>
+    <p:extLst>
+      <p:ext uri="{BB962C8B-B14F-4D97-AF65-F5344CB8AC3E}">
+        <p14:creationId xmlns:p14="http://schemas.microsoft.com/office/powerpoint/2010/main" val="2566043093"/>
+      </p:ext>
+    </p:extLst>
+  </p:cSld>
+  <p:clrMapOvr>
+    <a:masterClrMapping/>
+  </p:clrMapOvr>
+</p:notes>
+</file>
+
+<file path=ppt/notesSlides/notesSlide8.xml><?xml version="1.0" encoding="utf-8"?>
+<p:notes xmlns:a="http://schemas.openxmlformats.org/drawingml/2006/main" xmlns:r="http://schemas.openxmlformats.org/officeDocument/2006/relationships" xmlns:p="http://schemas.openxmlformats.org/presentationml/2006/main">
+  <p:cSld>
+    <p:spTree>
+      <p:nvGrpSpPr>
+        <p:cNvPr id="1" name=""/>
+        <p:cNvGrpSpPr/>
+        <p:nvPr/>
+      </p:nvGrpSpPr>
+      <p:grpSpPr>
+        <a:xfrm>
+          <a:off x="0" y="0"/>
+          <a:ext cx="0" cy="0"/>
+          <a:chOff x="0" y="0"/>
+          <a:chExt cx="0" cy="0"/>
+        </a:xfrm>
+      </p:grpSpPr>
+      <p:sp>
+        <p:nvSpPr>
+          <p:cNvPr id="2" name="幻灯片图像占位符 1"/>
+          <p:cNvSpPr>
+            <a:spLocks noGrp="1" noRot="1" noChangeAspect="1"/>
+          </p:cNvSpPr>
+          <p:nvPr>
+            <p:ph type="sldImg"/>
+          </p:nvPr>
+        </p:nvSpPr>
+        <p:spPr/>
+      </p:sp>
+      <p:sp>
+        <p:nvSpPr>
+          <p:cNvPr id="3" name="备注占位符 2"/>
+          <p:cNvSpPr>
+            <a:spLocks noGrp="1"/>
+          </p:cNvSpPr>
+          <p:nvPr>
+            <p:ph type="body" idx="1"/>
+          </p:nvPr>
+        </p:nvSpPr>
+        <p:spPr/>
+        <p:txBody>
+          <a:bodyPr/>
+          <a:lstStyle/>
+          <a:p>
+            <a:r>
+              <a:rPr lang="en-US" altLang="zh-CN" dirty="0"/>
+              <a:t>1.</a:t>
+            </a:r>
+            <a:r>
+              <a:rPr lang="zh-CN" altLang="zh-CN" dirty="0"/>
+              <a:t>为了分析</a:t>
+            </a:r>
+            <a:r>
+              <a:rPr lang="en-US" altLang="zh-CN" dirty="0" err="1"/>
+              <a:t>SegNet</a:t>
+            </a:r>
+            <a:r>
+              <a:rPr lang="zh-CN" altLang="zh-CN" dirty="0"/>
+              <a:t>并将其性能与</a:t>
+            </a:r>
+            <a:r>
+              <a:rPr lang="en-US" altLang="zh-CN" dirty="0"/>
+              <a:t>FCN</a:t>
+            </a:r>
+            <a:r>
+              <a:rPr lang="zh-CN" altLang="zh-CN" dirty="0"/>
+              <a:t>（解码器变体）进行比较，我们使用较小版本的</a:t>
+            </a:r>
+            <a:r>
+              <a:rPr lang="en-US" altLang="zh-CN" dirty="0" err="1"/>
+              <a:t>SegNet</a:t>
+            </a:r>
+            <a:r>
+              <a:rPr lang="zh-CN" altLang="zh-CN" dirty="0"/>
+              <a:t>，称为</a:t>
+            </a:r>
+            <a:r>
+              <a:rPr lang="en-US" altLang="zh-CN" dirty="0" err="1"/>
+              <a:t>SegNet</a:t>
+            </a:r>
+            <a:r>
+              <a:rPr lang="en-US" altLang="zh-CN" dirty="0"/>
+              <a:t>-Basic</a:t>
+            </a:r>
+            <a:r>
+              <a:rPr lang="zh-CN" altLang="zh-CN" dirty="0"/>
+              <a:t>。</a:t>
+            </a:r>
+            <a:endParaRPr lang="en-US" altLang="zh-CN" dirty="0"/>
+          </a:p>
+          <a:p>
+            <a:endParaRPr lang="en-US" altLang="zh-CN" dirty="0"/>
+          </a:p>
+          <a:p>
+            <a:pPr marL="0" marR="0" lvl="0" indent="0" algn="l" defTabSz="914400" rtl="0" eaLnBrk="1" fontAlgn="auto" latinLnBrk="0" hangingPunct="1">
+              <a:lnSpc>
+                <a:spcPct val="100000"/>
+              </a:lnSpc>
+              <a:spcBef>
+                <a:spcPts val="0"/>
+              </a:spcBef>
+              <a:spcAft>
+                <a:spcPts val="0"/>
+              </a:spcAft>
+              <a:buClrTx/>
+              <a:buSzTx/>
+              <a:buFontTx/>
+              <a:buNone/>
+              <a:tabLst/>
+              <a:defRPr/>
+            </a:pPr>
+            <a:r>
+              <a:rPr lang="en-US" altLang="zh-CN" dirty="0"/>
+              <a:t>2. </a:t>
+            </a:r>
+            <a:r>
+              <a:rPr lang="en-US" altLang="zh-CN" dirty="0" err="1"/>
+              <a:t>SegNet</a:t>
+            </a:r>
+            <a:r>
+              <a:rPr lang="en-US" altLang="zh-CN" dirty="0"/>
+              <a:t>-Basic</a:t>
+            </a:r>
+            <a:r>
+              <a:rPr lang="zh-CN" altLang="zh-CN" dirty="0"/>
+              <a:t>中的所有编码器执行最大池化和二次采样，并且相应的解码器使用接收的最大池索引对其输入进行上采样。在编码器和解码器网络中的每个卷积层之后使用批量归一化。在卷积之后没有使用偏差，并且在解码器网络中不存在</a:t>
+            </a:r>
+            <a:r>
+              <a:rPr lang="en-US" altLang="zh-CN" dirty="0" err="1"/>
+              <a:t>ReLU</a:t>
+            </a:r>
+            <a:r>
+              <a:rPr lang="zh-CN" altLang="zh-CN" dirty="0"/>
+              <a:t>非线性。此外，选择在所有编码器和解码器层上的</a:t>
+            </a:r>
+            <a:r>
+              <a:rPr lang="en-US" altLang="zh-CN" dirty="0"/>
+              <a:t>7</a:t>
+            </a:r>
+            <a:r>
+              <a:rPr lang="zh-CN" altLang="zh-CN" dirty="0"/>
+              <a:t>×</a:t>
+            </a:r>
+            <a:r>
+              <a:rPr lang="en-US" altLang="zh-CN" dirty="0"/>
+              <a:t>7</a:t>
+            </a:r>
+            <a:r>
+              <a:rPr lang="zh-CN" altLang="zh-CN" dirty="0"/>
+              <a:t>的恒定内核大小以提供用于平滑标记的宽的上下文。</a:t>
+            </a:r>
+            <a:endParaRPr lang="en-US" altLang="zh-CN" dirty="0"/>
+          </a:p>
+          <a:p>
+            <a:pPr marL="0" marR="0" lvl="0" indent="0" algn="l" defTabSz="914400" rtl="0" eaLnBrk="1" fontAlgn="auto" latinLnBrk="0" hangingPunct="1">
+              <a:lnSpc>
+                <a:spcPct val="100000"/>
+              </a:lnSpc>
+              <a:spcBef>
+                <a:spcPts val="0"/>
+              </a:spcBef>
+              <a:spcAft>
+                <a:spcPts val="0"/>
+              </a:spcAft>
+              <a:buClrTx/>
+              <a:buSzTx/>
+              <a:buFontTx/>
+              <a:buNone/>
+              <a:tabLst/>
+              <a:defRPr/>
+            </a:pPr>
+            <a:endParaRPr lang="en-US" altLang="zh-CN" dirty="0"/>
+          </a:p>
+          <a:p>
+            <a:pPr marL="0" marR="0" lvl="0" indent="0" algn="l" defTabSz="914400" rtl="0" eaLnBrk="1" fontAlgn="auto" latinLnBrk="0" hangingPunct="1">
+              <a:lnSpc>
+                <a:spcPct val="100000"/>
+              </a:lnSpc>
+              <a:spcBef>
+                <a:spcPts val="0"/>
+              </a:spcBef>
+              <a:spcAft>
+                <a:spcPts val="0"/>
+              </a:spcAft>
+              <a:buClrTx/>
+              <a:buSzTx/>
+              <a:buFontTx/>
+              <a:buNone/>
+              <a:tabLst/>
+              <a:defRPr/>
+            </a:pPr>
+            <a:r>
+              <a:rPr lang="en-US" altLang="zh-CN" dirty="0"/>
+              <a:t>3.</a:t>
+            </a:r>
+            <a:r>
+              <a:rPr lang="zh-CN" altLang="en-US" dirty="0"/>
+              <a:t> </a:t>
+            </a:r>
+            <a:r>
+              <a:rPr lang="zh-CN" altLang="zh-CN" dirty="0"/>
+              <a:t>这种小尺寸的</a:t>
+            </a:r>
+            <a:r>
+              <a:rPr lang="en-US" altLang="zh-CN" dirty="0" err="1"/>
+              <a:t>SegNet</a:t>
+            </a:r>
+            <a:r>
+              <a:rPr lang="en-US" altLang="zh-CN" dirty="0"/>
+              <a:t>-Basic</a:t>
+            </a:r>
+            <a:r>
+              <a:rPr lang="zh-CN" altLang="zh-CN" dirty="0"/>
+              <a:t>允许我们探索许多不同的变体（解码器）并在合理的时间内训练它们。类似地，我们创建了</a:t>
+            </a:r>
+            <a:r>
+              <a:rPr lang="en-US" altLang="zh-CN" dirty="0"/>
+              <a:t>FCN-Basic</a:t>
+            </a:r>
+            <a:r>
+              <a:rPr lang="zh-CN" altLang="zh-CN" dirty="0"/>
+              <a:t>，这是我们分析的</a:t>
+            </a:r>
+            <a:r>
+              <a:rPr lang="en-US" altLang="zh-CN" dirty="0"/>
+              <a:t>FCN</a:t>
+            </a:r>
+            <a:r>
+              <a:rPr lang="zh-CN" altLang="zh-CN" dirty="0"/>
+              <a:t>的可比版本，它与</a:t>
+            </a:r>
+            <a:r>
+              <a:rPr lang="en-US" altLang="zh-CN" dirty="0" err="1"/>
+              <a:t>SegNet</a:t>
+            </a:r>
+            <a:r>
+              <a:rPr lang="en-US" altLang="zh-CN" dirty="0"/>
+              <a:t>-Basic</a:t>
+            </a:r>
+            <a:r>
+              <a:rPr lang="zh-CN" altLang="zh-CN" dirty="0"/>
+              <a:t>共享相同的编码器网络，但使用了所有解码器中使用的</a:t>
+            </a:r>
+            <a:r>
+              <a:rPr lang="en-US" altLang="zh-CN" dirty="0"/>
+              <a:t>FCN</a:t>
+            </a:r>
+            <a:r>
+              <a:rPr lang="zh-CN" altLang="zh-CN" dirty="0"/>
+              <a:t>解码技术，即使用转置卷积。</a:t>
+            </a:r>
+          </a:p>
+          <a:p>
+            <a:pPr marL="0" marR="0" lvl="0" indent="0" algn="l" defTabSz="914400" rtl="0" eaLnBrk="1" fontAlgn="auto" latinLnBrk="0" hangingPunct="1">
+              <a:lnSpc>
+                <a:spcPct val="100000"/>
+              </a:lnSpc>
+              <a:spcBef>
+                <a:spcPts val="0"/>
+              </a:spcBef>
+              <a:spcAft>
+                <a:spcPts val="0"/>
+              </a:spcAft>
+              <a:buClrTx/>
+              <a:buSzTx/>
+              <a:buFontTx/>
+              <a:buNone/>
+              <a:tabLst/>
+              <a:defRPr/>
+            </a:pPr>
+            <a:endParaRPr lang="en-US" altLang="zh-CN" dirty="0"/>
+          </a:p>
+          <a:p>
+            <a:endParaRPr lang="zh-CN" altLang="en-US" dirty="0"/>
+          </a:p>
+        </p:txBody>
+      </p:sp>
+      <p:sp>
+        <p:nvSpPr>
+          <p:cNvPr id="4" name="灯片编号占位符 3"/>
+          <p:cNvSpPr>
+            <a:spLocks noGrp="1"/>
+          </p:cNvSpPr>
+          <p:nvPr>
+            <p:ph type="sldNum" sz="quarter" idx="5"/>
+          </p:nvPr>
+        </p:nvSpPr>
+        <p:spPr/>
+        <p:txBody>
+          <a:bodyPr/>
+          <a:lstStyle/>
+          <a:p>
+            <a:fld id="{C83AA2C2-85F3-459D-9C60-3B97B278D270}" type="slidenum">
+              <a:rPr lang="zh-CN" altLang="en-US" smtClean="0"/>
+              <a:t>9</a:t>
+            </a:fld>
+            <a:endParaRPr lang="zh-CN" altLang="en-US"/>
+          </a:p>
+        </p:txBody>
+      </p:sp>
+    </p:spTree>
+    <p:extLst>
+      <p:ext uri="{BB962C8B-B14F-4D97-AF65-F5344CB8AC3E}">
+        <p14:creationId xmlns:p14="http://schemas.microsoft.com/office/powerpoint/2010/main" val="1072803243"/>
+      </p:ext>
+    </p:extLst>
+  </p:cSld>
+  <p:clrMapOvr>
+    <a:masterClrMapping/>
+  </p:clrMapOvr>
+</p:notes>
+</file>
+
+<file path=ppt/notesSlides/notesSlide9.xml><?xml version="1.0" encoding="utf-8"?>
+<p:notes xmlns:a="http://schemas.openxmlformats.org/drawingml/2006/main" xmlns:r="http://schemas.openxmlformats.org/officeDocument/2006/relationships" xmlns:p="http://schemas.openxmlformats.org/presentationml/2006/main">
+  <p:cSld>
+    <p:spTree>
+      <p:nvGrpSpPr>
+        <p:cNvPr id="1" name=""/>
+        <p:cNvGrpSpPr/>
+        <p:nvPr/>
+      </p:nvGrpSpPr>
+      <p:grpSpPr>
+        <a:xfrm>
+          <a:off x="0" y="0"/>
+          <a:ext cx="0" cy="0"/>
+          <a:chOff x="0" y="0"/>
+          <a:chExt cx="0" cy="0"/>
+        </a:xfrm>
+      </p:grpSpPr>
+      <p:sp>
+        <p:nvSpPr>
+          <p:cNvPr id="2" name="幻灯片图像占位符 1"/>
+          <p:cNvSpPr>
+            <a:spLocks noGrp="1" noRot="1" noChangeAspect="1"/>
+          </p:cNvSpPr>
+          <p:nvPr>
+            <p:ph type="sldImg"/>
+          </p:nvPr>
+        </p:nvSpPr>
+        <p:spPr/>
+      </p:sp>
+      <p:sp>
+        <p:nvSpPr>
+          <p:cNvPr id="3" name="备注占位符 2"/>
+          <p:cNvSpPr>
+            <a:spLocks noGrp="1"/>
+          </p:cNvSpPr>
+          <p:nvPr>
+            <p:ph type="body" idx="1"/>
+          </p:nvPr>
+        </p:nvSpPr>
+        <p:spPr/>
+        <p:txBody>
+          <a:bodyPr/>
+          <a:lstStyle/>
+          <a:p>
+            <a:pPr>
+              <a:lnSpc>
+                <a:spcPct val="160000"/>
+              </a:lnSpc>
+            </a:pPr>
+            <a:r>
+              <a:rPr lang="en-US" altLang="zh-CN" dirty="0"/>
+              <a:t>FCN</a:t>
+            </a:r>
+            <a:r>
+              <a:rPr lang="zh-CN" altLang="zh-CN" dirty="0"/>
+              <a:t>模型的重要设计元素是编码器特征图的降维步骤。这压缩了编码器特征图，然后在相应的解码器中使用。编码器特征图的维度减小是通过</a:t>
+            </a:r>
+            <a:r>
+              <a:rPr lang="en-US" altLang="zh-CN" dirty="0"/>
+              <a:t>1</a:t>
+            </a:r>
+            <a:r>
+              <a:rPr lang="zh-CN" altLang="zh-CN" dirty="0"/>
+              <a:t>×</a:t>
+            </a:r>
+            <a:r>
+              <a:rPr lang="en-US" altLang="zh-CN" dirty="0"/>
+              <a:t>1</a:t>
+            </a:r>
+            <a:r>
+              <a:rPr lang="zh-CN" altLang="en-US" dirty="0"/>
+              <a:t>卷积来执行</a:t>
+            </a:r>
+          </a:p>
+        </p:txBody>
+      </p:sp>
+      <p:sp>
+        <p:nvSpPr>
+          <p:cNvPr id="4" name="灯片编号占位符 3"/>
+          <p:cNvSpPr>
+            <a:spLocks noGrp="1"/>
+          </p:cNvSpPr>
+          <p:nvPr>
+            <p:ph type="sldNum" sz="quarter" idx="5"/>
+          </p:nvPr>
+        </p:nvSpPr>
+        <p:spPr/>
+        <p:txBody>
+          <a:bodyPr/>
+          <a:lstStyle/>
+          <a:p>
+            <a:fld id="{C83AA2C2-85F3-459D-9C60-3B97B278D270}" type="slidenum">
+              <a:rPr lang="zh-CN" altLang="en-US" smtClean="0"/>
+              <a:t>11</a:t>
+            </a:fld>
+            <a:endParaRPr lang="zh-CN" altLang="en-US"/>
+          </a:p>
+        </p:txBody>
+      </p:sp>
+    </p:spTree>
+    <p:extLst>
+      <p:ext uri="{BB962C8B-B14F-4D97-AF65-F5344CB8AC3E}">
+        <p14:creationId xmlns:p14="http://schemas.microsoft.com/office/powerpoint/2010/main" val="1572548859"/>
       </p:ext>
     </p:extLst>
   </p:cSld>
@@ -4306,6 +7595,251 @@
           <p:cNvPr id="2" name="标题 1">
             <a:extLst>
               <a:ext uri="{FF2B5EF4-FFF2-40B4-BE49-F238E27FC236}">
+                <a16:creationId xmlns:a16="http://schemas.microsoft.com/office/drawing/2014/main" id="{906A6D56-6CEE-4104-8461-7749291BAEDF}"/>
+              </a:ext>
+            </a:extLst>
+          </p:cNvPr>
+          <p:cNvSpPr>
+            <a:spLocks noGrp="1"/>
+          </p:cNvSpPr>
+          <p:nvPr>
+            <p:ph type="title"/>
+          </p:nvPr>
+        </p:nvSpPr>
+        <p:spPr/>
+        <p:txBody>
+          <a:bodyPr/>
+          <a:lstStyle/>
+          <a:p>
+            <a:r>
+              <a:rPr lang="zh-CN" altLang="en-US" dirty="0"/>
+              <a:t>解码器变体</a:t>
+            </a:r>
+          </a:p>
+        </p:txBody>
+      </p:sp>
+      <p:sp>
+        <p:nvSpPr>
+          <p:cNvPr id="3" name="内容占位符 2">
+            <a:extLst>
+              <a:ext uri="{FF2B5EF4-FFF2-40B4-BE49-F238E27FC236}">
+                <a16:creationId xmlns:a16="http://schemas.microsoft.com/office/drawing/2014/main" id="{BD1A9614-9C52-4706-8BB6-79FA6075B2C0}"/>
+              </a:ext>
+            </a:extLst>
+          </p:cNvPr>
+          <p:cNvSpPr>
+            <a:spLocks noGrp="1"/>
+          </p:cNvSpPr>
+          <p:nvPr>
+            <p:ph idx="1"/>
+          </p:nvPr>
+        </p:nvSpPr>
+        <p:spPr/>
+        <p:txBody>
+          <a:bodyPr>
+            <a:normAutofit fontScale="85000" lnSpcReduction="20000"/>
+          </a:bodyPr>
+          <a:lstStyle/>
+          <a:p>
+            <a:pPr>
+              <a:lnSpc>
+                <a:spcPct val="150000"/>
+              </a:lnSpc>
+            </a:pPr>
+            <a:r>
+              <a:rPr lang="en-US" altLang="zh-CN" dirty="0" err="1"/>
+              <a:t>SegNetBasic-SingleChannelDecoder</a:t>
+            </a:r>
+            <a:r>
+              <a:rPr lang="zh-CN" altLang="en-US" dirty="0"/>
+              <a:t>，</a:t>
+            </a:r>
+            <a:r>
+              <a:rPr lang="zh-CN" altLang="zh-CN" dirty="0"/>
+              <a:t>解码器滤波器是单通道的变体，</a:t>
+            </a:r>
+            <a:r>
+              <a:rPr lang="zh-CN" altLang="en-US" dirty="0"/>
+              <a:t>显著</a:t>
+            </a:r>
+            <a:r>
+              <a:rPr lang="zh-CN" altLang="zh-CN" dirty="0"/>
+              <a:t>减少了可训练参数和推理时间。</a:t>
+            </a:r>
+            <a:endParaRPr lang="en-US" altLang="zh-CN" dirty="0"/>
+          </a:p>
+          <a:p>
+            <a:pPr>
+              <a:lnSpc>
+                <a:spcPct val="150000"/>
+              </a:lnSpc>
+            </a:pPr>
+            <a:r>
+              <a:rPr lang="en-US" altLang="zh-CN" dirty="0" err="1"/>
+              <a:t>FCNBasic</a:t>
+            </a:r>
+            <a:r>
+              <a:rPr lang="zh-CN" altLang="zh-CN" dirty="0"/>
+              <a:t>模型的变体，该模型丢弃编码器特征图添加步骤，并且仅学习上采样内核（</a:t>
+            </a:r>
+            <a:r>
+              <a:rPr lang="en-US" altLang="zh-CN" dirty="0"/>
+              <a:t>FCN-Basic-</a:t>
+            </a:r>
+            <a:r>
+              <a:rPr lang="en-US" altLang="zh-CN" dirty="0" err="1"/>
+              <a:t>NoAddition</a:t>
+            </a:r>
+            <a:r>
+              <a:rPr lang="zh-CN" altLang="zh-CN" dirty="0"/>
+              <a:t>）。</a:t>
+            </a:r>
+            <a:endParaRPr lang="en-US" altLang="zh-CN" dirty="0"/>
+          </a:p>
+          <a:p>
+            <a:pPr>
+              <a:lnSpc>
+                <a:spcPct val="150000"/>
+              </a:lnSpc>
+            </a:pPr>
+            <a:r>
+              <a:rPr lang="zh-CN" altLang="zh-CN" dirty="0"/>
+              <a:t>在每一层解码器上添加</a:t>
+            </a:r>
+            <a:r>
+              <a:rPr lang="en-US" altLang="zh-CN" dirty="0"/>
+              <a:t>64</a:t>
+            </a:r>
+            <a:r>
+              <a:rPr lang="zh-CN" altLang="zh-CN" dirty="0"/>
+              <a:t>个编码器特征图，以创建更加内存密集的</a:t>
+            </a:r>
+            <a:r>
+              <a:rPr lang="en-US" altLang="zh-CN" dirty="0" err="1"/>
+              <a:t>SegNet</a:t>
+            </a:r>
+            <a:r>
+              <a:rPr lang="zh-CN" altLang="zh-CN" dirty="0"/>
+              <a:t>变体（</a:t>
+            </a:r>
+            <a:r>
+              <a:rPr lang="en-US" altLang="zh-CN" dirty="0" err="1"/>
+              <a:t>SegNet</a:t>
+            </a:r>
+            <a:r>
+              <a:rPr lang="en-US" altLang="zh-CN" dirty="0"/>
+              <a:t>-Basic-</a:t>
+            </a:r>
+            <a:r>
+              <a:rPr lang="en-US" altLang="zh-CN" dirty="0" err="1"/>
+              <a:t>EncoderAddition</a:t>
+            </a:r>
+            <a:r>
+              <a:rPr lang="zh-CN" altLang="zh-CN" dirty="0"/>
+              <a:t>）。</a:t>
+            </a:r>
+            <a:endParaRPr lang="en-US" altLang="zh-CN" dirty="0"/>
+          </a:p>
+          <a:p>
+            <a:pPr>
+              <a:lnSpc>
+                <a:spcPct val="150000"/>
+              </a:lnSpc>
+            </a:pPr>
+            <a:r>
+              <a:rPr lang="zh-CN" altLang="zh-CN" dirty="0"/>
+              <a:t>另一个</a:t>
+            </a:r>
+            <a:r>
+              <a:rPr lang="en-US" altLang="zh-CN" dirty="0"/>
+              <a:t>FCN-Basic</a:t>
+            </a:r>
+            <a:r>
+              <a:rPr lang="zh-CN" altLang="zh-CN" dirty="0"/>
+              <a:t>变体（</a:t>
+            </a:r>
+            <a:r>
+              <a:rPr lang="en-US" altLang="zh-CN" dirty="0"/>
+              <a:t>FCN-Basic-</a:t>
+            </a:r>
+            <a:r>
+              <a:rPr lang="en-US" altLang="zh-CN" dirty="0" err="1"/>
+              <a:t>NoDimReduction</a:t>
+            </a:r>
+            <a:r>
+              <a:rPr lang="zh-CN" altLang="zh-CN" dirty="0"/>
+              <a:t>）是没有为编码器特征图执行降维。</a:t>
+            </a:r>
+          </a:p>
+          <a:p>
+            <a:pPr>
+              <a:lnSpc>
+                <a:spcPct val="150000"/>
+              </a:lnSpc>
+            </a:pPr>
+            <a:endParaRPr lang="zh-CN" altLang="zh-CN" dirty="0"/>
+          </a:p>
+          <a:p>
+            <a:pPr>
+              <a:lnSpc>
+                <a:spcPct val="150000"/>
+              </a:lnSpc>
+            </a:pPr>
+            <a:endParaRPr lang="zh-CN" altLang="zh-CN" dirty="0"/>
+          </a:p>
+          <a:p>
+            <a:pPr>
+              <a:lnSpc>
+                <a:spcPct val="150000"/>
+              </a:lnSpc>
+            </a:pPr>
+            <a:endParaRPr lang="zh-CN" altLang="zh-CN" dirty="0"/>
+          </a:p>
+          <a:p>
+            <a:pPr>
+              <a:lnSpc>
+                <a:spcPct val="150000"/>
+              </a:lnSpc>
+            </a:pPr>
+            <a:endParaRPr lang="zh-CN" altLang="en-US" dirty="0"/>
+          </a:p>
+        </p:txBody>
+      </p:sp>
+    </p:spTree>
+    <p:extLst>
+      <p:ext uri="{BB962C8B-B14F-4D97-AF65-F5344CB8AC3E}">
+        <p14:creationId xmlns:p14="http://schemas.microsoft.com/office/powerpoint/2010/main" val="1835458623"/>
+      </p:ext>
+    </p:extLst>
+  </p:cSld>
+  <p:clrMapOvr>
+    <a:masterClrMapping/>
+  </p:clrMapOvr>
+</p:sld>
+</file>
+
+<file path=ppt/slides/slide11.xml><?xml version="1.0" encoding="utf-8"?>
+<p:sld xmlns:a="http://schemas.openxmlformats.org/drawingml/2006/main" xmlns:r="http://schemas.openxmlformats.org/officeDocument/2006/relationships" xmlns:p="http://schemas.openxmlformats.org/presentationml/2006/main">
+  <p:cSld>
+    <p:spTree>
+      <p:nvGrpSpPr>
+        <p:cNvPr id="1" name=""/>
+        <p:cNvGrpSpPr/>
+        <p:nvPr/>
+      </p:nvGrpSpPr>
+      <p:grpSpPr>
+        <a:xfrm>
+          <a:off x="0" y="0"/>
+          <a:ext cx="0" cy="0"/>
+          <a:chOff x="0" y="0"/>
+          <a:chExt cx="0" cy="0"/>
+        </a:xfrm>
+      </p:grpSpPr>
+      <p:sp>
+        <p:nvSpPr>
+          <p:cNvPr id="2" name="标题 1">
+            <a:extLst>
+              <a:ext uri="{FF2B5EF4-FFF2-40B4-BE49-F238E27FC236}">
                 <a16:creationId xmlns:a16="http://schemas.microsoft.com/office/drawing/2014/main" id="{9A6036EB-88D8-408E-97C8-0DB7E03AF3B7}"/>
               </a:ext>
             </a:extLst>
@@ -4322,7 +7856,19 @@
           <a:bodyPr/>
           <a:lstStyle/>
           <a:p>
-            <a:endParaRPr lang="zh-CN" altLang="en-US"/>
+            <a:r>
+              <a:rPr lang="en-US" altLang="zh-CN" dirty="0"/>
+              <a:t>FCN</a:t>
+            </a:r>
+            <a:r>
+              <a:rPr lang="zh-CN" altLang="en-US" dirty="0"/>
+              <a:t>与</a:t>
+            </a:r>
+            <a:r>
+              <a:rPr lang="en-US" altLang="zh-CN" dirty="0" err="1"/>
+              <a:t>SegNet</a:t>
+            </a:r>
+            <a:endParaRPr lang="zh-CN" altLang="en-US" dirty="0"/>
           </a:p>
         </p:txBody>
       </p:sp>
@@ -4344,10 +7890,49 @@
         </p:nvSpPr>
         <p:spPr/>
         <p:txBody>
-          <a:bodyPr/>
-          <a:lstStyle/>
-          <a:p>
-            <a:endParaRPr lang="zh-CN" altLang="en-US"/>
+          <a:bodyPr>
+            <a:normAutofit/>
+          </a:bodyPr>
+          <a:lstStyle/>
+          <a:p>
+            <a:pPr>
+              <a:lnSpc>
+                <a:spcPct val="160000"/>
+              </a:lnSpc>
+            </a:pPr>
+            <a:r>
+              <a:rPr lang="en-US" altLang="zh-CN" dirty="0"/>
+              <a:t>FCN</a:t>
+            </a:r>
+            <a:r>
+              <a:rPr lang="zh-CN" altLang="zh-CN" dirty="0"/>
+              <a:t>模型的重要设计元素是编码器特征图的降维步骤。</a:t>
+            </a:r>
+            <a:endParaRPr lang="en-US" altLang="zh-CN" dirty="0"/>
+          </a:p>
+          <a:p>
+            <a:pPr>
+              <a:lnSpc>
+                <a:spcPct val="160000"/>
+              </a:lnSpc>
+            </a:pPr>
+            <a:r>
+              <a:rPr lang="en-US" altLang="zh-CN" dirty="0"/>
+              <a:t>FCN</a:t>
+            </a:r>
+            <a:r>
+              <a:rPr lang="zh-CN" altLang="zh-CN" dirty="0"/>
+              <a:t>解码器模型需要在推理期间存储编码器特征图。 这对嵌入式应用来说可能是存储密集型的。 另一方面，</a:t>
+            </a:r>
+            <a:r>
+              <a:rPr lang="en-US" altLang="zh-CN" dirty="0" err="1"/>
+              <a:t>SegNet</a:t>
+            </a:r>
+            <a:r>
+              <a:rPr lang="zh-CN" altLang="zh-CN" dirty="0"/>
+              <a:t>对于池化索引需要几乎可忽略不计的存储成本。 </a:t>
+            </a:r>
+            <a:endParaRPr lang="en-US" altLang="zh-CN" dirty="0"/>
           </a:p>
         </p:txBody>
       </p:sp>
@@ -4355,6 +7940,954 @@
     <p:extLst>
       <p:ext uri="{BB962C8B-B14F-4D97-AF65-F5344CB8AC3E}">
         <p14:creationId xmlns:p14="http://schemas.microsoft.com/office/powerpoint/2010/main" val="347939339"/>
+      </p:ext>
+    </p:extLst>
+  </p:cSld>
+  <p:clrMapOvr>
+    <a:masterClrMapping/>
+  </p:clrMapOvr>
+</p:sld>
+</file>
+
+<file path=ppt/slides/slide12.xml><?xml version="1.0" encoding="utf-8"?>
+<p:sld xmlns:a="http://schemas.openxmlformats.org/drawingml/2006/main" xmlns:r="http://schemas.openxmlformats.org/officeDocument/2006/relationships" xmlns:p="http://schemas.openxmlformats.org/presentationml/2006/main">
+  <p:cSld>
+    <p:spTree>
+      <p:nvGrpSpPr>
+        <p:cNvPr id="1" name=""/>
+        <p:cNvGrpSpPr/>
+        <p:nvPr/>
+      </p:nvGrpSpPr>
+      <p:grpSpPr>
+        <a:xfrm>
+          <a:off x="0" y="0"/>
+          <a:ext cx="0" cy="0"/>
+          <a:chOff x="0" y="0"/>
+          <a:chExt cx="0" cy="0"/>
+        </a:xfrm>
+      </p:grpSpPr>
+      <p:sp>
+        <p:nvSpPr>
+          <p:cNvPr id="2" name="标题 1">
+            <a:extLst>
+              <a:ext uri="{FF2B5EF4-FFF2-40B4-BE49-F238E27FC236}">
+                <a16:creationId xmlns:a16="http://schemas.microsoft.com/office/drawing/2014/main" id="{E0A39B97-480E-4D2B-84D0-F22A152BA042}"/>
+              </a:ext>
+            </a:extLst>
+          </p:cNvPr>
+          <p:cNvSpPr>
+            <a:spLocks noGrp="1"/>
+          </p:cNvSpPr>
+          <p:nvPr>
+            <p:ph type="title"/>
+          </p:nvPr>
+        </p:nvSpPr>
+        <p:spPr/>
+        <p:txBody>
+          <a:bodyPr/>
+          <a:lstStyle/>
+          <a:p>
+            <a:r>
+              <a:rPr lang="en-US" altLang="zh-CN" dirty="0"/>
+              <a:t>Training </a:t>
+            </a:r>
+            <a:endParaRPr lang="zh-CN" altLang="en-US" dirty="0"/>
+          </a:p>
+        </p:txBody>
+      </p:sp>
+      <p:sp>
+        <p:nvSpPr>
+          <p:cNvPr id="3" name="内容占位符 2">
+            <a:extLst>
+              <a:ext uri="{FF2B5EF4-FFF2-40B4-BE49-F238E27FC236}">
+                <a16:creationId xmlns:a16="http://schemas.microsoft.com/office/drawing/2014/main" id="{6370B175-466F-468C-B29B-0274E3B22A01}"/>
+              </a:ext>
+            </a:extLst>
+          </p:cNvPr>
+          <p:cNvSpPr>
+            <a:spLocks noGrp="1"/>
+          </p:cNvSpPr>
+          <p:nvPr>
+            <p:ph idx="1"/>
+          </p:nvPr>
+        </p:nvSpPr>
+        <p:spPr/>
+        <p:txBody>
+          <a:bodyPr>
+            <a:normAutofit fontScale="92500" lnSpcReduction="10000"/>
+          </a:bodyPr>
+          <a:lstStyle/>
+          <a:p>
+            <a:pPr>
+              <a:lnSpc>
+                <a:spcPct val="150000"/>
+              </a:lnSpc>
+            </a:pPr>
+            <a:r>
+              <a:rPr lang="en-US" altLang="zh-CN" dirty="0"/>
+              <a:t>367</a:t>
+            </a:r>
+            <a:r>
+              <a:rPr lang="zh-CN" altLang="zh-CN" dirty="0"/>
+              <a:t>次训练和</a:t>
+            </a:r>
+            <a:r>
+              <a:rPr lang="en-US" altLang="zh-CN" dirty="0"/>
+              <a:t>233</a:t>
+            </a:r>
+            <a:r>
+              <a:rPr lang="zh-CN" altLang="zh-CN" dirty="0"/>
+              <a:t>次测试</a:t>
+            </a:r>
+            <a:r>
+              <a:rPr lang="en-US" altLang="zh-CN" dirty="0"/>
+              <a:t>RGB</a:t>
+            </a:r>
+            <a:r>
+              <a:rPr lang="zh-CN" altLang="zh-CN" dirty="0"/>
+              <a:t>图像（白天和黄昏场景），分辨率为</a:t>
+            </a:r>
+            <a:r>
+              <a:rPr lang="en-US" altLang="zh-CN" dirty="0"/>
+              <a:t>360</a:t>
+            </a:r>
+            <a:r>
+              <a:rPr lang="zh-CN" altLang="zh-CN" dirty="0"/>
+              <a:t>×</a:t>
+            </a:r>
+            <a:r>
+              <a:rPr lang="en-US" altLang="zh-CN" dirty="0"/>
+              <a:t>480</a:t>
+            </a:r>
+            <a:r>
+              <a:rPr lang="zh-CN" altLang="zh-CN" dirty="0"/>
+              <a:t>。挑战是划分</a:t>
+            </a:r>
+            <a:r>
+              <a:rPr lang="en-US" altLang="zh-CN" dirty="0"/>
+              <a:t>11</a:t>
+            </a:r>
+            <a:r>
+              <a:rPr lang="zh-CN" altLang="zh-CN" dirty="0"/>
+              <a:t>个类别，如道路，建筑，汽车，行人，标志，杆子，人行道等。我们对</a:t>
+            </a:r>
+            <a:r>
+              <a:rPr lang="en-US" altLang="zh-CN" dirty="0"/>
+              <a:t>RGB</a:t>
+            </a:r>
+            <a:r>
+              <a:rPr lang="zh-CN" altLang="zh-CN" dirty="0"/>
+              <a:t>输入执行局部对比度归一化</a:t>
+            </a:r>
+            <a:r>
+              <a:rPr lang="en-US" altLang="zh-CN" dirty="0"/>
+              <a:t>(local contrast normalization)</a:t>
+            </a:r>
+            <a:r>
+              <a:rPr lang="zh-CN" altLang="zh-CN" dirty="0"/>
+              <a:t>。</a:t>
+            </a:r>
+          </a:p>
+          <a:p>
+            <a:pPr>
+              <a:lnSpc>
+                <a:spcPct val="150000"/>
+              </a:lnSpc>
+            </a:pPr>
+            <a:r>
+              <a:rPr lang="zh-CN" altLang="zh-CN" dirty="0"/>
+              <a:t>使用随机梯度下降，固定学习率为</a:t>
+            </a:r>
+            <a:r>
+              <a:rPr lang="en-US" altLang="zh-CN" dirty="0"/>
+              <a:t>0.1</a:t>
+            </a:r>
+            <a:r>
+              <a:rPr lang="zh-CN" altLang="zh-CN" dirty="0"/>
+              <a:t>，动量为</a:t>
+            </a:r>
+            <a:r>
+              <a:rPr lang="en-US" altLang="zh-CN" dirty="0"/>
+              <a:t>0.9</a:t>
+            </a:r>
+            <a:r>
+              <a:rPr lang="zh-CN" altLang="zh-CN" dirty="0"/>
+              <a:t>。我们选择在验证数据集上执行最高的模型。</a:t>
+            </a:r>
+          </a:p>
+          <a:p>
+            <a:pPr>
+              <a:lnSpc>
+                <a:spcPct val="150000"/>
+              </a:lnSpc>
+            </a:pPr>
+            <a:r>
+              <a:rPr lang="zh-CN" altLang="zh-CN" dirty="0"/>
+              <a:t>使用交叉熵损失</a:t>
+            </a:r>
+            <a:r>
+              <a:rPr lang="en-US" altLang="zh-CN" dirty="0"/>
+              <a:t>(cross-entropy loss)</a:t>
+            </a:r>
+            <a:r>
+              <a:rPr lang="zh-CN" altLang="zh-CN" dirty="0"/>
+              <a:t>作为训练网络的目标函数</a:t>
+            </a:r>
+          </a:p>
+          <a:p>
+            <a:pPr>
+              <a:lnSpc>
+                <a:spcPct val="150000"/>
+              </a:lnSpc>
+            </a:pPr>
+            <a:endParaRPr lang="zh-CN" altLang="en-US" dirty="0"/>
+          </a:p>
+        </p:txBody>
+      </p:sp>
+    </p:spTree>
+    <p:extLst>
+      <p:ext uri="{BB962C8B-B14F-4D97-AF65-F5344CB8AC3E}">
+        <p14:creationId xmlns:p14="http://schemas.microsoft.com/office/powerpoint/2010/main" val="1361179737"/>
+      </p:ext>
+    </p:extLst>
+  </p:cSld>
+  <p:clrMapOvr>
+    <a:masterClrMapping/>
+  </p:clrMapOvr>
+</p:sld>
+</file>
+
+<file path=ppt/slides/slide13.xml><?xml version="1.0" encoding="utf-8"?>
+<p:sld xmlns:a="http://schemas.openxmlformats.org/drawingml/2006/main" xmlns:r="http://schemas.openxmlformats.org/officeDocument/2006/relationships" xmlns:p="http://schemas.openxmlformats.org/presentationml/2006/main">
+  <p:cSld>
+    <p:spTree>
+      <p:nvGrpSpPr>
+        <p:cNvPr id="1" name=""/>
+        <p:cNvGrpSpPr/>
+        <p:nvPr/>
+      </p:nvGrpSpPr>
+      <p:grpSpPr>
+        <a:xfrm>
+          <a:off x="0" y="0"/>
+          <a:ext cx="0" cy="0"/>
+          <a:chOff x="0" y="0"/>
+          <a:chExt cx="0" cy="0"/>
+        </a:xfrm>
+      </p:grpSpPr>
+      <p:sp>
+        <p:nvSpPr>
+          <p:cNvPr id="2" name="标题 1">
+            <a:extLst>
+              <a:ext uri="{FF2B5EF4-FFF2-40B4-BE49-F238E27FC236}">
+                <a16:creationId xmlns:a16="http://schemas.microsoft.com/office/drawing/2014/main" id="{5201B826-8791-4E6A-B016-30E454C0ED57}"/>
+              </a:ext>
+            </a:extLst>
+          </p:cNvPr>
+          <p:cNvSpPr>
+            <a:spLocks noGrp="1"/>
+          </p:cNvSpPr>
+          <p:nvPr>
+            <p:ph type="title"/>
+          </p:nvPr>
+        </p:nvSpPr>
+        <p:spPr/>
+        <p:txBody>
+          <a:bodyPr/>
+          <a:lstStyle/>
+          <a:p>
+            <a:r>
+              <a:rPr lang="zh-CN" altLang="en-US" dirty="0"/>
+              <a:t>测试</a:t>
+            </a:r>
+          </a:p>
+        </p:txBody>
+      </p:sp>
+      <p:sp>
+        <p:nvSpPr>
+          <p:cNvPr id="3" name="内容占位符 2">
+            <a:extLst>
+              <a:ext uri="{FF2B5EF4-FFF2-40B4-BE49-F238E27FC236}">
+                <a16:creationId xmlns:a16="http://schemas.microsoft.com/office/drawing/2014/main" id="{B715CA05-3115-4114-B331-9A3D749875B1}"/>
+              </a:ext>
+            </a:extLst>
+          </p:cNvPr>
+          <p:cNvSpPr>
+            <a:spLocks noGrp="1"/>
+          </p:cNvSpPr>
+          <p:nvPr>
+            <p:ph idx="1"/>
+          </p:nvPr>
+        </p:nvSpPr>
+        <p:spPr/>
+        <p:txBody>
+          <a:bodyPr/>
+          <a:lstStyle/>
+          <a:p>
+            <a:pPr>
+              <a:lnSpc>
+                <a:spcPct val="150000"/>
+              </a:lnSpc>
+            </a:pPr>
+            <a:r>
+              <a:rPr lang="zh-CN" altLang="zh-CN" dirty="0"/>
+              <a:t>使用三种常用的性能测量：全局准确度（</a:t>
+            </a:r>
+            <a:r>
+              <a:rPr lang="en-US" altLang="zh-CN" dirty="0"/>
+              <a:t>G</a:t>
+            </a:r>
+            <a:r>
+              <a:rPr lang="zh-CN" altLang="zh-CN" dirty="0"/>
+              <a:t>）测量在数据集中正确分类的像素百分比，</a:t>
+            </a:r>
+          </a:p>
+          <a:p>
+            <a:pPr>
+              <a:lnSpc>
+                <a:spcPct val="150000"/>
+              </a:lnSpc>
+            </a:pPr>
+            <a:r>
+              <a:rPr lang="zh-CN" altLang="zh-CN" dirty="0"/>
+              <a:t>类平均准确度（</a:t>
+            </a:r>
+            <a:r>
+              <a:rPr lang="en-US" altLang="zh-CN" dirty="0"/>
+              <a:t>C</a:t>
+            </a:r>
+            <a:r>
+              <a:rPr lang="zh-CN" altLang="zh-CN" dirty="0"/>
+              <a:t>）是所有类上的预测准确度的平均值</a:t>
+            </a:r>
+          </a:p>
+          <a:p>
+            <a:pPr>
+              <a:lnSpc>
+                <a:spcPct val="150000"/>
+              </a:lnSpc>
+            </a:pPr>
+            <a:r>
+              <a:rPr lang="en-US" altLang="zh-CN" dirty="0" err="1"/>
+              <a:t>mIoU</a:t>
+            </a:r>
+            <a:r>
+              <a:rPr lang="zh-CN" altLang="zh-CN" dirty="0"/>
+              <a:t>平均交叉比，</a:t>
+            </a:r>
+            <a:r>
+              <a:rPr lang="en-US" altLang="zh-CN" dirty="0" err="1"/>
+              <a:t>mIoU</a:t>
+            </a:r>
+            <a:r>
+              <a:rPr lang="zh-CN" altLang="zh-CN" dirty="0"/>
+              <a:t>度量是比类平均准确度更严格的度量</a:t>
+            </a:r>
+          </a:p>
+          <a:p>
+            <a:pPr>
+              <a:lnSpc>
+                <a:spcPct val="150000"/>
+              </a:lnSpc>
+            </a:pPr>
+            <a:r>
+              <a:rPr lang="zh-CN" altLang="zh-CN" dirty="0"/>
+              <a:t>语义轮廓测量</a:t>
+            </a:r>
+            <a:r>
+              <a:rPr lang="en-US" altLang="zh-CN" dirty="0"/>
+              <a:t>semantic contour measure (BF).</a:t>
+            </a:r>
+            <a:endParaRPr lang="zh-CN" altLang="zh-CN" dirty="0"/>
+          </a:p>
+          <a:p>
+            <a:pPr>
+              <a:lnSpc>
+                <a:spcPct val="150000"/>
+              </a:lnSpc>
+            </a:pPr>
+            <a:endParaRPr lang="zh-CN" altLang="en-US" dirty="0"/>
+          </a:p>
+        </p:txBody>
+      </p:sp>
+    </p:spTree>
+    <p:extLst>
+      <p:ext uri="{BB962C8B-B14F-4D97-AF65-F5344CB8AC3E}">
+        <p14:creationId xmlns:p14="http://schemas.microsoft.com/office/powerpoint/2010/main" val="3963024530"/>
+      </p:ext>
+    </p:extLst>
+  </p:cSld>
+  <p:clrMapOvr>
+    <a:masterClrMapping/>
+  </p:clrMapOvr>
+</p:sld>
+</file>
+
+<file path=ppt/slides/slide14.xml><?xml version="1.0" encoding="utf-8"?>
+<p:sld xmlns:a="http://schemas.openxmlformats.org/drawingml/2006/main" xmlns:r="http://schemas.openxmlformats.org/officeDocument/2006/relationships" xmlns:p="http://schemas.openxmlformats.org/presentationml/2006/main">
+  <p:cSld>
+    <p:spTree>
+      <p:nvGrpSpPr>
+        <p:cNvPr id="1" name=""/>
+        <p:cNvGrpSpPr/>
+        <p:nvPr/>
+      </p:nvGrpSpPr>
+      <p:grpSpPr>
+        <a:xfrm>
+          <a:off x="0" y="0"/>
+          <a:ext cx="0" cy="0"/>
+          <a:chOff x="0" y="0"/>
+          <a:chExt cx="0" cy="0"/>
+        </a:xfrm>
+      </p:grpSpPr>
+      <p:pic>
+        <p:nvPicPr>
+          <p:cNvPr id="4" name="内容占位符 3">
+            <a:extLst>
+              <a:ext uri="{FF2B5EF4-FFF2-40B4-BE49-F238E27FC236}">
+                <a16:creationId xmlns:a16="http://schemas.microsoft.com/office/drawing/2014/main" id="{CF7DD874-C892-4907-A523-54EBAA7AA36F}"/>
+              </a:ext>
+            </a:extLst>
+          </p:cNvPr>
+          <p:cNvPicPr>
+            <a:picLocks noGrp="1"/>
+          </p:cNvPicPr>
+          <p:nvPr>
+            <p:ph idx="1"/>
+          </p:nvPr>
+        </p:nvPicPr>
+        <p:blipFill>
+          <a:blip r:embed="rId3"/>
+          <a:stretch>
+            <a:fillRect/>
+          </a:stretch>
+        </p:blipFill>
+        <p:spPr>
+          <a:xfrm>
+            <a:off x="342615" y="447070"/>
+            <a:ext cx="11506769" cy="5963860"/>
+          </a:xfrm>
+          <a:prstGeom prst="rect">
+            <a:avLst/>
+          </a:prstGeom>
+        </p:spPr>
+      </p:pic>
+    </p:spTree>
+    <p:extLst>
+      <p:ext uri="{BB962C8B-B14F-4D97-AF65-F5344CB8AC3E}">
+        <p14:creationId xmlns:p14="http://schemas.microsoft.com/office/powerpoint/2010/main" val="814369388"/>
+      </p:ext>
+    </p:extLst>
+  </p:cSld>
+  <p:clrMapOvr>
+    <a:masterClrMapping/>
+  </p:clrMapOvr>
+</p:sld>
+</file>
+
+<file path=ppt/slides/slide15.xml><?xml version="1.0" encoding="utf-8"?>
+<p:sld xmlns:a="http://schemas.openxmlformats.org/drawingml/2006/main" xmlns:r="http://schemas.openxmlformats.org/officeDocument/2006/relationships" xmlns:p="http://schemas.openxmlformats.org/presentationml/2006/main">
+  <p:cSld>
+    <p:spTree>
+      <p:nvGrpSpPr>
+        <p:cNvPr id="1" name=""/>
+        <p:cNvGrpSpPr/>
+        <p:nvPr/>
+      </p:nvGrpSpPr>
+      <p:grpSpPr>
+        <a:xfrm>
+          <a:off x="0" y="0"/>
+          <a:ext cx="0" cy="0"/>
+          <a:chOff x="0" y="0"/>
+          <a:chExt cx="0" cy="0"/>
+        </a:xfrm>
+      </p:grpSpPr>
+      <p:pic>
+        <p:nvPicPr>
+          <p:cNvPr id="4" name="内容占位符 3">
+            <a:extLst>
+              <a:ext uri="{FF2B5EF4-FFF2-40B4-BE49-F238E27FC236}">
+                <a16:creationId xmlns:a16="http://schemas.microsoft.com/office/drawing/2014/main" id="{CF7DD874-C892-4907-A523-54EBAA7AA36F}"/>
+              </a:ext>
+            </a:extLst>
+          </p:cNvPr>
+          <p:cNvPicPr>
+            <a:picLocks noGrp="1"/>
+          </p:cNvPicPr>
+          <p:nvPr>
+            <p:ph idx="1"/>
+          </p:nvPr>
+        </p:nvPicPr>
+        <p:blipFill>
+          <a:blip r:embed="rId3"/>
+          <a:stretch>
+            <a:fillRect/>
+          </a:stretch>
+        </p:blipFill>
+        <p:spPr>
+          <a:xfrm>
+            <a:off x="342615" y="447070"/>
+            <a:ext cx="11506769" cy="5963860"/>
+          </a:xfrm>
+          <a:prstGeom prst="rect">
+            <a:avLst/>
+          </a:prstGeom>
+        </p:spPr>
+      </p:pic>
+    </p:spTree>
+    <p:extLst>
+      <p:ext uri="{BB962C8B-B14F-4D97-AF65-F5344CB8AC3E}">
+        <p14:creationId xmlns:p14="http://schemas.microsoft.com/office/powerpoint/2010/main" val="1960304792"/>
+      </p:ext>
+    </p:extLst>
+  </p:cSld>
+  <p:clrMapOvr>
+    <a:masterClrMapping/>
+  </p:clrMapOvr>
+</p:sld>
+</file>
+
+<file path=ppt/slides/slide16.xml><?xml version="1.0" encoding="utf-8"?>
+<p:sld xmlns:a="http://schemas.openxmlformats.org/drawingml/2006/main" xmlns:r="http://schemas.openxmlformats.org/officeDocument/2006/relationships" xmlns:p="http://schemas.openxmlformats.org/presentationml/2006/main">
+  <p:cSld>
+    <p:spTree>
+      <p:nvGrpSpPr>
+        <p:cNvPr id="1" name=""/>
+        <p:cNvGrpSpPr/>
+        <p:nvPr/>
+      </p:nvGrpSpPr>
+      <p:grpSpPr>
+        <a:xfrm>
+          <a:off x="0" y="0"/>
+          <a:ext cx="0" cy="0"/>
+          <a:chOff x="0" y="0"/>
+          <a:chExt cx="0" cy="0"/>
+        </a:xfrm>
+      </p:grpSpPr>
+      <p:sp>
+        <p:nvSpPr>
+          <p:cNvPr id="2" name="标题 1">
+            <a:extLst>
+              <a:ext uri="{FF2B5EF4-FFF2-40B4-BE49-F238E27FC236}">
+                <a16:creationId xmlns:a16="http://schemas.microsoft.com/office/drawing/2014/main" id="{ACFB7874-2C43-4760-A5A4-BF5263385B90}"/>
+              </a:ext>
+            </a:extLst>
+          </p:cNvPr>
+          <p:cNvSpPr>
+            <a:spLocks noGrp="1"/>
+          </p:cNvSpPr>
+          <p:nvPr>
+            <p:ph type="title"/>
+          </p:nvPr>
+        </p:nvSpPr>
+        <p:spPr/>
+        <p:txBody>
+          <a:bodyPr/>
+          <a:lstStyle/>
+          <a:p>
+            <a:endParaRPr lang="zh-CN" altLang="en-US"/>
+          </a:p>
+        </p:txBody>
+      </p:sp>
+      <p:sp>
+        <p:nvSpPr>
+          <p:cNvPr id="3" name="内容占位符 2">
+            <a:extLst>
+              <a:ext uri="{FF2B5EF4-FFF2-40B4-BE49-F238E27FC236}">
+                <a16:creationId xmlns:a16="http://schemas.microsoft.com/office/drawing/2014/main" id="{5C735604-DB66-4ABB-AD9D-D70CDD0B395C}"/>
+              </a:ext>
+            </a:extLst>
+          </p:cNvPr>
+          <p:cNvSpPr>
+            <a:spLocks noGrp="1"/>
+          </p:cNvSpPr>
+          <p:nvPr>
+            <p:ph idx="1"/>
+          </p:nvPr>
+        </p:nvSpPr>
+        <p:spPr/>
+        <p:txBody>
+          <a:bodyPr/>
+          <a:lstStyle/>
+          <a:p>
+            <a:endParaRPr lang="zh-CN" altLang="en-US" dirty="0"/>
+          </a:p>
+        </p:txBody>
+      </p:sp>
+      <p:pic>
+        <p:nvPicPr>
+          <p:cNvPr id="4" name="内容占位符 3">
+            <a:extLst>
+              <a:ext uri="{FF2B5EF4-FFF2-40B4-BE49-F238E27FC236}">
+                <a16:creationId xmlns:a16="http://schemas.microsoft.com/office/drawing/2014/main" id="{9B6C0064-7012-465E-B404-91ACE1D859BF}"/>
+              </a:ext>
+            </a:extLst>
+          </p:cNvPr>
+          <p:cNvPicPr>
+            <a:picLocks/>
+          </p:cNvPicPr>
+          <p:nvPr/>
+        </p:nvPicPr>
+        <p:blipFill>
+          <a:blip r:embed="rId3"/>
+          <a:stretch>
+            <a:fillRect/>
+          </a:stretch>
+        </p:blipFill>
+        <p:spPr>
+          <a:xfrm>
+            <a:off x="342615" y="447070"/>
+            <a:ext cx="11506769" cy="5963860"/>
+          </a:xfrm>
+          <a:prstGeom prst="rect">
+            <a:avLst/>
+          </a:prstGeom>
+        </p:spPr>
+      </p:pic>
+    </p:spTree>
+    <p:extLst>
+      <p:ext uri="{BB962C8B-B14F-4D97-AF65-F5344CB8AC3E}">
+        <p14:creationId xmlns:p14="http://schemas.microsoft.com/office/powerpoint/2010/main" val="679226676"/>
+      </p:ext>
+    </p:extLst>
+  </p:cSld>
+  <p:clrMapOvr>
+    <a:masterClrMapping/>
+  </p:clrMapOvr>
+</p:sld>
+</file>
+
+<file path=ppt/slides/slide17.xml><?xml version="1.0" encoding="utf-8"?>
+<p:sld xmlns:a="http://schemas.openxmlformats.org/drawingml/2006/main" xmlns:r="http://schemas.openxmlformats.org/officeDocument/2006/relationships" xmlns:p="http://schemas.openxmlformats.org/presentationml/2006/main">
+  <p:cSld>
+    <p:spTree>
+      <p:nvGrpSpPr>
+        <p:cNvPr id="1" name=""/>
+        <p:cNvGrpSpPr/>
+        <p:nvPr/>
+      </p:nvGrpSpPr>
+      <p:grpSpPr>
+        <a:xfrm>
+          <a:off x="0" y="0"/>
+          <a:ext cx="0" cy="0"/>
+          <a:chOff x="0" y="0"/>
+          <a:chExt cx="0" cy="0"/>
+        </a:xfrm>
+      </p:grpSpPr>
+      <p:sp>
+        <p:nvSpPr>
+          <p:cNvPr id="2" name="标题 1">
+            <a:extLst>
+              <a:ext uri="{FF2B5EF4-FFF2-40B4-BE49-F238E27FC236}">
+                <a16:creationId xmlns:a16="http://schemas.microsoft.com/office/drawing/2014/main" id="{88B5D9C1-B318-43B9-8E55-65ACE999BF83}"/>
+              </a:ext>
+            </a:extLst>
+          </p:cNvPr>
+          <p:cNvSpPr>
+            <a:spLocks noGrp="1"/>
+          </p:cNvSpPr>
+          <p:nvPr>
+            <p:ph type="title"/>
+          </p:nvPr>
+        </p:nvSpPr>
+        <p:spPr/>
+        <p:txBody>
+          <a:bodyPr/>
+          <a:lstStyle/>
+          <a:p>
+            <a:endParaRPr lang="zh-CN" altLang="en-US"/>
+          </a:p>
+        </p:txBody>
+      </p:sp>
+      <p:sp>
+        <p:nvSpPr>
+          <p:cNvPr id="3" name="内容占位符 2">
+            <a:extLst>
+              <a:ext uri="{FF2B5EF4-FFF2-40B4-BE49-F238E27FC236}">
+                <a16:creationId xmlns:a16="http://schemas.microsoft.com/office/drawing/2014/main" id="{9CD79F7F-5331-4DC8-93FC-442100A37FD2}"/>
+              </a:ext>
+            </a:extLst>
+          </p:cNvPr>
+          <p:cNvSpPr>
+            <a:spLocks noGrp="1"/>
+          </p:cNvSpPr>
+          <p:nvPr>
+            <p:ph idx="1"/>
+          </p:nvPr>
+        </p:nvSpPr>
+        <p:spPr/>
+        <p:txBody>
+          <a:bodyPr/>
+          <a:lstStyle/>
+          <a:p>
+            <a:endParaRPr lang="zh-CN" altLang="en-US"/>
+          </a:p>
+        </p:txBody>
+      </p:sp>
+      <p:pic>
+        <p:nvPicPr>
+          <p:cNvPr id="4" name="内容占位符 3">
+            <a:extLst>
+              <a:ext uri="{FF2B5EF4-FFF2-40B4-BE49-F238E27FC236}">
+                <a16:creationId xmlns:a16="http://schemas.microsoft.com/office/drawing/2014/main" id="{E381486D-AF16-4BE8-9D8A-355A643DB03B}"/>
+              </a:ext>
+            </a:extLst>
+          </p:cNvPr>
+          <p:cNvPicPr>
+            <a:picLocks/>
+          </p:cNvPicPr>
+          <p:nvPr/>
+        </p:nvPicPr>
+        <p:blipFill>
+          <a:blip r:embed="rId3"/>
+          <a:stretch>
+            <a:fillRect/>
+          </a:stretch>
+        </p:blipFill>
+        <p:spPr>
+          <a:xfrm>
+            <a:off x="342615" y="447070"/>
+            <a:ext cx="11506769" cy="5963860"/>
+          </a:xfrm>
+          <a:prstGeom prst="rect">
+            <a:avLst/>
+          </a:prstGeom>
+        </p:spPr>
+      </p:pic>
+    </p:spTree>
+    <p:extLst>
+      <p:ext uri="{BB962C8B-B14F-4D97-AF65-F5344CB8AC3E}">
+        <p14:creationId xmlns:p14="http://schemas.microsoft.com/office/powerpoint/2010/main" val="283581889"/>
+      </p:ext>
+    </p:extLst>
+  </p:cSld>
+  <p:clrMapOvr>
+    <a:masterClrMapping/>
+  </p:clrMapOvr>
+</p:sld>
+</file>
+
+<file path=ppt/slides/slide18.xml><?xml version="1.0" encoding="utf-8"?>
+<p:sld xmlns:a="http://schemas.openxmlformats.org/drawingml/2006/main" xmlns:r="http://schemas.openxmlformats.org/officeDocument/2006/relationships" xmlns:p="http://schemas.openxmlformats.org/presentationml/2006/main">
+  <p:cSld>
+    <p:spTree>
+      <p:nvGrpSpPr>
+        <p:cNvPr id="1" name=""/>
+        <p:cNvGrpSpPr/>
+        <p:nvPr/>
+      </p:nvGrpSpPr>
+      <p:grpSpPr>
+        <a:xfrm>
+          <a:off x="0" y="0"/>
+          <a:ext cx="0" cy="0"/>
+          <a:chOff x="0" y="0"/>
+          <a:chExt cx="0" cy="0"/>
+        </a:xfrm>
+      </p:grpSpPr>
+      <p:sp>
+        <p:nvSpPr>
+          <p:cNvPr id="2" name="标题 1">
+            <a:extLst>
+              <a:ext uri="{FF2B5EF4-FFF2-40B4-BE49-F238E27FC236}">
+                <a16:creationId xmlns:a16="http://schemas.microsoft.com/office/drawing/2014/main" id="{F39F6201-5D8B-4965-9600-779125A11BDF}"/>
+              </a:ext>
+            </a:extLst>
+          </p:cNvPr>
+          <p:cNvSpPr>
+            <a:spLocks noGrp="1"/>
+          </p:cNvSpPr>
+          <p:nvPr>
+            <p:ph type="title"/>
+          </p:nvPr>
+        </p:nvSpPr>
+        <p:spPr/>
+        <p:txBody>
+          <a:bodyPr/>
+          <a:lstStyle/>
+          <a:p>
+            <a:endParaRPr lang="zh-CN" altLang="en-US"/>
+          </a:p>
+        </p:txBody>
+      </p:sp>
+      <p:sp>
+        <p:nvSpPr>
+          <p:cNvPr id="3" name="内容占位符 2">
+            <a:extLst>
+              <a:ext uri="{FF2B5EF4-FFF2-40B4-BE49-F238E27FC236}">
+                <a16:creationId xmlns:a16="http://schemas.microsoft.com/office/drawing/2014/main" id="{E8645187-E4BC-4722-B52F-462824846C4A}"/>
+              </a:ext>
+            </a:extLst>
+          </p:cNvPr>
+          <p:cNvSpPr>
+            <a:spLocks noGrp="1"/>
+          </p:cNvSpPr>
+          <p:nvPr>
+            <p:ph idx="1"/>
+          </p:nvPr>
+        </p:nvSpPr>
+        <p:spPr/>
+        <p:txBody>
+          <a:bodyPr/>
+          <a:lstStyle/>
+          <a:p>
+            <a:endParaRPr lang="zh-CN" altLang="en-US"/>
+          </a:p>
+        </p:txBody>
+      </p:sp>
+      <p:pic>
+        <p:nvPicPr>
+          <p:cNvPr id="4" name="内容占位符 3">
+            <a:extLst>
+              <a:ext uri="{FF2B5EF4-FFF2-40B4-BE49-F238E27FC236}">
+                <a16:creationId xmlns:a16="http://schemas.microsoft.com/office/drawing/2014/main" id="{F183B69D-9ED1-410D-AEC5-A28B9BFF148F}"/>
+              </a:ext>
+            </a:extLst>
+          </p:cNvPr>
+          <p:cNvPicPr>
+            <a:picLocks/>
+          </p:cNvPicPr>
+          <p:nvPr/>
+        </p:nvPicPr>
+        <p:blipFill>
+          <a:blip r:embed="rId3"/>
+          <a:stretch>
+            <a:fillRect/>
+          </a:stretch>
+        </p:blipFill>
+        <p:spPr>
+          <a:xfrm>
+            <a:off x="342615" y="447070"/>
+            <a:ext cx="11506769" cy="5963860"/>
+          </a:xfrm>
+          <a:prstGeom prst="rect">
+            <a:avLst/>
+          </a:prstGeom>
+        </p:spPr>
+      </p:pic>
+    </p:spTree>
+    <p:extLst>
+      <p:ext uri="{BB962C8B-B14F-4D97-AF65-F5344CB8AC3E}">
+        <p14:creationId xmlns:p14="http://schemas.microsoft.com/office/powerpoint/2010/main" val="1834696009"/>
+      </p:ext>
+    </p:extLst>
+  </p:cSld>
+  <p:clrMapOvr>
+    <a:masterClrMapping/>
+  </p:clrMapOvr>
+</p:sld>
+</file>
+
+<file path=ppt/slides/slide19.xml><?xml version="1.0" encoding="utf-8"?>
+<p:sld xmlns:a="http://schemas.openxmlformats.org/drawingml/2006/main" xmlns:r="http://schemas.openxmlformats.org/officeDocument/2006/relationships" xmlns:p="http://schemas.openxmlformats.org/presentationml/2006/main">
+  <p:cSld>
+    <p:spTree>
+      <p:nvGrpSpPr>
+        <p:cNvPr id="1" name=""/>
+        <p:cNvGrpSpPr/>
+        <p:nvPr/>
+      </p:nvGrpSpPr>
+      <p:grpSpPr>
+        <a:xfrm>
+          <a:off x="0" y="0"/>
+          <a:ext cx="0" cy="0"/>
+          <a:chOff x="0" y="0"/>
+          <a:chExt cx="0" cy="0"/>
+        </a:xfrm>
+      </p:grpSpPr>
+      <p:sp>
+        <p:nvSpPr>
+          <p:cNvPr id="2" name="标题 1">
+            <a:extLst>
+              <a:ext uri="{FF2B5EF4-FFF2-40B4-BE49-F238E27FC236}">
+                <a16:creationId xmlns:a16="http://schemas.microsoft.com/office/drawing/2014/main" id="{87B32772-E292-4B50-96C7-247B4BD7BA79}"/>
+              </a:ext>
+            </a:extLst>
+          </p:cNvPr>
+          <p:cNvSpPr>
+            <a:spLocks noGrp="1"/>
+          </p:cNvSpPr>
+          <p:nvPr>
+            <p:ph type="title"/>
+          </p:nvPr>
+        </p:nvSpPr>
+        <p:spPr/>
+        <p:txBody>
+          <a:bodyPr/>
+          <a:lstStyle/>
+          <a:p>
+            <a:r>
+              <a:rPr lang="zh-CN" altLang="en-US" dirty="0"/>
+              <a:t>总结</a:t>
+            </a:r>
+          </a:p>
+        </p:txBody>
+      </p:sp>
+      <p:sp>
+        <p:nvSpPr>
+          <p:cNvPr id="3" name="内容占位符 2">
+            <a:extLst>
+              <a:ext uri="{FF2B5EF4-FFF2-40B4-BE49-F238E27FC236}">
+                <a16:creationId xmlns:a16="http://schemas.microsoft.com/office/drawing/2014/main" id="{5FFCAA5D-8F83-415F-9F81-C835E21C0071}"/>
+              </a:ext>
+            </a:extLst>
+          </p:cNvPr>
+          <p:cNvSpPr>
+            <a:spLocks noGrp="1"/>
+          </p:cNvSpPr>
+          <p:nvPr>
+            <p:ph idx="1"/>
+          </p:nvPr>
+        </p:nvSpPr>
+        <p:spPr/>
+        <p:txBody>
+          <a:bodyPr/>
+          <a:lstStyle/>
+          <a:p>
+            <a:pPr lvl="0">
+              <a:lnSpc>
+                <a:spcPct val="150000"/>
+              </a:lnSpc>
+            </a:pPr>
+            <a:r>
+              <a:rPr lang="zh-CN" altLang="zh-CN" dirty="0"/>
+              <a:t>当编码器特征图被完整储存的时候，效果最好</a:t>
+            </a:r>
+          </a:p>
+          <a:p>
+            <a:pPr lvl="0">
+              <a:lnSpc>
+                <a:spcPct val="150000"/>
+              </a:lnSpc>
+            </a:pPr>
+            <a:r>
+              <a:rPr lang="zh-CN" altLang="zh-CN" dirty="0"/>
+              <a:t>当推理内存受到限制时，压缩编码器特征图（降维或者最大池化索引）并储存，再放入一个合适的解码器中使用，可以提高性能</a:t>
+            </a:r>
+          </a:p>
+          <a:p>
+            <a:pPr lvl="0">
+              <a:lnSpc>
+                <a:spcPct val="150000"/>
+              </a:lnSpc>
+            </a:pPr>
+            <a:r>
+              <a:rPr lang="zh-CN" altLang="zh-CN" dirty="0"/>
+              <a:t>更大的解码器表现更好</a:t>
+            </a:r>
+          </a:p>
+          <a:p>
+            <a:pPr>
+              <a:lnSpc>
+                <a:spcPct val="150000"/>
+              </a:lnSpc>
+            </a:pPr>
+            <a:endParaRPr lang="zh-CN" altLang="en-US" dirty="0"/>
+          </a:p>
+        </p:txBody>
+      </p:sp>
+    </p:spTree>
+    <p:extLst>
+      <p:ext uri="{BB962C8B-B14F-4D97-AF65-F5344CB8AC3E}">
+        <p14:creationId xmlns:p14="http://schemas.microsoft.com/office/powerpoint/2010/main" val="383298890"/>
       </p:ext>
     </p:extLst>
   </p:cSld>
@@ -4548,6 +9081,1254 @@
     <p:extLst>
       <p:ext uri="{BB962C8B-B14F-4D97-AF65-F5344CB8AC3E}">
         <p14:creationId xmlns:p14="http://schemas.microsoft.com/office/powerpoint/2010/main" val="2689252094"/>
+      </p:ext>
+    </p:extLst>
+  </p:cSld>
+  <p:clrMapOvr>
+    <a:masterClrMapping/>
+  </p:clrMapOvr>
+</p:sld>
+</file>
+
+<file path=ppt/slides/slide20.xml><?xml version="1.0" encoding="utf-8"?>
+<p:sld xmlns:a="http://schemas.openxmlformats.org/drawingml/2006/main" xmlns:r="http://schemas.openxmlformats.org/officeDocument/2006/relationships" xmlns:p="http://schemas.openxmlformats.org/presentationml/2006/main">
+  <p:cSld>
+    <p:spTree>
+      <p:nvGrpSpPr>
+        <p:cNvPr id="1" name=""/>
+        <p:cNvGrpSpPr/>
+        <p:nvPr/>
+      </p:nvGrpSpPr>
+      <p:grpSpPr>
+        <a:xfrm>
+          <a:off x="0" y="0"/>
+          <a:ext cx="0" cy="0"/>
+          <a:chOff x="0" y="0"/>
+          <a:chExt cx="0" cy="0"/>
+        </a:xfrm>
+      </p:grpSpPr>
+      <p:sp>
+        <p:nvSpPr>
+          <p:cNvPr id="2" name="标题 1">
+            <a:extLst>
+              <a:ext uri="{FF2B5EF4-FFF2-40B4-BE49-F238E27FC236}">
+                <a16:creationId xmlns:a16="http://schemas.microsoft.com/office/drawing/2014/main" id="{00FD01C8-F7BB-4BE9-B438-3D8208FF484A}"/>
+              </a:ext>
+            </a:extLst>
+          </p:cNvPr>
+          <p:cNvSpPr>
+            <a:spLocks noGrp="1"/>
+          </p:cNvSpPr>
+          <p:nvPr>
+            <p:ph type="title"/>
+          </p:nvPr>
+        </p:nvSpPr>
+        <p:spPr/>
+        <p:txBody>
+          <a:bodyPr/>
+          <a:lstStyle/>
+          <a:p>
+            <a:r>
+              <a:rPr lang="en-US" altLang="zh-CN" dirty="0"/>
+              <a:t>benchmarking</a:t>
+            </a:r>
+            <a:endParaRPr lang="zh-CN" altLang="en-US" dirty="0"/>
+          </a:p>
+        </p:txBody>
+      </p:sp>
+      <p:sp>
+        <p:nvSpPr>
+          <p:cNvPr id="3" name="内容占位符 2">
+            <a:extLst>
+              <a:ext uri="{FF2B5EF4-FFF2-40B4-BE49-F238E27FC236}">
+                <a16:creationId xmlns:a16="http://schemas.microsoft.com/office/drawing/2014/main" id="{45AA6FA1-03CF-452C-B6E1-FE426CDCF8E3}"/>
+              </a:ext>
+            </a:extLst>
+          </p:cNvPr>
+          <p:cNvSpPr>
+            <a:spLocks noGrp="1"/>
+          </p:cNvSpPr>
+          <p:nvPr>
+            <p:ph idx="1"/>
+          </p:nvPr>
+        </p:nvSpPr>
+        <p:spPr/>
+        <p:txBody>
+          <a:bodyPr/>
+          <a:lstStyle/>
+          <a:p>
+            <a:r>
+              <a:rPr lang="zh-CN" altLang="zh-CN" dirty="0"/>
+              <a:t>道路场景分割，用于自动驾驶</a:t>
+            </a:r>
+          </a:p>
+          <a:p>
+            <a:r>
+              <a:rPr lang="zh-CN" altLang="zh-CN" dirty="0"/>
+              <a:t>室内场景分割，用于</a:t>
+            </a:r>
+            <a:r>
+              <a:rPr lang="en-US" altLang="zh-CN" dirty="0"/>
+              <a:t>AR</a:t>
+            </a:r>
+            <a:r>
+              <a:rPr lang="zh-CN" altLang="zh-CN" dirty="0"/>
+              <a:t>增强现实</a:t>
+            </a:r>
+            <a:endParaRPr lang="en-US" altLang="zh-CN" dirty="0"/>
+          </a:p>
+          <a:p>
+            <a:r>
+              <a:rPr lang="zh-CN" altLang="zh-CN" dirty="0"/>
+              <a:t>对比了三个网络</a:t>
+            </a:r>
+            <a:r>
+              <a:rPr lang="zh-CN" altLang="en-US" dirty="0"/>
+              <a:t>，</a:t>
+            </a:r>
+            <a:r>
+              <a:rPr lang="en-US" altLang="zh-CN" dirty="0"/>
+              <a:t>FCN , </a:t>
+            </a:r>
+            <a:r>
+              <a:rPr lang="en-US" altLang="zh-CN" dirty="0" err="1"/>
+              <a:t>DeepLab-LargFOV</a:t>
+            </a:r>
+            <a:r>
+              <a:rPr lang="en-US" altLang="zh-CN" dirty="0"/>
+              <a:t> and </a:t>
+            </a:r>
+            <a:r>
+              <a:rPr lang="en-US" altLang="zh-CN" dirty="0" err="1"/>
+              <a:t>DeconvNet</a:t>
+            </a:r>
+            <a:endParaRPr lang="zh-CN" altLang="zh-CN" dirty="0"/>
+          </a:p>
+          <a:p>
+            <a:endParaRPr lang="zh-CN" altLang="zh-CN" dirty="0"/>
+          </a:p>
+          <a:p>
+            <a:endParaRPr lang="zh-CN" altLang="en-US" dirty="0"/>
+          </a:p>
+        </p:txBody>
+      </p:sp>
+    </p:spTree>
+    <p:extLst>
+      <p:ext uri="{BB962C8B-B14F-4D97-AF65-F5344CB8AC3E}">
+        <p14:creationId xmlns:p14="http://schemas.microsoft.com/office/powerpoint/2010/main" val="376660721"/>
+      </p:ext>
+    </p:extLst>
+  </p:cSld>
+  <p:clrMapOvr>
+    <a:masterClrMapping/>
+  </p:clrMapOvr>
+</p:sld>
+</file>
+
+<file path=ppt/slides/slide21.xml><?xml version="1.0" encoding="utf-8"?>
+<p:sld xmlns:a="http://schemas.openxmlformats.org/drawingml/2006/main" xmlns:r="http://schemas.openxmlformats.org/officeDocument/2006/relationships" xmlns:p="http://schemas.openxmlformats.org/presentationml/2006/main">
+  <p:cSld>
+    <p:spTree>
+      <p:nvGrpSpPr>
+        <p:cNvPr id="1" name=""/>
+        <p:cNvGrpSpPr/>
+        <p:nvPr/>
+      </p:nvGrpSpPr>
+      <p:grpSpPr>
+        <a:xfrm>
+          <a:off x="0" y="0"/>
+          <a:ext cx="0" cy="0"/>
+          <a:chOff x="0" y="0"/>
+          <a:chExt cx="0" cy="0"/>
+        </a:xfrm>
+      </p:grpSpPr>
+      <p:pic>
+        <p:nvPicPr>
+          <p:cNvPr id="4" name="内容占位符 3">
+            <a:extLst>
+              <a:ext uri="{FF2B5EF4-FFF2-40B4-BE49-F238E27FC236}">
+                <a16:creationId xmlns:a16="http://schemas.microsoft.com/office/drawing/2014/main" id="{DB73E606-94F1-4C72-A1D0-850D369FA21E}"/>
+              </a:ext>
+            </a:extLst>
+          </p:cNvPr>
+          <p:cNvPicPr>
+            <a:picLocks noGrp="1"/>
+          </p:cNvPicPr>
+          <p:nvPr>
+            <p:ph idx="1"/>
+          </p:nvPr>
+        </p:nvPicPr>
+        <p:blipFill>
+          <a:blip r:embed="rId3"/>
+          <a:stretch>
+            <a:fillRect/>
+          </a:stretch>
+        </p:blipFill>
+        <p:spPr>
+          <a:xfrm>
+            <a:off x="510116" y="218364"/>
+            <a:ext cx="11681884" cy="6220305"/>
+          </a:xfrm>
+          <a:prstGeom prst="rect">
+            <a:avLst/>
+          </a:prstGeom>
+        </p:spPr>
+      </p:pic>
+    </p:spTree>
+    <p:extLst>
+      <p:ext uri="{BB962C8B-B14F-4D97-AF65-F5344CB8AC3E}">
+        <p14:creationId xmlns:p14="http://schemas.microsoft.com/office/powerpoint/2010/main" val="343233424"/>
+      </p:ext>
+    </p:extLst>
+  </p:cSld>
+  <p:clrMapOvr>
+    <a:masterClrMapping/>
+  </p:clrMapOvr>
+</p:sld>
+</file>
+
+<file path=ppt/slides/slide22.xml><?xml version="1.0" encoding="utf-8"?>
+<p:sld xmlns:a="http://schemas.openxmlformats.org/drawingml/2006/main" xmlns:r="http://schemas.openxmlformats.org/officeDocument/2006/relationships" xmlns:p="http://schemas.openxmlformats.org/presentationml/2006/main">
+  <p:cSld>
+    <p:spTree>
+      <p:nvGrpSpPr>
+        <p:cNvPr id="1" name=""/>
+        <p:cNvGrpSpPr/>
+        <p:nvPr/>
+      </p:nvGrpSpPr>
+      <p:grpSpPr>
+        <a:xfrm>
+          <a:off x="0" y="0"/>
+          <a:ext cx="0" cy="0"/>
+          <a:chOff x="0" y="0"/>
+          <a:chExt cx="0" cy="0"/>
+        </a:xfrm>
+      </p:grpSpPr>
+      <p:sp>
+        <p:nvSpPr>
+          <p:cNvPr id="2" name="标题 1">
+            <a:extLst>
+              <a:ext uri="{FF2B5EF4-FFF2-40B4-BE49-F238E27FC236}">
+                <a16:creationId xmlns:a16="http://schemas.microsoft.com/office/drawing/2014/main" id="{FA04BFC8-0AFA-42DC-AC5A-AC32B7DE9089}"/>
+              </a:ext>
+            </a:extLst>
+          </p:cNvPr>
+          <p:cNvSpPr>
+            <a:spLocks noGrp="1"/>
+          </p:cNvSpPr>
+          <p:nvPr>
+            <p:ph type="title"/>
+          </p:nvPr>
+        </p:nvSpPr>
+        <p:spPr/>
+        <p:txBody>
+          <a:bodyPr/>
+          <a:lstStyle/>
+          <a:p>
+            <a:r>
+              <a:rPr lang="zh-CN" altLang="en-US" dirty="0"/>
+              <a:t>结论</a:t>
+            </a:r>
+          </a:p>
+        </p:txBody>
+      </p:sp>
+      <p:sp>
+        <p:nvSpPr>
+          <p:cNvPr id="3" name="内容占位符 2">
+            <a:extLst>
+              <a:ext uri="{FF2B5EF4-FFF2-40B4-BE49-F238E27FC236}">
+                <a16:creationId xmlns:a16="http://schemas.microsoft.com/office/drawing/2014/main" id="{CEA0EE34-9F5A-40CF-8351-E29F1B77F78C}"/>
+              </a:ext>
+            </a:extLst>
+          </p:cNvPr>
+          <p:cNvSpPr>
+            <a:spLocks noGrp="1"/>
+          </p:cNvSpPr>
+          <p:nvPr>
+            <p:ph idx="1"/>
+          </p:nvPr>
+        </p:nvSpPr>
+        <p:spPr/>
+        <p:txBody>
+          <a:bodyPr>
+            <a:normAutofit/>
+          </a:bodyPr>
+          <a:lstStyle/>
+          <a:p>
+            <a:pPr>
+              <a:lnSpc>
+                <a:spcPct val="150000"/>
+              </a:lnSpc>
+            </a:pPr>
+            <a:r>
+              <a:rPr lang="zh-CN" altLang="zh-CN" dirty="0"/>
+              <a:t>我们提出了</a:t>
+            </a:r>
+            <a:r>
+              <a:rPr lang="en-US" altLang="zh-CN" dirty="0" err="1"/>
+              <a:t>SegNet</a:t>
+            </a:r>
+            <a:r>
+              <a:rPr lang="zh-CN" altLang="zh-CN" dirty="0"/>
+              <a:t>，用于语义分割的一个深度卷积网络结构。</a:t>
+            </a:r>
+            <a:endParaRPr lang="en-US" altLang="zh-CN" dirty="0"/>
+          </a:p>
+          <a:p>
+            <a:pPr>
+              <a:lnSpc>
+                <a:spcPct val="150000"/>
+              </a:lnSpc>
+            </a:pPr>
+            <a:r>
+              <a:rPr lang="zh-CN" altLang="zh-CN" dirty="0"/>
+              <a:t>我们分析了</a:t>
+            </a:r>
+            <a:r>
+              <a:rPr lang="en-US" altLang="zh-CN" dirty="0" err="1"/>
+              <a:t>SegNet</a:t>
+            </a:r>
+            <a:r>
+              <a:rPr lang="zh-CN" altLang="zh-CN" dirty="0"/>
+              <a:t>并将其与其他重要变体进行了比较，以揭示设计分段架构所涉及的实际权衡，特别是训练时间，内存与准确性。</a:t>
+            </a:r>
+          </a:p>
+          <a:p>
+            <a:pPr>
+              <a:lnSpc>
+                <a:spcPct val="150000"/>
+              </a:lnSpc>
+            </a:pPr>
+            <a:r>
+              <a:rPr lang="zh-CN" altLang="zh-CN" dirty="0"/>
+              <a:t>存储编码器</a:t>
+            </a:r>
+            <a:r>
+              <a:rPr lang="zh-CN" altLang="en-US" dirty="0"/>
+              <a:t>的全部</a:t>
+            </a:r>
+            <a:r>
+              <a:rPr lang="zh-CN" altLang="zh-CN" dirty="0"/>
+              <a:t>特征</a:t>
+            </a:r>
+            <a:r>
+              <a:rPr lang="zh-CN" altLang="en-US" dirty="0"/>
+              <a:t>图</a:t>
+            </a:r>
+            <a:r>
+              <a:rPr lang="zh-CN" altLang="zh-CN" dirty="0"/>
+              <a:t>的架构表现最佳，但在推理期间消耗更多内存。另一方面，</a:t>
+            </a:r>
+            <a:r>
+              <a:rPr lang="en-US" altLang="zh-CN" dirty="0" err="1"/>
+              <a:t>SegNet</a:t>
+            </a:r>
+            <a:r>
+              <a:rPr lang="zh-CN" altLang="zh-CN" dirty="0"/>
+              <a:t>更有效，因为它只存储特征映射的最大池索引，并在其解码器网络中使用它们以实现良好的性能。</a:t>
+            </a:r>
+          </a:p>
+          <a:p>
+            <a:pPr>
+              <a:lnSpc>
+                <a:spcPct val="150000"/>
+              </a:lnSpc>
+            </a:pPr>
+            <a:endParaRPr lang="zh-CN" altLang="en-US" dirty="0"/>
+          </a:p>
+        </p:txBody>
+      </p:sp>
+    </p:spTree>
+    <p:extLst>
+      <p:ext uri="{BB962C8B-B14F-4D97-AF65-F5344CB8AC3E}">
+        <p14:creationId xmlns:p14="http://schemas.microsoft.com/office/powerpoint/2010/main" val="2590486878"/>
+      </p:ext>
+    </p:extLst>
+  </p:cSld>
+  <p:clrMapOvr>
+    <a:masterClrMapping/>
+  </p:clrMapOvr>
+</p:sld>
+</file>
+
+<file path=ppt/slides/slide23.xml><?xml version="1.0" encoding="utf-8"?>
+<p:sld xmlns:a="http://schemas.openxmlformats.org/drawingml/2006/main" xmlns:r="http://schemas.openxmlformats.org/officeDocument/2006/relationships" xmlns:p="http://schemas.openxmlformats.org/presentationml/2006/main">
+  <p:cSld>
+    <p:spTree>
+      <p:nvGrpSpPr>
+        <p:cNvPr id="1" name=""/>
+        <p:cNvGrpSpPr/>
+        <p:nvPr/>
+      </p:nvGrpSpPr>
+      <p:grpSpPr>
+        <a:xfrm>
+          <a:off x="0" y="0"/>
+          <a:ext cx="0" cy="0"/>
+          <a:chOff x="0" y="0"/>
+          <a:chExt cx="0" cy="0"/>
+        </a:xfrm>
+      </p:grpSpPr>
+      <p:sp>
+        <p:nvSpPr>
+          <p:cNvPr id="2" name="标题 1">
+            <a:extLst>
+              <a:ext uri="{FF2B5EF4-FFF2-40B4-BE49-F238E27FC236}">
+                <a16:creationId xmlns:a16="http://schemas.microsoft.com/office/drawing/2014/main" id="{651912DB-FD10-4774-85CE-A070911A06E1}"/>
+              </a:ext>
+            </a:extLst>
+          </p:cNvPr>
+          <p:cNvSpPr>
+            <a:spLocks noGrp="1"/>
+          </p:cNvSpPr>
+          <p:nvPr>
+            <p:ph type="title"/>
+          </p:nvPr>
+        </p:nvSpPr>
+        <p:spPr/>
+        <p:txBody>
+          <a:bodyPr/>
+          <a:lstStyle/>
+          <a:p>
+            <a:endParaRPr lang="zh-CN" altLang="en-US"/>
+          </a:p>
+        </p:txBody>
+      </p:sp>
+      <p:sp>
+        <p:nvSpPr>
+          <p:cNvPr id="3" name="内容占位符 2">
+            <a:extLst>
+              <a:ext uri="{FF2B5EF4-FFF2-40B4-BE49-F238E27FC236}">
+                <a16:creationId xmlns:a16="http://schemas.microsoft.com/office/drawing/2014/main" id="{09A40231-0D7A-46E3-B042-9B427D28B2E7}"/>
+              </a:ext>
+            </a:extLst>
+          </p:cNvPr>
+          <p:cNvSpPr>
+            <a:spLocks noGrp="1"/>
+          </p:cNvSpPr>
+          <p:nvPr>
+            <p:ph idx="1"/>
+          </p:nvPr>
+        </p:nvSpPr>
+        <p:spPr>
+          <a:xfrm>
+            <a:off x="4372971" y="2949741"/>
+            <a:ext cx="6135806" cy="958518"/>
+          </a:xfrm>
+        </p:spPr>
+        <p:txBody>
+          <a:bodyPr/>
+          <a:lstStyle/>
+          <a:p>
+            <a:r>
+              <a:rPr lang="en-US" altLang="zh-CN" dirty="0"/>
+              <a:t>FCN</a:t>
+            </a:r>
+            <a:r>
+              <a:rPr lang="zh-CN" altLang="en-US" dirty="0"/>
+              <a:t>测试结果</a:t>
+            </a:r>
+          </a:p>
+        </p:txBody>
+      </p:sp>
+    </p:spTree>
+    <p:extLst>
+      <p:ext uri="{BB962C8B-B14F-4D97-AF65-F5344CB8AC3E}">
+        <p14:creationId xmlns:p14="http://schemas.microsoft.com/office/powerpoint/2010/main" val="3101748072"/>
+      </p:ext>
+    </p:extLst>
+  </p:cSld>
+  <p:clrMapOvr>
+    <a:masterClrMapping/>
+  </p:clrMapOvr>
+</p:sld>
+</file>
+
+<file path=ppt/slides/slide24.xml><?xml version="1.0" encoding="utf-8"?>
+<p:sld xmlns:a="http://schemas.openxmlformats.org/drawingml/2006/main" xmlns:r="http://schemas.openxmlformats.org/officeDocument/2006/relationships" xmlns:p="http://schemas.openxmlformats.org/presentationml/2006/main">
+  <p:cSld>
+    <p:spTree>
+      <p:nvGrpSpPr>
+        <p:cNvPr id="1" name=""/>
+        <p:cNvGrpSpPr/>
+        <p:nvPr/>
+      </p:nvGrpSpPr>
+      <p:grpSpPr>
+        <a:xfrm>
+          <a:off x="0" y="0"/>
+          <a:ext cx="0" cy="0"/>
+          <a:chOff x="0" y="0"/>
+          <a:chExt cx="0" cy="0"/>
+        </a:xfrm>
+      </p:grpSpPr>
+      <p:sp>
+        <p:nvSpPr>
+          <p:cNvPr id="2" name="标题 1">
+            <a:extLst>
+              <a:ext uri="{FF2B5EF4-FFF2-40B4-BE49-F238E27FC236}">
+                <a16:creationId xmlns:a16="http://schemas.microsoft.com/office/drawing/2014/main" id="{815F766D-CCE9-4FFD-BE39-ABBCC2AACE31}"/>
+              </a:ext>
+            </a:extLst>
+          </p:cNvPr>
+          <p:cNvSpPr>
+            <a:spLocks noGrp="1"/>
+          </p:cNvSpPr>
+          <p:nvPr>
+            <p:ph type="title"/>
+          </p:nvPr>
+        </p:nvSpPr>
+        <p:spPr/>
+        <p:txBody>
+          <a:bodyPr/>
+          <a:lstStyle/>
+          <a:p>
+            <a:r>
+              <a:rPr lang="zh-CN" altLang="en-US" dirty="0"/>
+              <a:t>使用双线性上采样</a:t>
+            </a:r>
+          </a:p>
+        </p:txBody>
+      </p:sp>
+      <p:sp>
+        <p:nvSpPr>
+          <p:cNvPr id="3" name="内容占位符 2">
+            <a:extLst>
+              <a:ext uri="{FF2B5EF4-FFF2-40B4-BE49-F238E27FC236}">
+                <a16:creationId xmlns:a16="http://schemas.microsoft.com/office/drawing/2014/main" id="{E82B4506-8A83-4FC8-BE93-541FFEA6AA68}"/>
+              </a:ext>
+            </a:extLst>
+          </p:cNvPr>
+          <p:cNvSpPr>
+            <a:spLocks noGrp="1"/>
+          </p:cNvSpPr>
+          <p:nvPr>
+            <p:ph idx="1"/>
+          </p:nvPr>
+        </p:nvSpPr>
+        <p:spPr/>
+        <p:txBody>
+          <a:bodyPr/>
+          <a:lstStyle/>
+          <a:p>
+            <a:r>
+              <a:rPr lang="zh-CN" altLang="zh-CN" dirty="0"/>
+              <a:t>测试时间：</a:t>
+            </a:r>
+            <a:r>
+              <a:rPr lang="en-US" altLang="zh-CN" dirty="0"/>
+              <a:t>2018.10.31 16.27</a:t>
+            </a:r>
+            <a:endParaRPr lang="zh-CN" altLang="zh-CN" dirty="0"/>
+          </a:p>
+          <a:p>
+            <a:r>
+              <a:rPr lang="zh-CN" altLang="zh-CN" dirty="0"/>
+              <a:t>使用增强后的数据集，</a:t>
+            </a:r>
+            <a:r>
+              <a:rPr lang="en-US" altLang="zh-CN" dirty="0"/>
+              <a:t>10000+</a:t>
+            </a:r>
+            <a:r>
+              <a:rPr lang="zh-CN" altLang="zh-CN" dirty="0"/>
+              <a:t>张图片，增加验证集</a:t>
+            </a:r>
+            <a:r>
+              <a:rPr lang="en-US" altLang="zh-CN" dirty="0"/>
+              <a:t>loss</a:t>
+            </a:r>
+            <a:r>
+              <a:rPr lang="zh-CN" altLang="zh-CN" dirty="0"/>
+              <a:t>作为权重的保存条件。</a:t>
+            </a:r>
+            <a:r>
+              <a:rPr lang="en-US" altLang="zh-CN" dirty="0" err="1"/>
+              <a:t>val</a:t>
+            </a:r>
+            <a:r>
+              <a:rPr lang="en-US" altLang="zh-CN" dirty="0"/>
+              <a:t> loss</a:t>
+            </a:r>
+            <a:r>
+              <a:rPr lang="zh-CN" altLang="zh-CN" dirty="0"/>
+              <a:t>在</a:t>
+            </a:r>
+            <a:r>
+              <a:rPr lang="en-US" altLang="zh-CN" dirty="0"/>
+              <a:t>2018.10.30</a:t>
+            </a:r>
+            <a:r>
+              <a:rPr lang="zh-CN" altLang="zh-CN" dirty="0"/>
+              <a:t>日中午</a:t>
+            </a:r>
+            <a:r>
+              <a:rPr lang="en-US" altLang="zh-CN" dirty="0"/>
+              <a:t>14.36</a:t>
+            </a:r>
+            <a:r>
+              <a:rPr lang="zh-CN" altLang="zh-CN" dirty="0"/>
+              <a:t>下降到</a:t>
+            </a:r>
+            <a:r>
+              <a:rPr lang="en-US" altLang="zh-CN" dirty="0"/>
+              <a:t>1.06</a:t>
+            </a:r>
+            <a:r>
+              <a:rPr lang="zh-CN" altLang="zh-CN" dirty="0"/>
+              <a:t>就不再下降了。</a:t>
+            </a:r>
+          </a:p>
+          <a:p>
+            <a:r>
+              <a:rPr lang="zh-CN" altLang="zh-CN" dirty="0"/>
+              <a:t>测试结果个人认为还可以</a:t>
+            </a:r>
+          </a:p>
+          <a:p>
+            <a:pPr marL="0" indent="0">
+              <a:buNone/>
+            </a:pPr>
+            <a:endParaRPr lang="zh-CN" altLang="en-US" dirty="0"/>
+          </a:p>
+        </p:txBody>
+      </p:sp>
+    </p:spTree>
+    <p:extLst>
+      <p:ext uri="{BB962C8B-B14F-4D97-AF65-F5344CB8AC3E}">
+        <p14:creationId xmlns:p14="http://schemas.microsoft.com/office/powerpoint/2010/main" val="2734419737"/>
+      </p:ext>
+    </p:extLst>
+  </p:cSld>
+  <p:clrMapOvr>
+    <a:masterClrMapping/>
+  </p:clrMapOvr>
+</p:sld>
+</file>
+
+<file path=ppt/slides/slide25.xml><?xml version="1.0" encoding="utf-8"?>
+<p:sld xmlns:a="http://schemas.openxmlformats.org/drawingml/2006/main" xmlns:r="http://schemas.openxmlformats.org/officeDocument/2006/relationships" xmlns:p="http://schemas.openxmlformats.org/presentationml/2006/main">
+  <p:cSld>
+    <p:spTree>
+      <p:nvGrpSpPr>
+        <p:cNvPr id="1" name=""/>
+        <p:cNvGrpSpPr/>
+        <p:nvPr/>
+      </p:nvGrpSpPr>
+      <p:grpSpPr>
+        <a:xfrm>
+          <a:off x="0" y="0"/>
+          <a:ext cx="0" cy="0"/>
+          <a:chOff x="0" y="0"/>
+          <a:chExt cx="0" cy="0"/>
+        </a:xfrm>
+      </p:grpSpPr>
+      <p:sp>
+        <p:nvSpPr>
+          <p:cNvPr id="2" name="标题 1">
+            <a:extLst>
+              <a:ext uri="{FF2B5EF4-FFF2-40B4-BE49-F238E27FC236}">
+                <a16:creationId xmlns:a16="http://schemas.microsoft.com/office/drawing/2014/main" id="{45333A61-05AA-48A6-A8E7-A4D0B289D5C7}"/>
+              </a:ext>
+            </a:extLst>
+          </p:cNvPr>
+          <p:cNvSpPr>
+            <a:spLocks noGrp="1"/>
+          </p:cNvSpPr>
+          <p:nvPr>
+            <p:ph type="title"/>
+          </p:nvPr>
+        </p:nvSpPr>
+        <p:spPr/>
+        <p:txBody>
+          <a:bodyPr/>
+          <a:lstStyle/>
+          <a:p>
+            <a:r>
+              <a:rPr lang="zh-CN" altLang="en-US" dirty="0"/>
+              <a:t>使用双线性上采样</a:t>
+            </a:r>
+          </a:p>
+        </p:txBody>
+      </p:sp>
+      <p:sp>
+        <p:nvSpPr>
+          <p:cNvPr id="3" name="内容占位符 2">
+            <a:extLst>
+              <a:ext uri="{FF2B5EF4-FFF2-40B4-BE49-F238E27FC236}">
+                <a16:creationId xmlns:a16="http://schemas.microsoft.com/office/drawing/2014/main" id="{D504AAEA-E916-4A0F-BBD5-1A37954C8851}"/>
+              </a:ext>
+            </a:extLst>
+          </p:cNvPr>
+          <p:cNvSpPr>
+            <a:spLocks noGrp="1"/>
+          </p:cNvSpPr>
+          <p:nvPr>
+            <p:ph idx="1"/>
+          </p:nvPr>
+        </p:nvSpPr>
+        <p:spPr/>
+        <p:txBody>
+          <a:bodyPr/>
+          <a:lstStyle/>
+          <a:p>
+            <a:r>
+              <a:rPr lang="zh-CN" altLang="zh-CN" dirty="0"/>
+              <a:t>时间：</a:t>
+            </a:r>
+            <a:r>
+              <a:rPr lang="en-US" altLang="zh-CN" dirty="0"/>
+              <a:t>2018.11.1 8.40</a:t>
+            </a:r>
+            <a:endParaRPr lang="zh-CN" altLang="zh-CN" dirty="0"/>
+          </a:p>
+          <a:p>
+            <a:r>
+              <a:rPr lang="zh-CN" altLang="zh-CN" dirty="0"/>
+              <a:t>训练</a:t>
+            </a:r>
+            <a:r>
+              <a:rPr lang="en-US" altLang="zh-CN" dirty="0"/>
+              <a:t>76</a:t>
+            </a:r>
+            <a:r>
+              <a:rPr lang="zh-CN" altLang="en-US" dirty="0"/>
+              <a:t>轮</a:t>
+            </a:r>
+            <a:r>
+              <a:rPr lang="zh-CN" altLang="zh-CN" dirty="0"/>
+              <a:t>还不止，其间降低学习率至</a:t>
+            </a:r>
+            <a:r>
+              <a:rPr lang="en-US" altLang="zh-CN" dirty="0"/>
+              <a:t>1e-6</a:t>
+            </a:r>
+            <a:r>
+              <a:rPr lang="zh-CN" altLang="zh-CN" dirty="0"/>
+              <a:t>和</a:t>
+            </a:r>
+            <a:r>
+              <a:rPr lang="en-US" altLang="zh-CN" dirty="0"/>
+              <a:t>1e-7</a:t>
+            </a:r>
+            <a:r>
+              <a:rPr lang="zh-CN" altLang="zh-CN" dirty="0"/>
+              <a:t>。将</a:t>
+            </a:r>
+            <a:r>
+              <a:rPr lang="en-US" altLang="zh-CN" dirty="0"/>
+              <a:t>crop</a:t>
+            </a:r>
+            <a:r>
+              <a:rPr lang="zh-CN" altLang="zh-CN" dirty="0"/>
+              <a:t>改成</a:t>
+            </a:r>
+            <a:r>
+              <a:rPr lang="en-US" altLang="zh-CN" dirty="0"/>
+              <a:t>resize</a:t>
+            </a:r>
+            <a:r>
+              <a:rPr lang="zh-CN" altLang="zh-CN" dirty="0"/>
+              <a:t>后，</a:t>
+            </a:r>
+            <a:r>
+              <a:rPr lang="en-US" altLang="zh-CN" dirty="0"/>
+              <a:t>loss</a:t>
+            </a:r>
+            <a:r>
+              <a:rPr lang="zh-CN" altLang="zh-CN" dirty="0"/>
+              <a:t>降低至</a:t>
+            </a:r>
+            <a:r>
+              <a:rPr lang="en-US" altLang="zh-CN" dirty="0"/>
+              <a:t>0.7</a:t>
+            </a:r>
+            <a:r>
+              <a:rPr lang="zh-CN" altLang="zh-CN" dirty="0"/>
+              <a:t>以下，但是多次训练之后的</a:t>
+            </a:r>
+            <a:r>
+              <a:rPr lang="en-US" altLang="zh-CN" dirty="0"/>
+              <a:t>loss</a:t>
+            </a:r>
+            <a:r>
+              <a:rPr lang="zh-CN" altLang="zh-CN" dirty="0"/>
+              <a:t>降到</a:t>
+            </a:r>
+            <a:r>
+              <a:rPr lang="en-US" altLang="zh-CN" dirty="0"/>
+              <a:t>0.64</a:t>
+            </a:r>
+            <a:r>
+              <a:rPr lang="zh-CN" altLang="zh-CN" dirty="0"/>
+              <a:t>不再继续下降。</a:t>
+            </a:r>
+          </a:p>
+          <a:p>
+            <a:r>
+              <a:rPr lang="zh-CN" altLang="zh-CN" dirty="0"/>
+              <a:t>此为今日验证集测试结果和保存权重</a:t>
+            </a:r>
+          </a:p>
+          <a:p>
+            <a:endParaRPr lang="zh-CN" altLang="en-US" dirty="0"/>
+          </a:p>
+        </p:txBody>
+      </p:sp>
+    </p:spTree>
+    <p:extLst>
+      <p:ext uri="{BB962C8B-B14F-4D97-AF65-F5344CB8AC3E}">
+        <p14:creationId xmlns:p14="http://schemas.microsoft.com/office/powerpoint/2010/main" val="467126867"/>
+      </p:ext>
+    </p:extLst>
+  </p:cSld>
+  <p:clrMapOvr>
+    <a:masterClrMapping/>
+  </p:clrMapOvr>
+</p:sld>
+</file>
+
+<file path=ppt/slides/slide26.xml><?xml version="1.0" encoding="utf-8"?>
+<p:sld xmlns:a="http://schemas.openxmlformats.org/drawingml/2006/main" xmlns:r="http://schemas.openxmlformats.org/officeDocument/2006/relationships" xmlns:p="http://schemas.openxmlformats.org/presentationml/2006/main">
+  <p:cSld>
+    <p:spTree>
+      <p:nvGrpSpPr>
+        <p:cNvPr id="1" name=""/>
+        <p:cNvGrpSpPr/>
+        <p:nvPr/>
+      </p:nvGrpSpPr>
+      <p:grpSpPr>
+        <a:xfrm>
+          <a:off x="0" y="0"/>
+          <a:ext cx="0" cy="0"/>
+          <a:chOff x="0" y="0"/>
+          <a:chExt cx="0" cy="0"/>
+        </a:xfrm>
+      </p:grpSpPr>
+      <p:sp>
+        <p:nvSpPr>
+          <p:cNvPr id="2" name="标题 1">
+            <a:extLst>
+              <a:ext uri="{FF2B5EF4-FFF2-40B4-BE49-F238E27FC236}">
+                <a16:creationId xmlns:a16="http://schemas.microsoft.com/office/drawing/2014/main" id="{35236EAD-6C20-4C3E-9EA0-FD2F5DC801FB}"/>
+              </a:ext>
+            </a:extLst>
+          </p:cNvPr>
+          <p:cNvSpPr>
+            <a:spLocks noGrp="1"/>
+          </p:cNvSpPr>
+          <p:nvPr>
+            <p:ph type="title"/>
+          </p:nvPr>
+        </p:nvSpPr>
+        <p:spPr/>
+        <p:txBody>
+          <a:bodyPr/>
+          <a:lstStyle/>
+          <a:p>
+            <a:r>
+              <a:rPr lang="zh-CN" altLang="en-US" dirty="0"/>
+              <a:t>使用</a:t>
+            </a:r>
+            <a:r>
+              <a:rPr lang="en-US" altLang="zh-CN" dirty="0"/>
+              <a:t>u-net</a:t>
+            </a:r>
+            <a:r>
+              <a:rPr lang="zh-CN" altLang="en-US" dirty="0"/>
+              <a:t>结构</a:t>
+            </a:r>
+          </a:p>
+        </p:txBody>
+      </p:sp>
+      <p:sp>
+        <p:nvSpPr>
+          <p:cNvPr id="3" name="内容占位符 2">
+            <a:extLst>
+              <a:ext uri="{FF2B5EF4-FFF2-40B4-BE49-F238E27FC236}">
+                <a16:creationId xmlns:a16="http://schemas.microsoft.com/office/drawing/2014/main" id="{5E5A2521-7DDE-46FE-9757-5C5B8FF42CDA}"/>
+              </a:ext>
+            </a:extLst>
+          </p:cNvPr>
+          <p:cNvSpPr>
+            <a:spLocks noGrp="1"/>
+          </p:cNvSpPr>
+          <p:nvPr>
+            <p:ph idx="1"/>
+          </p:nvPr>
+        </p:nvSpPr>
+        <p:spPr/>
+        <p:txBody>
+          <a:bodyPr/>
+          <a:lstStyle/>
+          <a:p>
+            <a:r>
+              <a:rPr lang="zh-CN" altLang="zh-CN" dirty="0"/>
+              <a:t>时间：</a:t>
+            </a:r>
+            <a:r>
+              <a:rPr lang="en-US" altLang="zh-CN" dirty="0"/>
+              <a:t>2018.11.1</a:t>
+            </a:r>
+            <a:endParaRPr lang="zh-CN" altLang="zh-CN" dirty="0"/>
+          </a:p>
+          <a:p>
+            <a:r>
+              <a:rPr lang="zh-CN" altLang="zh-CN" dirty="0"/>
+              <a:t>效果极差</a:t>
+            </a:r>
+            <a:r>
+              <a:rPr lang="en-US" altLang="zh-CN" dirty="0"/>
+              <a:t> </a:t>
+            </a:r>
+            <a:endParaRPr lang="zh-CN" altLang="zh-CN" dirty="0"/>
+          </a:p>
+          <a:p>
+            <a:r>
+              <a:rPr lang="zh-CN" altLang="zh-CN" dirty="0"/>
+              <a:t>一开始卷积核为</a:t>
+            </a:r>
+            <a:r>
+              <a:rPr lang="en-US" altLang="zh-CN" dirty="0" err="1"/>
+              <a:t>upsampling</a:t>
+            </a:r>
+            <a:r>
+              <a:rPr lang="zh-CN" altLang="zh-CN" dirty="0"/>
+              <a:t>的大小，结果是全黑的。现在改成了</a:t>
+            </a:r>
+            <a:r>
+              <a:rPr lang="en-US" altLang="zh-CN" dirty="0"/>
+              <a:t>3</a:t>
+            </a:r>
+            <a:r>
+              <a:rPr lang="zh-CN" altLang="zh-CN" dirty="0"/>
+              <a:t>×</a:t>
+            </a:r>
+            <a:r>
+              <a:rPr lang="en-US" altLang="zh-CN" dirty="0"/>
+              <a:t>3</a:t>
+            </a:r>
+            <a:r>
+              <a:rPr lang="zh-CN" altLang="zh-CN" dirty="0"/>
+              <a:t>，有一部分有了图，但是效果不好，大部分都是人脸，边界锯齿状很明显。</a:t>
+            </a:r>
+          </a:p>
+          <a:p>
+            <a:r>
+              <a:rPr lang="zh-CN" altLang="zh-CN" dirty="0"/>
+              <a:t>试验失败</a:t>
+            </a:r>
+          </a:p>
+          <a:p>
+            <a:endParaRPr lang="zh-CN" altLang="en-US" dirty="0"/>
+          </a:p>
+        </p:txBody>
+      </p:sp>
+    </p:spTree>
+    <p:extLst>
+      <p:ext uri="{BB962C8B-B14F-4D97-AF65-F5344CB8AC3E}">
+        <p14:creationId xmlns:p14="http://schemas.microsoft.com/office/powerpoint/2010/main" val="453092077"/>
+      </p:ext>
+    </p:extLst>
+  </p:cSld>
+  <p:clrMapOvr>
+    <a:masterClrMapping/>
+  </p:clrMapOvr>
+</p:sld>
+</file>
+
+<file path=ppt/slides/slide27.xml><?xml version="1.0" encoding="utf-8"?>
+<p:sld xmlns:a="http://schemas.openxmlformats.org/drawingml/2006/main" xmlns:r="http://schemas.openxmlformats.org/officeDocument/2006/relationships" xmlns:p="http://schemas.openxmlformats.org/presentationml/2006/main">
+  <p:cSld>
+    <p:spTree>
+      <p:nvGrpSpPr>
+        <p:cNvPr id="1" name=""/>
+        <p:cNvGrpSpPr/>
+        <p:nvPr/>
+      </p:nvGrpSpPr>
+      <p:grpSpPr>
+        <a:xfrm>
+          <a:off x="0" y="0"/>
+          <a:ext cx="0" cy="0"/>
+          <a:chOff x="0" y="0"/>
+          <a:chExt cx="0" cy="0"/>
+        </a:xfrm>
+      </p:grpSpPr>
+      <p:sp>
+        <p:nvSpPr>
+          <p:cNvPr id="2" name="标题 1">
+            <a:extLst>
+              <a:ext uri="{FF2B5EF4-FFF2-40B4-BE49-F238E27FC236}">
+                <a16:creationId xmlns:a16="http://schemas.microsoft.com/office/drawing/2014/main" id="{5C2B0674-219C-40D8-B870-6AF7378B8113}"/>
+              </a:ext>
+            </a:extLst>
+          </p:cNvPr>
+          <p:cNvSpPr>
+            <a:spLocks noGrp="1"/>
+          </p:cNvSpPr>
+          <p:nvPr>
+            <p:ph type="title"/>
+          </p:nvPr>
+        </p:nvSpPr>
+        <p:spPr/>
+        <p:txBody>
+          <a:bodyPr/>
+          <a:lstStyle/>
+          <a:p>
+            <a:r>
+              <a:rPr lang="zh-CN" altLang="en-US" dirty="0"/>
+              <a:t>使用</a:t>
+            </a:r>
+            <a:r>
+              <a:rPr lang="en-US" altLang="zh-CN" dirty="0" err="1"/>
+              <a:t>upsampling</a:t>
+            </a:r>
+            <a:r>
+              <a:rPr lang="zh-CN" altLang="en-US" dirty="0"/>
+              <a:t>上采样</a:t>
+            </a:r>
+          </a:p>
+        </p:txBody>
+      </p:sp>
+      <p:sp>
+        <p:nvSpPr>
+          <p:cNvPr id="3" name="内容占位符 2">
+            <a:extLst>
+              <a:ext uri="{FF2B5EF4-FFF2-40B4-BE49-F238E27FC236}">
+                <a16:creationId xmlns:a16="http://schemas.microsoft.com/office/drawing/2014/main" id="{0A5A2850-41BF-4358-A754-8D02D3FE5530}"/>
+              </a:ext>
+            </a:extLst>
+          </p:cNvPr>
+          <p:cNvSpPr>
+            <a:spLocks noGrp="1"/>
+          </p:cNvSpPr>
+          <p:nvPr>
+            <p:ph idx="1"/>
+          </p:nvPr>
+        </p:nvSpPr>
+        <p:spPr/>
+        <p:txBody>
+          <a:bodyPr/>
+          <a:lstStyle/>
+          <a:p>
+            <a:r>
+              <a:rPr lang="en-US" altLang="zh-CN" dirty="0"/>
+              <a:t>2018.11.3 </a:t>
+            </a:r>
+            <a:r>
+              <a:rPr lang="zh-CN" altLang="zh-CN" dirty="0"/>
+              <a:t>上午</a:t>
+            </a:r>
+            <a:r>
+              <a:rPr lang="en-US" altLang="zh-CN" dirty="0"/>
+              <a:t>9.07</a:t>
+            </a:r>
+            <a:endParaRPr lang="zh-CN" altLang="zh-CN" dirty="0"/>
+          </a:p>
+          <a:p>
+            <a:r>
+              <a:rPr lang="en-US" altLang="zh-CN" dirty="0"/>
+              <a:t> </a:t>
+            </a:r>
+            <a:endParaRPr lang="zh-CN" altLang="zh-CN" dirty="0"/>
+          </a:p>
+          <a:p>
+            <a:r>
+              <a:rPr lang="en-US" altLang="zh-CN" dirty="0"/>
+              <a:t>Loss</a:t>
+            </a:r>
+            <a:r>
+              <a:rPr lang="zh-CN" altLang="zh-CN" dirty="0"/>
+              <a:t>在</a:t>
+            </a:r>
+            <a:r>
+              <a:rPr lang="en-US" altLang="zh-CN" dirty="0"/>
+              <a:t>0.74</a:t>
+            </a:r>
+            <a:r>
+              <a:rPr lang="zh-CN" altLang="zh-CN" dirty="0"/>
+              <a:t>左右就不再下降。</a:t>
+            </a:r>
+          </a:p>
+          <a:p>
+            <a:r>
+              <a:rPr lang="zh-CN" altLang="zh-CN" dirty="0"/>
+              <a:t>测试结果为矩形小方块，边界锯齿状明显，分析为因直接使用</a:t>
+            </a:r>
+            <a:r>
+              <a:rPr lang="en-US" altLang="zh-CN" dirty="0" err="1"/>
+              <a:t>upsampling</a:t>
+            </a:r>
+            <a:r>
+              <a:rPr lang="zh-CN" altLang="zh-CN" dirty="0"/>
+              <a:t>所致。</a:t>
+            </a:r>
+          </a:p>
+          <a:p>
+            <a:endParaRPr lang="zh-CN" altLang="en-US" dirty="0"/>
+          </a:p>
+        </p:txBody>
+      </p:sp>
+    </p:spTree>
+    <p:extLst>
+      <p:ext uri="{BB962C8B-B14F-4D97-AF65-F5344CB8AC3E}">
+        <p14:creationId xmlns:p14="http://schemas.microsoft.com/office/powerpoint/2010/main" val="2951466911"/>
+      </p:ext>
+    </p:extLst>
+  </p:cSld>
+  <p:clrMapOvr>
+    <a:masterClrMapping/>
+  </p:clrMapOvr>
+</p:sld>
+</file>
+
+<file path=ppt/slides/slide28.xml><?xml version="1.0" encoding="utf-8"?>
+<p:sld xmlns:a="http://schemas.openxmlformats.org/drawingml/2006/main" xmlns:r="http://schemas.openxmlformats.org/officeDocument/2006/relationships" xmlns:p="http://schemas.openxmlformats.org/presentationml/2006/main">
+  <p:cSld>
+    <p:spTree>
+      <p:nvGrpSpPr>
+        <p:cNvPr id="1" name=""/>
+        <p:cNvGrpSpPr/>
+        <p:nvPr/>
+      </p:nvGrpSpPr>
+      <p:grpSpPr>
+        <a:xfrm>
+          <a:off x="0" y="0"/>
+          <a:ext cx="0" cy="0"/>
+          <a:chOff x="0" y="0"/>
+          <a:chExt cx="0" cy="0"/>
+        </a:xfrm>
+      </p:grpSpPr>
+      <p:sp>
+        <p:nvSpPr>
+          <p:cNvPr id="2" name="标题 1">
+            <a:extLst>
+              <a:ext uri="{FF2B5EF4-FFF2-40B4-BE49-F238E27FC236}">
+                <a16:creationId xmlns:a16="http://schemas.microsoft.com/office/drawing/2014/main" id="{F72C9A98-56E2-4F87-B4A5-2189FC5BF5D3}"/>
+              </a:ext>
+            </a:extLst>
+          </p:cNvPr>
+          <p:cNvSpPr>
+            <a:spLocks noGrp="1"/>
+          </p:cNvSpPr>
+          <p:nvPr>
+            <p:ph type="title"/>
+          </p:nvPr>
+        </p:nvSpPr>
+        <p:spPr/>
+        <p:txBody>
+          <a:bodyPr/>
+          <a:lstStyle/>
+          <a:p>
+            <a:r>
+              <a:rPr lang="zh-CN" altLang="en-US" dirty="0"/>
+              <a:t>图片大小</a:t>
+            </a:r>
+            <a:r>
+              <a:rPr lang="en-US" altLang="zh-CN" dirty="0"/>
+              <a:t>resize</a:t>
+            </a:r>
+            <a:r>
+              <a:rPr lang="zh-CN" altLang="en-US" dirty="0"/>
+              <a:t>为</a:t>
+            </a:r>
+            <a:r>
+              <a:rPr lang="en-US" altLang="zh-CN" dirty="0"/>
+              <a:t>448</a:t>
+            </a:r>
+            <a:endParaRPr lang="zh-CN" altLang="en-US" dirty="0"/>
+          </a:p>
+        </p:txBody>
+      </p:sp>
+      <p:sp>
+        <p:nvSpPr>
+          <p:cNvPr id="3" name="内容占位符 2">
+            <a:extLst>
+              <a:ext uri="{FF2B5EF4-FFF2-40B4-BE49-F238E27FC236}">
+                <a16:creationId xmlns:a16="http://schemas.microsoft.com/office/drawing/2014/main" id="{6E28B6BE-3872-43B0-A15C-58AD4AC1CE41}"/>
+              </a:ext>
+            </a:extLst>
+          </p:cNvPr>
+          <p:cNvSpPr>
+            <a:spLocks noGrp="1"/>
+          </p:cNvSpPr>
+          <p:nvPr>
+            <p:ph idx="1"/>
+          </p:nvPr>
+        </p:nvSpPr>
+        <p:spPr/>
+        <p:txBody>
+          <a:bodyPr/>
+          <a:lstStyle/>
+          <a:p>
+            <a:r>
+              <a:rPr lang="zh-CN" altLang="zh-CN" dirty="0"/>
+              <a:t>时间：</a:t>
+            </a:r>
+            <a:r>
+              <a:rPr lang="en-US" altLang="zh-CN" dirty="0"/>
+              <a:t>2018.11.4  9.15</a:t>
+            </a:r>
+            <a:endParaRPr lang="zh-CN" altLang="zh-CN" dirty="0"/>
+          </a:p>
+          <a:p>
+            <a:r>
+              <a:rPr lang="zh-CN" altLang="zh-CN" dirty="0"/>
+              <a:t>改变图片大小，</a:t>
+            </a:r>
+            <a:r>
+              <a:rPr lang="en-US" altLang="zh-CN" dirty="0"/>
+              <a:t>resize</a:t>
+            </a:r>
+            <a:r>
+              <a:rPr lang="zh-CN" altLang="zh-CN" dirty="0"/>
+              <a:t>至</a:t>
+            </a:r>
+            <a:r>
+              <a:rPr lang="en-US" altLang="zh-CN" dirty="0"/>
+              <a:t>448</a:t>
+            </a:r>
+            <a:endParaRPr lang="zh-CN" altLang="zh-CN" dirty="0"/>
+          </a:p>
+          <a:p>
+            <a:r>
+              <a:rPr lang="en-US" altLang="zh-CN" dirty="0"/>
+              <a:t>Loss</a:t>
+            </a:r>
+            <a:r>
+              <a:rPr lang="zh-CN" altLang="zh-CN" dirty="0"/>
+              <a:t>在</a:t>
+            </a:r>
+            <a:r>
+              <a:rPr lang="en-US" altLang="zh-CN" dirty="0"/>
+              <a:t>0.7407323834975121</a:t>
+            </a:r>
+            <a:r>
+              <a:rPr lang="zh-CN" altLang="zh-CN" dirty="0"/>
+              <a:t>就不再下降</a:t>
+            </a:r>
+          </a:p>
+          <a:p>
+            <a:r>
+              <a:rPr lang="zh-CN" altLang="zh-CN" dirty="0"/>
+              <a:t>平均训练时间为</a:t>
+            </a:r>
+            <a:r>
+              <a:rPr lang="en-US" altLang="zh-CN" dirty="0"/>
+              <a:t>224</a:t>
+            </a:r>
+            <a:r>
+              <a:rPr lang="zh-CN" altLang="zh-CN" dirty="0"/>
+              <a:t>的三倍以上</a:t>
+            </a:r>
+          </a:p>
+          <a:p>
+            <a:endParaRPr lang="zh-CN" altLang="en-US" dirty="0"/>
+          </a:p>
+        </p:txBody>
+      </p:sp>
+    </p:spTree>
+    <p:extLst>
+      <p:ext uri="{BB962C8B-B14F-4D97-AF65-F5344CB8AC3E}">
+        <p14:creationId xmlns:p14="http://schemas.microsoft.com/office/powerpoint/2010/main" val="205474414"/>
       </p:ext>
     </p:extLst>
   </p:cSld>
@@ -4817,7 +10598,11 @@
           <a:bodyPr/>
           <a:lstStyle/>
           <a:p>
-            <a:endParaRPr lang="zh-CN" altLang="en-US"/>
+            <a:r>
+              <a:rPr lang="en-US" altLang="zh-CN" dirty="0"/>
+              <a:t>Architecture </a:t>
+            </a:r>
+            <a:endParaRPr lang="zh-CN" altLang="en-US" dirty="0"/>
           </a:p>
         </p:txBody>
       </p:sp>
@@ -4837,12 +10622,122 @@
             <p:ph idx="1"/>
           </p:nvPr>
         </p:nvSpPr>
-        <p:spPr/>
-        <p:txBody>
-          <a:bodyPr/>
-          <a:lstStyle/>
-          <a:p>
-            <a:endParaRPr lang="zh-CN" altLang="en-US"/>
+        <p:spPr>
+          <a:xfrm>
+            <a:off x="838200" y="1825625"/>
+            <a:ext cx="10515600" cy="4493288"/>
+          </a:xfrm>
+        </p:spPr>
+        <p:txBody>
+          <a:bodyPr>
+            <a:normAutofit/>
+          </a:bodyPr>
+          <a:lstStyle/>
+          <a:p>
+            <a:pPr>
+              <a:lnSpc>
+                <a:spcPct val="150000"/>
+              </a:lnSpc>
+            </a:pPr>
+            <a:r>
+              <a:rPr lang="zh-CN" altLang="zh-CN" dirty="0"/>
+              <a:t>编码器网络</a:t>
+            </a:r>
+            <a:r>
+              <a:rPr lang="en-US" altLang="zh-CN" dirty="0"/>
+              <a:t> + </a:t>
+            </a:r>
+            <a:r>
+              <a:rPr lang="zh-CN" altLang="zh-CN" dirty="0"/>
+              <a:t>解码器网络</a:t>
+            </a:r>
+            <a:r>
+              <a:rPr lang="en-US" altLang="zh-CN" dirty="0"/>
+              <a:t> + </a:t>
+            </a:r>
+            <a:r>
+              <a:rPr lang="zh-CN" altLang="zh-CN" dirty="0"/>
+              <a:t>像素分类层。</a:t>
+            </a:r>
+            <a:endParaRPr lang="en-US" altLang="zh-CN" dirty="0"/>
+          </a:p>
+          <a:p>
+            <a:pPr>
+              <a:lnSpc>
+                <a:spcPct val="150000"/>
+              </a:lnSpc>
+            </a:pPr>
+            <a:r>
+              <a:rPr lang="zh-CN" altLang="zh-CN" dirty="0"/>
+              <a:t>编码器网络由</a:t>
+            </a:r>
+            <a:r>
+              <a:rPr lang="en-US" altLang="zh-CN" dirty="0"/>
+              <a:t>13</a:t>
+            </a:r>
+            <a:r>
+              <a:rPr lang="zh-CN" altLang="zh-CN" dirty="0"/>
+              <a:t>个卷积层组成，</a:t>
+            </a:r>
+            <a:r>
+              <a:rPr lang="zh-CN" altLang="en-US" dirty="0"/>
+              <a:t>来源于</a:t>
+            </a:r>
+            <a:r>
+              <a:rPr lang="en-US" altLang="zh-CN" dirty="0"/>
+              <a:t>VGG16</a:t>
+            </a:r>
+            <a:r>
+              <a:rPr lang="zh-CN" altLang="zh-CN" dirty="0"/>
+              <a:t>。 </a:t>
+            </a:r>
+            <a:r>
+              <a:rPr lang="zh-CN" altLang="en-US" dirty="0"/>
+              <a:t>去掉全连接层</a:t>
+            </a:r>
+            <a:r>
+              <a:rPr lang="zh-CN" altLang="zh-CN" dirty="0"/>
+              <a:t>，保留更高分辨率的特征图。减少编码器网络的参数数量（从</a:t>
+            </a:r>
+            <a:r>
+              <a:rPr lang="en-US" altLang="zh-CN" dirty="0"/>
+              <a:t>134M</a:t>
+            </a:r>
+            <a:r>
+              <a:rPr lang="zh-CN" altLang="zh-CN" dirty="0"/>
+              <a:t>到</a:t>
+            </a:r>
+            <a:r>
+              <a:rPr lang="en-US" altLang="zh-CN" dirty="0"/>
+              <a:t>14.7 M)</a:t>
+            </a:r>
+          </a:p>
+          <a:p>
+            <a:pPr>
+              <a:lnSpc>
+                <a:spcPct val="150000"/>
+              </a:lnSpc>
+            </a:pPr>
+            <a:r>
+              <a:rPr lang="zh-CN" altLang="zh-CN" dirty="0"/>
+              <a:t>每个编码器层具有相应的解码器层</a:t>
+            </a:r>
+            <a:r>
+              <a:rPr lang="zh-CN" altLang="en-US" dirty="0"/>
+              <a:t>，</a:t>
+            </a:r>
+            <a:r>
+              <a:rPr lang="zh-CN" altLang="zh-CN" dirty="0"/>
+              <a:t>最终的解码器输出被馈送到多类</a:t>
+            </a:r>
+            <a:r>
+              <a:rPr lang="en-US" altLang="zh-CN" dirty="0"/>
+              <a:t>soft-max</a:t>
+            </a:r>
+            <a:r>
+              <a:rPr lang="zh-CN" altLang="zh-CN" dirty="0"/>
+              <a:t>分类器，以独立地为每个像素产生类概率。</a:t>
+            </a:r>
           </a:p>
         </p:txBody>
       </p:sp>
@@ -4876,60 +10771,42 @@
           <a:chExt cx="0" cy="0"/>
         </a:xfrm>
       </p:grpSpPr>
-      <p:sp>
-        <p:nvSpPr>
-          <p:cNvPr id="2" name="标题 1">
+      <p:pic>
+        <p:nvPicPr>
+          <p:cNvPr id="7" name="内容占位符 6">
             <a:extLst>
               <a:ext uri="{FF2B5EF4-FFF2-40B4-BE49-F238E27FC236}">
-                <a16:creationId xmlns:a16="http://schemas.microsoft.com/office/drawing/2014/main" id="{6421836B-551F-466F-BD13-80DE9C8693D6}"/>
+                <a16:creationId xmlns:a16="http://schemas.microsoft.com/office/drawing/2014/main" id="{686AC51D-51A7-46C5-9270-5F76A37F64D0}"/>
               </a:ext>
             </a:extLst>
           </p:cNvPr>
-          <p:cNvSpPr>
-            <a:spLocks noGrp="1"/>
-          </p:cNvSpPr>
-          <p:nvPr>
-            <p:ph type="title"/>
-          </p:nvPr>
-        </p:nvSpPr>
-        <p:spPr/>
-        <p:txBody>
-          <a:bodyPr/>
-          <a:lstStyle/>
-          <a:p>
-            <a:endParaRPr lang="zh-CN" altLang="en-US"/>
-          </a:p>
-        </p:txBody>
-      </p:sp>
-      <p:sp>
-        <p:nvSpPr>
-          <p:cNvPr id="3" name="内容占位符 2">
-            <a:extLst>
-              <a:ext uri="{FF2B5EF4-FFF2-40B4-BE49-F238E27FC236}">
-                <a16:creationId xmlns:a16="http://schemas.microsoft.com/office/drawing/2014/main" id="{09CE0179-EEF1-4AC5-B261-96679F4A1D5D}"/>
-              </a:ext>
-            </a:extLst>
-          </p:cNvPr>
-          <p:cNvSpPr>
-            <a:spLocks noGrp="1"/>
-          </p:cNvSpPr>
+          <p:cNvPicPr>
+            <a:picLocks noGrp="1"/>
+          </p:cNvPicPr>
           <p:nvPr>
             <p:ph idx="1"/>
           </p:nvPr>
-        </p:nvSpPr>
-        <p:spPr/>
-        <p:txBody>
-          <a:bodyPr/>
-          <a:lstStyle/>
-          <a:p>
-            <a:endParaRPr lang="zh-CN" altLang="en-US"/>
-          </a:p>
-        </p:txBody>
-      </p:sp>
+        </p:nvPicPr>
+        <p:blipFill>
+          <a:blip r:embed="rId3"/>
+          <a:stretch>
+            <a:fillRect/>
+          </a:stretch>
+        </p:blipFill>
+        <p:spPr>
+          <a:xfrm>
+            <a:off x="209550" y="1572485"/>
+            <a:ext cx="11772900" cy="3713030"/>
+          </a:xfrm>
+          <a:prstGeom prst="rect">
+            <a:avLst/>
+          </a:prstGeom>
+        </p:spPr>
+      </p:pic>
     </p:spTree>
     <p:extLst>
       <p:ext uri="{BB962C8B-B14F-4D97-AF65-F5344CB8AC3E}">
-        <p14:creationId xmlns:p14="http://schemas.microsoft.com/office/powerpoint/2010/main" val="340355143"/>
+        <p14:creationId xmlns:p14="http://schemas.microsoft.com/office/powerpoint/2010/main" val="3793961190"/>
       </p:ext>
     </p:extLst>
   </p:cSld>
@@ -4961,7 +10838,7 @@
           <p:cNvPr id="2" name="标题 1">
             <a:extLst>
               <a:ext uri="{FF2B5EF4-FFF2-40B4-BE49-F238E27FC236}">
-                <a16:creationId xmlns:a16="http://schemas.microsoft.com/office/drawing/2014/main" id="{5258417A-21C3-4900-B198-C123F59ED903}"/>
+                <a16:creationId xmlns:a16="http://schemas.microsoft.com/office/drawing/2014/main" id="{8D2EE3BD-33A5-41ED-859A-2B859539D9D1}"/>
               </a:ext>
             </a:extLst>
           </p:cNvPr>
@@ -4977,39 +10854,50 @@
           <a:bodyPr/>
           <a:lstStyle/>
           <a:p>
-            <a:endParaRPr lang="zh-CN" altLang="en-US"/>
-          </a:p>
-        </p:txBody>
-      </p:sp>
-      <p:sp>
-        <p:nvSpPr>
-          <p:cNvPr id="3" name="内容占位符 2">
+            <a:r>
+              <a:rPr lang="en-US" altLang="zh-CN" dirty="0"/>
+              <a:t>max-pooling indices</a:t>
+            </a:r>
+            <a:endParaRPr lang="zh-CN" altLang="en-US" dirty="0"/>
+          </a:p>
+        </p:txBody>
+      </p:sp>
+      <p:pic>
+        <p:nvPicPr>
+          <p:cNvPr id="4" name="内容占位符 3">
             <a:extLst>
               <a:ext uri="{FF2B5EF4-FFF2-40B4-BE49-F238E27FC236}">
-                <a16:creationId xmlns:a16="http://schemas.microsoft.com/office/drawing/2014/main" id="{4CF358DF-96E4-4D37-8914-EE83F7E9CD2C}"/>
+                <a16:creationId xmlns:a16="http://schemas.microsoft.com/office/drawing/2014/main" id="{4FED1F68-34D7-49A9-8CF7-A54399A33105}"/>
               </a:ext>
             </a:extLst>
           </p:cNvPr>
-          <p:cNvSpPr>
-            <a:spLocks noGrp="1"/>
-          </p:cNvSpPr>
+          <p:cNvPicPr>
+            <a:picLocks noGrp="1"/>
+          </p:cNvPicPr>
           <p:nvPr>
             <p:ph idx="1"/>
           </p:nvPr>
-        </p:nvSpPr>
-        <p:spPr/>
-        <p:txBody>
-          <a:bodyPr/>
-          <a:lstStyle/>
-          <a:p>
-            <a:endParaRPr lang="zh-CN" altLang="en-US"/>
-          </a:p>
-        </p:txBody>
-      </p:sp>
+        </p:nvPicPr>
+        <p:blipFill>
+          <a:blip r:embed="rId3"/>
+          <a:stretch>
+            <a:fillRect/>
+          </a:stretch>
+        </p:blipFill>
+        <p:spPr>
+          <a:xfrm>
+            <a:off x="4367480" y="1690688"/>
+            <a:ext cx="5722567" cy="4696464"/>
+          </a:xfrm>
+          <a:prstGeom prst="rect">
+            <a:avLst/>
+          </a:prstGeom>
+        </p:spPr>
+      </p:pic>
     </p:spTree>
     <p:extLst>
       <p:ext uri="{BB962C8B-B14F-4D97-AF65-F5344CB8AC3E}">
-        <p14:creationId xmlns:p14="http://schemas.microsoft.com/office/powerpoint/2010/main" val="2692377348"/>
+        <p14:creationId xmlns:p14="http://schemas.microsoft.com/office/powerpoint/2010/main" val="970323064"/>
       </p:ext>
     </p:extLst>
   </p:cSld>
@@ -5041,7 +10929,7 @@
           <p:cNvPr id="2" name="标题 1">
             <a:extLst>
               <a:ext uri="{FF2B5EF4-FFF2-40B4-BE49-F238E27FC236}">
-                <a16:creationId xmlns:a16="http://schemas.microsoft.com/office/drawing/2014/main" id="{EDE4FFB4-4378-4F50-A136-0A9CAC0618A3}"/>
+                <a16:creationId xmlns:a16="http://schemas.microsoft.com/office/drawing/2014/main" id="{9880E236-F916-4A71-810B-963BEA0F2610}"/>
               </a:ext>
             </a:extLst>
           </p:cNvPr>
@@ -5057,39 +10945,50 @@
           <a:bodyPr/>
           <a:lstStyle/>
           <a:p>
-            <a:endParaRPr lang="zh-CN" altLang="en-US"/>
-          </a:p>
-        </p:txBody>
-      </p:sp>
-      <p:sp>
-        <p:nvSpPr>
-          <p:cNvPr id="3" name="内容占位符 2">
+            <a:r>
+              <a:rPr lang="en-US" altLang="zh-CN" dirty="0"/>
+              <a:t>Decoder Architecture </a:t>
+            </a:r>
+            <a:endParaRPr lang="zh-CN" altLang="en-US" dirty="0"/>
+          </a:p>
+        </p:txBody>
+      </p:sp>
+      <p:pic>
+        <p:nvPicPr>
+          <p:cNvPr id="4" name="内容占位符 3">
             <a:extLst>
               <a:ext uri="{FF2B5EF4-FFF2-40B4-BE49-F238E27FC236}">
-                <a16:creationId xmlns:a16="http://schemas.microsoft.com/office/drawing/2014/main" id="{156614FD-3783-4321-A673-E6094F977518}"/>
+                <a16:creationId xmlns:a16="http://schemas.microsoft.com/office/drawing/2014/main" id="{9771E856-D085-42A6-AB37-1617B604189D}"/>
               </a:ext>
             </a:extLst>
           </p:cNvPr>
-          <p:cNvSpPr>
-            <a:spLocks noGrp="1"/>
-          </p:cNvSpPr>
+          <p:cNvPicPr>
+            <a:picLocks noGrp="1"/>
+          </p:cNvPicPr>
           <p:nvPr>
             <p:ph idx="1"/>
           </p:nvPr>
-        </p:nvSpPr>
-        <p:spPr/>
-        <p:txBody>
-          <a:bodyPr/>
-          <a:lstStyle/>
-          <a:p>
-            <a:endParaRPr lang="zh-CN" altLang="en-US"/>
-          </a:p>
-        </p:txBody>
-      </p:sp>
+        </p:nvPicPr>
+        <p:blipFill>
+          <a:blip r:embed="rId3"/>
+          <a:stretch>
+            <a:fillRect/>
+          </a:stretch>
+        </p:blipFill>
+        <p:spPr>
+          <a:xfrm>
+            <a:off x="1541235" y="1690688"/>
+            <a:ext cx="9109530" cy="4916369"/>
+          </a:xfrm>
+          <a:prstGeom prst="rect">
+            <a:avLst/>
+          </a:prstGeom>
+        </p:spPr>
+      </p:pic>
     </p:spTree>
     <p:extLst>
       <p:ext uri="{BB962C8B-B14F-4D97-AF65-F5344CB8AC3E}">
-        <p14:creationId xmlns:p14="http://schemas.microsoft.com/office/powerpoint/2010/main" val="3760405486"/>
+        <p14:creationId xmlns:p14="http://schemas.microsoft.com/office/powerpoint/2010/main" val="972372908"/>
       </p:ext>
     </p:extLst>
   </p:cSld>
@@ -5121,7 +11020,7 @@
           <p:cNvPr id="2" name="标题 1">
             <a:extLst>
               <a:ext uri="{FF2B5EF4-FFF2-40B4-BE49-F238E27FC236}">
-                <a16:creationId xmlns:a16="http://schemas.microsoft.com/office/drawing/2014/main" id="{906A6D56-6CEE-4104-8461-7749291BAEDF}"/>
+                <a16:creationId xmlns:a16="http://schemas.microsoft.com/office/drawing/2014/main" id="{6D3E2C2B-C18C-4E14-AF81-B84E004F7656}"/>
               </a:ext>
             </a:extLst>
           </p:cNvPr>
@@ -5137,7 +11036,18 @@
           <a:bodyPr/>
           <a:lstStyle/>
           <a:p>
-            <a:endParaRPr lang="zh-CN" altLang="en-US"/>
+            <a:r>
+              <a:rPr lang="zh-CN" altLang="en-US" dirty="0"/>
+              <a:t>与</a:t>
+            </a:r>
+            <a:r>
+              <a:rPr lang="en-US" altLang="zh-CN" dirty="0"/>
+              <a:t>U-Net</a:t>
+            </a:r>
+            <a:r>
+              <a:rPr lang="zh-CN" altLang="en-US" dirty="0"/>
+              <a:t>对比</a:t>
+            </a:r>
           </a:p>
         </p:txBody>
       </p:sp>
@@ -5146,7 +11056,7 @@
           <p:cNvPr id="3" name="内容占位符 2">
             <a:extLst>
               <a:ext uri="{FF2B5EF4-FFF2-40B4-BE49-F238E27FC236}">
-                <a16:creationId xmlns:a16="http://schemas.microsoft.com/office/drawing/2014/main" id="{BD1A9614-9C52-4706-8BB6-79FA6075B2C0}"/>
+                <a16:creationId xmlns:a16="http://schemas.microsoft.com/office/drawing/2014/main" id="{CCDD6F34-B889-42F7-89F0-62FD73D8EF79}"/>
               </a:ext>
             </a:extLst>
           </p:cNvPr>
@@ -5162,14 +11072,129 @@
           <a:bodyPr/>
           <a:lstStyle/>
           <a:p>
-            <a:endParaRPr lang="zh-CN" altLang="en-US"/>
-          </a:p>
-        </p:txBody>
-      </p:sp>
+            <a:r>
+              <a:rPr lang="zh-CN" altLang="zh-CN" dirty="0"/>
+              <a:t>与</a:t>
+            </a:r>
+            <a:r>
+              <a:rPr lang="en-US" altLang="zh-CN" dirty="0" err="1"/>
+              <a:t>SegNet</a:t>
+            </a:r>
+            <a:r>
+              <a:rPr lang="zh-CN" altLang="zh-CN" dirty="0"/>
+              <a:t>相比，</a:t>
+            </a:r>
+            <a:r>
+              <a:rPr lang="en-US" altLang="zh-CN" dirty="0"/>
+              <a:t>U-Net</a:t>
+            </a:r>
+            <a:r>
+              <a:rPr lang="zh-CN" altLang="zh-CN" dirty="0"/>
+              <a:t>不</a:t>
+            </a:r>
+            <a:r>
+              <a:rPr lang="zh-CN" altLang="en-US" dirty="0"/>
+              <a:t>使</a:t>
+            </a:r>
+            <a:r>
+              <a:rPr lang="zh-CN" altLang="zh-CN" dirty="0"/>
+              <a:t>用池化索引，而是将整个特征图（以更多内存为代价）传输到相应的解码器并将它们</a:t>
+            </a:r>
+            <a:r>
+              <a:rPr lang="zh-CN" altLang="en-US" dirty="0"/>
+              <a:t>与已经</a:t>
+            </a:r>
+            <a:r>
+              <a:rPr lang="zh-CN" altLang="zh-CN" dirty="0"/>
+              <a:t>上采</a:t>
+            </a:r>
+            <a:r>
+              <a:rPr lang="zh-CN" altLang="en-US" dirty="0"/>
+              <a:t>的</a:t>
+            </a:r>
+            <a:r>
+              <a:rPr lang="zh-CN" altLang="zh-CN" dirty="0"/>
+              <a:t>样（通过反卷积）解码器特征图</a:t>
+            </a:r>
+            <a:r>
+              <a:rPr lang="zh-CN" altLang="en-US" dirty="0"/>
+              <a:t>连结起来</a:t>
+            </a:r>
+            <a:r>
+              <a:rPr lang="zh-CN" altLang="zh-CN" dirty="0"/>
+              <a:t>。</a:t>
+            </a:r>
+            <a:endParaRPr lang="en-US" altLang="zh-CN" dirty="0"/>
+          </a:p>
+          <a:p>
+            <a:endParaRPr lang="zh-CN" altLang="en-US" dirty="0"/>
+          </a:p>
+        </p:txBody>
+      </p:sp>
+      <p:pic>
+        <p:nvPicPr>
+          <p:cNvPr id="4" name="图片 3">
+            <a:extLst>
+              <a:ext uri="{FF2B5EF4-FFF2-40B4-BE49-F238E27FC236}">
+                <a16:creationId xmlns:a16="http://schemas.microsoft.com/office/drawing/2014/main" id="{330640EE-7FAA-48D6-90F5-906B4516048D}"/>
+              </a:ext>
+            </a:extLst>
+          </p:cNvPr>
+          <p:cNvPicPr>
+            <a:picLocks noChangeAspect="1"/>
+          </p:cNvPicPr>
+          <p:nvPr/>
+        </p:nvPicPr>
+        <p:blipFill>
+          <a:blip r:embed="rId3"/>
+          <a:stretch>
+            <a:fillRect/>
+          </a:stretch>
+        </p:blipFill>
+        <p:spPr>
+          <a:xfrm>
+            <a:off x="838200" y="3429000"/>
+            <a:ext cx="4345161" cy="2609996"/>
+          </a:xfrm>
+          <a:prstGeom prst="rect">
+            <a:avLst/>
+          </a:prstGeom>
+        </p:spPr>
+      </p:pic>
+      <p:pic>
+        <p:nvPicPr>
+          <p:cNvPr id="5" name="图片 4">
+            <a:extLst>
+              <a:ext uri="{FF2B5EF4-FFF2-40B4-BE49-F238E27FC236}">
+                <a16:creationId xmlns:a16="http://schemas.microsoft.com/office/drawing/2014/main" id="{782D447E-71DE-4F95-B394-9E8361AF73AA}"/>
+              </a:ext>
+            </a:extLst>
+          </p:cNvPr>
+          <p:cNvPicPr>
+            <a:picLocks noChangeAspect="1"/>
+          </p:cNvPicPr>
+          <p:nvPr/>
+        </p:nvPicPr>
+        <p:blipFill>
+          <a:blip r:embed="rId4"/>
+          <a:stretch>
+            <a:fillRect/>
+          </a:stretch>
+        </p:blipFill>
+        <p:spPr>
+          <a:xfrm>
+            <a:off x="6960450" y="3299485"/>
+            <a:ext cx="4393350" cy="2739511"/>
+          </a:xfrm>
+          <a:prstGeom prst="rect">
+            <a:avLst/>
+          </a:prstGeom>
+        </p:spPr>
+      </p:pic>
     </p:spTree>
     <p:extLst>
       <p:ext uri="{BB962C8B-B14F-4D97-AF65-F5344CB8AC3E}">
-        <p14:creationId xmlns:p14="http://schemas.microsoft.com/office/powerpoint/2010/main" val="1835458623"/>
+        <p14:creationId xmlns:p14="http://schemas.microsoft.com/office/powerpoint/2010/main" val="1108003979"/>
       </p:ext>
     </p:extLst>
   </p:cSld>
@@ -5201,7 +11226,7 @@
           <p:cNvPr id="2" name="标题 1">
             <a:extLst>
               <a:ext uri="{FF2B5EF4-FFF2-40B4-BE49-F238E27FC236}">
-                <a16:creationId xmlns:a16="http://schemas.microsoft.com/office/drawing/2014/main" id="{6D3E2C2B-C18C-4E14-AF81-B84E004F7656}"/>
+                <a16:creationId xmlns:a16="http://schemas.microsoft.com/office/drawing/2014/main" id="{EDE4FFB4-4378-4F50-A136-0A9CAC0618A3}"/>
               </a:ext>
             </a:extLst>
           </p:cNvPr>
@@ -5217,7 +11242,11 @@
           <a:bodyPr/>
           <a:lstStyle/>
           <a:p>
-            <a:endParaRPr lang="zh-CN" altLang="en-US"/>
+            <a:r>
+              <a:rPr lang="en-US" altLang="zh-CN" dirty="0"/>
+              <a:t>Decoder Variants</a:t>
+            </a:r>
+            <a:endParaRPr lang="zh-CN" altLang="en-US" dirty="0"/>
           </a:p>
         </p:txBody>
       </p:sp>
@@ -5226,7 +11255,7 @@
           <p:cNvPr id="3" name="内容占位符 2">
             <a:extLst>
               <a:ext uri="{FF2B5EF4-FFF2-40B4-BE49-F238E27FC236}">
-                <a16:creationId xmlns:a16="http://schemas.microsoft.com/office/drawing/2014/main" id="{CCDD6F34-B889-42F7-89F0-62FD73D8EF79}"/>
+                <a16:creationId xmlns:a16="http://schemas.microsoft.com/office/drawing/2014/main" id="{156614FD-3783-4321-A673-E6094F977518}"/>
               </a:ext>
             </a:extLst>
           </p:cNvPr>
@@ -5239,17 +11268,163 @@
         </p:nvSpPr>
         <p:spPr/>
         <p:txBody>
-          <a:bodyPr/>
-          <a:lstStyle/>
-          <a:p>
-            <a:endParaRPr lang="zh-CN" altLang="en-US"/>
+          <a:bodyPr>
+            <a:normAutofit fontScale="85000" lnSpcReduction="10000"/>
+          </a:bodyPr>
+          <a:lstStyle/>
+          <a:p>
+            <a:pPr>
+              <a:lnSpc>
+                <a:spcPct val="160000"/>
+              </a:lnSpc>
+            </a:pPr>
+            <a:r>
+              <a:rPr lang="zh-CN" altLang="zh-CN" dirty="0"/>
+              <a:t>使用较小版本的</a:t>
+            </a:r>
+            <a:r>
+              <a:rPr lang="en-US" altLang="zh-CN" dirty="0" err="1"/>
+              <a:t>SegNet</a:t>
+            </a:r>
+            <a:r>
+              <a:rPr lang="zh-CN" altLang="zh-CN" dirty="0"/>
+              <a:t>，称为</a:t>
+            </a:r>
+            <a:r>
+              <a:rPr lang="en-US" altLang="zh-CN" dirty="0" err="1"/>
+              <a:t>SegNet</a:t>
+            </a:r>
+            <a:r>
+              <a:rPr lang="en-US" altLang="zh-CN" dirty="0"/>
+              <a:t>-Basic</a:t>
+            </a:r>
+            <a:r>
+              <a:rPr lang="zh-CN" altLang="zh-CN" dirty="0"/>
+              <a:t>。具有四个编码器和四个解码器</a:t>
+            </a:r>
+            <a:r>
+              <a:rPr lang="zh-CN" altLang="en-US" dirty="0"/>
+              <a:t>。</a:t>
+            </a:r>
+            <a:endParaRPr lang="en-US" altLang="zh-CN" dirty="0"/>
+          </a:p>
+          <a:p>
+            <a:pPr>
+              <a:lnSpc>
+                <a:spcPct val="160000"/>
+              </a:lnSpc>
+            </a:pPr>
+            <a:r>
+              <a:rPr lang="zh-CN" altLang="zh-CN" dirty="0"/>
+              <a:t>编码器执行最大池化和二次采样，使用最大池索引进行上采样。</a:t>
+            </a:r>
+            <a:r>
+              <a:rPr lang="zh-CN" altLang="en-US" dirty="0"/>
+              <a:t>不</a:t>
+            </a:r>
+            <a:r>
+              <a:rPr lang="zh-CN" altLang="zh-CN" dirty="0"/>
+              <a:t>使用偏差</a:t>
+            </a:r>
+            <a:r>
+              <a:rPr lang="zh-CN" altLang="en-US" dirty="0"/>
+              <a:t>，解码器没有</a:t>
+            </a:r>
+            <a:r>
+              <a:rPr lang="en-US" altLang="zh-CN" dirty="0" err="1"/>
+              <a:t>ReLU</a:t>
+            </a:r>
+            <a:r>
+              <a:rPr lang="zh-CN" altLang="zh-CN" dirty="0"/>
+              <a:t>。选择</a:t>
+            </a:r>
+            <a:r>
+              <a:rPr lang="en-US" altLang="zh-CN" dirty="0"/>
+              <a:t>7</a:t>
+            </a:r>
+            <a:r>
+              <a:rPr lang="zh-CN" altLang="zh-CN" dirty="0"/>
+              <a:t>×</a:t>
+            </a:r>
+            <a:r>
+              <a:rPr lang="en-US" altLang="zh-CN" dirty="0"/>
+              <a:t>7</a:t>
+            </a:r>
+            <a:r>
+              <a:rPr lang="zh-CN" altLang="zh-CN" dirty="0"/>
+              <a:t>的恒定</a:t>
+            </a:r>
+            <a:r>
+              <a:rPr lang="en-US" altLang="zh-CN" dirty="0"/>
+              <a:t>kernel</a:t>
+            </a:r>
+            <a:r>
+              <a:rPr lang="zh-CN" altLang="en-US" dirty="0"/>
+              <a:t>。</a:t>
+            </a:r>
+            <a:endParaRPr lang="en-US" altLang="zh-CN" dirty="0"/>
+          </a:p>
+          <a:p>
+            <a:pPr>
+              <a:lnSpc>
+                <a:spcPct val="160000"/>
+              </a:lnSpc>
+            </a:pPr>
+            <a:r>
+              <a:rPr lang="zh-CN" altLang="zh-CN" dirty="0"/>
+              <a:t>小尺寸的</a:t>
+            </a:r>
+            <a:r>
+              <a:rPr lang="en-US" altLang="zh-CN" dirty="0" err="1"/>
+              <a:t>SegNet</a:t>
+            </a:r>
+            <a:r>
+              <a:rPr lang="en-US" altLang="zh-CN" dirty="0"/>
+              <a:t>-Basic</a:t>
+            </a:r>
+            <a:r>
+              <a:rPr lang="zh-CN" altLang="zh-CN" dirty="0"/>
+              <a:t>允许我们探索许多不同的变体（解码器）并在合理的时间内训练它们。类似地，我们创建了</a:t>
+            </a:r>
+            <a:r>
+              <a:rPr lang="en-US" altLang="zh-CN" dirty="0"/>
+              <a:t>FCN-Basic</a:t>
+            </a:r>
+            <a:r>
+              <a:rPr lang="zh-CN" altLang="en-US" dirty="0"/>
+              <a:t>，</a:t>
+            </a:r>
+            <a:r>
+              <a:rPr lang="zh-CN" altLang="zh-CN" dirty="0"/>
+              <a:t>与</a:t>
+            </a:r>
+            <a:r>
+              <a:rPr lang="en-US" altLang="zh-CN" dirty="0" err="1"/>
+              <a:t>SegNet</a:t>
+            </a:r>
+            <a:r>
+              <a:rPr lang="en-US" altLang="zh-CN" dirty="0"/>
+              <a:t>-Basic</a:t>
+            </a:r>
+            <a:r>
+              <a:rPr lang="zh-CN" altLang="zh-CN" dirty="0"/>
+              <a:t>共享相同的编码器网络，但使用了所有解码器中使用的</a:t>
+            </a:r>
+            <a:r>
+              <a:rPr lang="en-US" altLang="zh-CN" dirty="0"/>
+              <a:t>FCN</a:t>
+            </a:r>
+            <a:r>
+              <a:rPr lang="zh-CN" altLang="zh-CN" dirty="0"/>
+              <a:t>解码技术，即使用转置卷积。</a:t>
+            </a:r>
           </a:p>
         </p:txBody>
       </p:sp>
     </p:spTree>
     <p:extLst>
       <p:ext uri="{BB962C8B-B14F-4D97-AF65-F5344CB8AC3E}">
-        <p14:creationId xmlns:p14="http://schemas.microsoft.com/office/powerpoint/2010/main" val="1108003979"/>
+        <p14:creationId xmlns:p14="http://schemas.microsoft.com/office/powerpoint/2010/main" val="3760405486"/>
       </p:ext>
     </p:extLst>
   </p:cSld>
